--- a/Presentations/05_Pipes_Directives.pptx
+++ b/Presentations/05_Pipes_Directives.pptx
@@ -40,6 +40,7 @@
     <p:sldId id="285" r:id="rId37"/>
     <p:sldId id="286" r:id="rId38"/>
     <p:sldId id="287" r:id="rId39"/>
+    <p:sldId id="288" r:id="rId40"/>
   </p:sldIdLst>
   <p:sldSz cx="9144000" cy="6858000"/>
   <p:notesSz cx="6858000" cy="9144000"/>
@@ -94,10 +95,10 @@
         </a:solidFill>
         <a:effectLst/>
         <a:uFillTx/>
-        <a:latin typeface="+mj-lt"/>
-        <a:ea typeface="+mj-ea"/>
-        <a:cs typeface="+mj-cs"/>
-        <a:sym typeface="Helvetica Neue"/>
+        <a:latin typeface="Arial"/>
+        <a:ea typeface="Arial"/>
+        <a:cs typeface="Arial"/>
+        <a:sym typeface="Arial"/>
       </a:defRPr>
     </a:lvl1pPr>
     <a:lvl2pPr marL="0" marR="0" indent="0" algn="l" defTabSz="914400" rtl="0" fontAlgn="auto" latinLnBrk="0" hangingPunct="0">
@@ -124,10 +125,10 @@
         </a:solidFill>
         <a:effectLst/>
         <a:uFillTx/>
-        <a:latin typeface="+mj-lt"/>
-        <a:ea typeface="+mj-ea"/>
-        <a:cs typeface="+mj-cs"/>
-        <a:sym typeface="Helvetica Neue"/>
+        <a:latin typeface="Arial"/>
+        <a:ea typeface="Arial"/>
+        <a:cs typeface="Arial"/>
+        <a:sym typeface="Arial"/>
       </a:defRPr>
     </a:lvl2pPr>
     <a:lvl3pPr marL="0" marR="0" indent="0" algn="l" defTabSz="914400" rtl="0" fontAlgn="auto" latinLnBrk="0" hangingPunct="0">
@@ -154,10 +155,10 @@
         </a:solidFill>
         <a:effectLst/>
         <a:uFillTx/>
-        <a:latin typeface="+mj-lt"/>
-        <a:ea typeface="+mj-ea"/>
-        <a:cs typeface="+mj-cs"/>
-        <a:sym typeface="Helvetica Neue"/>
+        <a:latin typeface="Arial"/>
+        <a:ea typeface="Arial"/>
+        <a:cs typeface="Arial"/>
+        <a:sym typeface="Arial"/>
       </a:defRPr>
     </a:lvl3pPr>
     <a:lvl4pPr marL="0" marR="0" indent="0" algn="l" defTabSz="914400" rtl="0" fontAlgn="auto" latinLnBrk="0" hangingPunct="0">
@@ -184,10 +185,10 @@
         </a:solidFill>
         <a:effectLst/>
         <a:uFillTx/>
-        <a:latin typeface="+mj-lt"/>
-        <a:ea typeface="+mj-ea"/>
-        <a:cs typeface="+mj-cs"/>
-        <a:sym typeface="Helvetica Neue"/>
+        <a:latin typeface="Arial"/>
+        <a:ea typeface="Arial"/>
+        <a:cs typeface="Arial"/>
+        <a:sym typeface="Arial"/>
       </a:defRPr>
     </a:lvl4pPr>
     <a:lvl5pPr marL="0" marR="0" indent="0" algn="l" defTabSz="914400" rtl="0" fontAlgn="auto" latinLnBrk="0" hangingPunct="0">
@@ -214,10 +215,10 @@
         </a:solidFill>
         <a:effectLst/>
         <a:uFillTx/>
-        <a:latin typeface="+mj-lt"/>
-        <a:ea typeface="+mj-ea"/>
-        <a:cs typeface="+mj-cs"/>
-        <a:sym typeface="Helvetica Neue"/>
+        <a:latin typeface="Arial"/>
+        <a:ea typeface="Arial"/>
+        <a:cs typeface="Arial"/>
+        <a:sym typeface="Arial"/>
       </a:defRPr>
     </a:lvl5pPr>
     <a:lvl6pPr marL="0" marR="0" indent="0" algn="l" defTabSz="914400" rtl="0" fontAlgn="auto" latinLnBrk="0" hangingPunct="0">
@@ -244,10 +245,10 @@
         </a:solidFill>
         <a:effectLst/>
         <a:uFillTx/>
-        <a:latin typeface="+mj-lt"/>
-        <a:ea typeface="+mj-ea"/>
-        <a:cs typeface="+mj-cs"/>
-        <a:sym typeface="Helvetica Neue"/>
+        <a:latin typeface="Arial"/>
+        <a:ea typeface="Arial"/>
+        <a:cs typeface="Arial"/>
+        <a:sym typeface="Arial"/>
       </a:defRPr>
     </a:lvl6pPr>
     <a:lvl7pPr marL="0" marR="0" indent="0" algn="l" defTabSz="914400" rtl="0" fontAlgn="auto" latinLnBrk="0" hangingPunct="0">
@@ -274,10 +275,10 @@
         </a:solidFill>
         <a:effectLst/>
         <a:uFillTx/>
-        <a:latin typeface="+mj-lt"/>
-        <a:ea typeface="+mj-ea"/>
-        <a:cs typeface="+mj-cs"/>
-        <a:sym typeface="Helvetica Neue"/>
+        <a:latin typeface="Arial"/>
+        <a:ea typeface="Arial"/>
+        <a:cs typeface="Arial"/>
+        <a:sym typeface="Arial"/>
       </a:defRPr>
     </a:lvl7pPr>
     <a:lvl8pPr marL="0" marR="0" indent="0" algn="l" defTabSz="914400" rtl="0" fontAlgn="auto" latinLnBrk="0" hangingPunct="0">
@@ -304,10 +305,10 @@
         </a:solidFill>
         <a:effectLst/>
         <a:uFillTx/>
-        <a:latin typeface="+mj-lt"/>
-        <a:ea typeface="+mj-ea"/>
-        <a:cs typeface="+mj-cs"/>
-        <a:sym typeface="Helvetica Neue"/>
+        <a:latin typeface="Arial"/>
+        <a:ea typeface="Arial"/>
+        <a:cs typeface="Arial"/>
+        <a:sym typeface="Arial"/>
       </a:defRPr>
     </a:lvl8pPr>
     <a:lvl9pPr marL="0" marR="0" indent="0" algn="l" defTabSz="914400" rtl="0" fontAlgn="auto" latinLnBrk="0" hangingPunct="0">
@@ -334,10 +335,10 @@
         </a:solidFill>
         <a:effectLst/>
         <a:uFillTx/>
-        <a:latin typeface="+mj-lt"/>
-        <a:ea typeface="+mj-ea"/>
-        <a:cs typeface="+mj-cs"/>
-        <a:sym typeface="Helvetica Neue"/>
+        <a:latin typeface="Arial"/>
+        <a:ea typeface="Arial"/>
+        <a:cs typeface="Arial"/>
+        <a:sym typeface="Arial"/>
       </a:defRPr>
     </a:lvl9pPr>
   </p:defaultTextStyle>
@@ -523,7 +524,7 @@
         <p:spPr>
           <a:xfrm>
             <a:off x="685800" y="2111123"/>
-            <a:ext cx="7772400" cy="1546477"/>
+            <a:ext cx="7772400" cy="1546475"/>
           </a:xfrm>
           <a:prstGeom prst="rect">
             <a:avLst/>
@@ -555,7 +556,7 @@
         <p:spPr>
           <a:xfrm>
             <a:off x="685800" y="3786737"/>
-            <a:ext cx="7772400" cy="1046320"/>
+            <a:ext cx="7772400" cy="1046318"/>
           </a:xfrm>
           <a:prstGeom prst="rect">
             <a:avLst/>
@@ -761,7 +762,7 @@
                 <a:sym typeface="Calibri"/>
               </a:defRPr>
             </a:lvl1pPr>
-            <a:lvl2pPr marL="772582" indent="-207432">
+            <a:lvl2pPr marL="772583" indent="-207433">
               <a:buChar char="●"/>
               <a:defRPr sz="2800">
                 <a:latin typeface="Calibri"/>
@@ -779,7 +780,7 @@
                 <a:sym typeface="Calibri"/>
               </a:defRPr>
             </a:lvl3pPr>
-            <a:lvl4pPr marL="1684864" indent="-237064">
+            <a:lvl4pPr marL="1684866" indent="-237066">
               <a:defRPr sz="2800">
                 <a:latin typeface="Calibri"/>
                 <a:ea typeface="Calibri"/>
@@ -787,7 +788,7 @@
                 <a:sym typeface="Calibri"/>
               </a:defRPr>
             </a:lvl4pPr>
-            <a:lvl5pPr marL="2142064" indent="-237064">
+            <a:lvl5pPr marL="2142066" indent="-237066">
               <a:buChar char="●"/>
               <a:defRPr sz="2800">
                 <a:latin typeface="Calibri"/>
@@ -831,16 +832,16 @@
       </p:sp>
       <p:sp>
         <p:nvSpPr>
-          <p:cNvPr id="91" name="Shape 91"/>
-          <p:cNvSpPr/>
+          <p:cNvPr id="91" name="Прямоугольник"/>
+          <p:cNvSpPr txBox="1"/>
           <p:nvPr>
             <p:ph type="body" sz="half" idx="13"/>
           </p:nvPr>
         </p:nvSpPr>
         <p:spPr>
           <a:xfrm>
-            <a:off x="4648198" y="1600200"/>
-            <a:ext cx="4038601" cy="4525963"/>
+            <a:off x="4648200" y="1600200"/>
+            <a:ext cx="4038599" cy="4525963"/>
           </a:xfrm>
           <a:prstGeom prst="rect">
             <a:avLst/>
@@ -850,7 +851,14 @@
           <a:bodyPr/>
           <a:lstStyle/>
           <a:p>
-            <a:pPr/>
+            <a:pPr marL="342900" indent="-222250">
+              <a:defRPr sz="2800">
+                <a:latin typeface="Calibri"/>
+                <a:ea typeface="Calibri"/>
+                <a:cs typeface="Calibri"/>
+                <a:sym typeface="Calibri"/>
+              </a:defRPr>
+            </a:pPr>
           </a:p>
         </p:txBody>
       </p:sp>
@@ -864,15 +872,15 @@
         </p:nvSpPr>
         <p:spPr>
           <a:xfrm>
-            <a:off x="8293486" y="6348797"/>
-            <a:ext cx="393315" cy="380230"/>
+            <a:off x="8293481" y="6348795"/>
+            <a:ext cx="393319" cy="380235"/>
           </a:xfrm>
           <a:prstGeom prst="rect">
             <a:avLst/>
           </a:prstGeom>
         </p:spPr>
         <p:txBody>
-          <a:bodyPr lIns="91422" tIns="91422" rIns="91422" bIns="91422"/>
+          <a:bodyPr lIns="91424" tIns="91424" rIns="91424" bIns="91424"/>
           <a:lstStyle>
             <a:lvl1pPr>
               <a:defRPr sz="1400"/>
@@ -975,7 +983,7 @@
                 <a:sym typeface="Calibri"/>
               </a:defRPr>
             </a:lvl1pPr>
-            <a:lvl2pPr>
+            <a:lvl2pPr indent="457200">
               <a:buClrTx/>
               <a:buSzTx/>
               <a:buFontTx/>
@@ -987,7 +995,7 @@
                 <a:sym typeface="Calibri"/>
               </a:defRPr>
             </a:lvl2pPr>
-            <a:lvl3pPr>
+            <a:lvl3pPr indent="914400">
               <a:buClrTx/>
               <a:buSzTx/>
               <a:buFontTx/>
@@ -999,7 +1007,7 @@
                 <a:sym typeface="Calibri"/>
               </a:defRPr>
             </a:lvl3pPr>
-            <a:lvl4pPr>
+            <a:lvl4pPr indent="1371600">
               <a:buClrTx/>
               <a:buSzTx/>
               <a:buFontTx/>
@@ -1011,7 +1019,7 @@
                 <a:sym typeface="Calibri"/>
               </a:defRPr>
             </a:lvl4pPr>
-            <a:lvl5pPr>
+            <a:lvl5pPr indent="1828800">
               <a:buClrTx/>
               <a:buSzTx/>
               <a:buFontTx/>
@@ -1058,16 +1066,16 @@
       </p:sp>
       <p:sp>
         <p:nvSpPr>
-          <p:cNvPr id="101" name="Shape 101"/>
-          <p:cNvSpPr/>
+          <p:cNvPr id="101" name="Прямоугольник"/>
+          <p:cNvSpPr txBox="1"/>
           <p:nvPr>
             <p:ph type="body" sz="half" idx="13"/>
           </p:nvPr>
         </p:nvSpPr>
         <p:spPr>
           <a:xfrm>
-            <a:off x="457198" y="2174875"/>
-            <a:ext cx="4040192" cy="3951288"/>
+            <a:off x="457199" y="2174875"/>
+            <a:ext cx="4040189" cy="3951288"/>
           </a:xfrm>
           <a:prstGeom prst="rect">
             <a:avLst/>
@@ -1077,22 +1085,29 @@
           <a:bodyPr/>
           <a:lstStyle/>
           <a:p>
-            <a:pPr/>
+            <a:pPr marL="342900" indent="-222250">
+              <a:defRPr sz="2400">
+                <a:latin typeface="Calibri"/>
+                <a:ea typeface="Calibri"/>
+                <a:cs typeface="Calibri"/>
+                <a:sym typeface="Calibri"/>
+              </a:defRPr>
+            </a:pPr>
           </a:p>
         </p:txBody>
       </p:sp>
       <p:sp>
         <p:nvSpPr>
-          <p:cNvPr id="102" name="Shape 102"/>
-          <p:cNvSpPr/>
+          <p:cNvPr id="102" name="Прямоугольник"/>
+          <p:cNvSpPr txBox="1"/>
           <p:nvPr>
             <p:ph type="body" sz="quarter" idx="14"/>
           </p:nvPr>
         </p:nvSpPr>
         <p:spPr>
           <a:xfrm>
-            <a:off x="4645023" y="1535111"/>
-            <a:ext cx="4041776" cy="639766"/>
+            <a:off x="4645025" y="1535112"/>
+            <a:ext cx="4041774" cy="639763"/>
           </a:xfrm>
           <a:prstGeom prst="rect">
             <a:avLst/>
@@ -1102,22 +1117,33 @@
           <a:bodyPr anchor="b"/>
           <a:lstStyle/>
           <a:p>
-            <a:pPr/>
+            <a:pPr>
+              <a:buClrTx/>
+              <a:buSzTx/>
+              <a:buFontTx/>
+              <a:buNone/>
+              <a:defRPr b="1" sz="2400">
+                <a:latin typeface="Calibri"/>
+                <a:ea typeface="Calibri"/>
+                <a:cs typeface="Calibri"/>
+                <a:sym typeface="Calibri"/>
+              </a:defRPr>
+            </a:pPr>
           </a:p>
         </p:txBody>
       </p:sp>
       <p:sp>
         <p:nvSpPr>
-          <p:cNvPr id="103" name="Shape 103"/>
-          <p:cNvSpPr/>
+          <p:cNvPr id="103" name="Прямоугольник"/>
+          <p:cNvSpPr txBox="1"/>
           <p:nvPr>
             <p:ph type="body" sz="half" idx="15"/>
           </p:nvPr>
         </p:nvSpPr>
         <p:spPr>
           <a:xfrm>
-            <a:off x="4645023" y="2174875"/>
-            <a:ext cx="4041776" cy="3951288"/>
+            <a:off x="4645025" y="2174875"/>
+            <a:ext cx="4041774" cy="3951288"/>
           </a:xfrm>
           <a:prstGeom prst="rect">
             <a:avLst/>
@@ -1127,7 +1153,14 @@
           <a:bodyPr/>
           <a:lstStyle/>
           <a:p>
-            <a:pPr/>
+            <a:pPr marL="342900" indent="-222250">
+              <a:defRPr sz="2400">
+                <a:latin typeface="Calibri"/>
+                <a:ea typeface="Calibri"/>
+                <a:cs typeface="Calibri"/>
+                <a:sym typeface="Calibri"/>
+              </a:defRPr>
+            </a:pPr>
           </a:p>
         </p:txBody>
       </p:sp>
@@ -1141,15 +1174,15 @@
         </p:nvSpPr>
         <p:spPr>
           <a:xfrm>
-            <a:off x="8293486" y="6348797"/>
-            <a:ext cx="393315" cy="380230"/>
+            <a:off x="8293481" y="6348795"/>
+            <a:ext cx="393319" cy="380235"/>
           </a:xfrm>
           <a:prstGeom prst="rect">
             <a:avLst/>
           </a:prstGeom>
         </p:spPr>
         <p:txBody>
-          <a:bodyPr lIns="91422" tIns="91422" rIns="91422" bIns="91422"/>
+          <a:bodyPr lIns="91424" tIns="91424" rIns="91424" bIns="91424"/>
           <a:lstStyle>
             <a:lvl1pPr>
               <a:defRPr sz="1400"/>
@@ -1230,15 +1263,15 @@
         </p:nvSpPr>
         <p:spPr>
           <a:xfrm>
-            <a:off x="8293486" y="6348797"/>
-            <a:ext cx="393315" cy="380230"/>
+            <a:off x="8293481" y="6348795"/>
+            <a:ext cx="393319" cy="380235"/>
           </a:xfrm>
           <a:prstGeom prst="rect">
             <a:avLst/>
           </a:prstGeom>
         </p:spPr>
         <p:txBody>
-          <a:bodyPr lIns="91422" tIns="91422" rIns="91422" bIns="91422"/>
+          <a:bodyPr lIns="91424" tIns="91424" rIns="91424" bIns="91424"/>
           <a:lstStyle>
             <a:lvl1pPr>
               <a:defRPr sz="1400"/>
@@ -1286,15 +1319,15 @@
         </p:nvSpPr>
         <p:spPr>
           <a:xfrm>
-            <a:off x="8293486" y="6348797"/>
-            <a:ext cx="393315" cy="380230"/>
+            <a:off x="8293481" y="6348795"/>
+            <a:ext cx="393319" cy="380235"/>
           </a:xfrm>
           <a:prstGeom prst="rect">
             <a:avLst/>
           </a:prstGeom>
         </p:spPr>
         <p:txBody>
-          <a:bodyPr lIns="91422" tIns="91422" rIns="91422" bIns="91422"/>
+          <a:bodyPr lIns="91424" tIns="91424" rIns="91424" bIns="91424"/>
           <a:lstStyle>
             <a:lvl1pPr>
               <a:defRPr sz="1400"/>
@@ -1343,7 +1376,7 @@
         <p:spPr>
           <a:xfrm>
             <a:off x="457200" y="273050"/>
-            <a:ext cx="3008316" cy="1162050"/>
+            <a:ext cx="3008314" cy="1162050"/>
           </a:xfrm>
           <a:prstGeom prst="rect">
             <a:avLst/>
@@ -1406,7 +1439,7 @@
                 <a:sym typeface="Calibri"/>
               </a:defRPr>
             </a:lvl2pPr>
-            <a:lvl3pPr marL="1188507" indent="-182032">
+            <a:lvl3pPr marL="1188508" indent="-182033">
               <a:buChar char="●"/>
               <a:defRPr sz="3200">
                 <a:latin typeface="Calibri"/>
@@ -1415,7 +1448,7 @@
                 <a:sym typeface="Calibri"/>
               </a:defRPr>
             </a:lvl3pPr>
-            <a:lvl4pPr marL="1691638" indent="-243838">
+            <a:lvl4pPr marL="1691639" indent="-243839">
               <a:defRPr sz="3200">
                 <a:latin typeface="Calibri"/>
                 <a:ea typeface="Calibri"/>
@@ -1423,7 +1456,7 @@
                 <a:sym typeface="Calibri"/>
               </a:defRPr>
             </a:lvl4pPr>
-            <a:lvl5pPr marL="2148838" indent="-243838">
+            <a:lvl5pPr marL="2148839" indent="-243839">
               <a:buChar char="●"/>
               <a:defRPr sz="3200">
                 <a:latin typeface="Calibri"/>
@@ -1467,16 +1500,16 @@
       </p:sp>
       <p:sp>
         <p:nvSpPr>
-          <p:cNvPr id="128" name="Shape 128"/>
-          <p:cNvSpPr/>
+          <p:cNvPr id="128" name="Прямоугольник"/>
+          <p:cNvSpPr txBox="1"/>
           <p:nvPr>
             <p:ph type="body" sz="half" idx="13"/>
           </p:nvPr>
         </p:nvSpPr>
         <p:spPr>
           <a:xfrm>
-            <a:off x="457198" y="1435100"/>
-            <a:ext cx="3008317" cy="4691063"/>
+            <a:off x="457199" y="1435100"/>
+            <a:ext cx="3008315" cy="4691063"/>
           </a:xfrm>
           <a:prstGeom prst="rect">
             <a:avLst/>
@@ -1486,7 +1519,18 @@
           <a:bodyPr/>
           <a:lstStyle/>
           <a:p>
-            <a:pPr/>
+            <a:pPr>
+              <a:buClrTx/>
+              <a:buSzTx/>
+              <a:buFontTx/>
+              <a:buNone/>
+              <a:defRPr sz="1400">
+                <a:latin typeface="Calibri"/>
+                <a:ea typeface="Calibri"/>
+                <a:cs typeface="Calibri"/>
+                <a:sym typeface="Calibri"/>
+              </a:defRPr>
+            </a:pPr>
           </a:p>
         </p:txBody>
       </p:sp>
@@ -1500,15 +1544,15 @@
         </p:nvSpPr>
         <p:spPr>
           <a:xfrm>
-            <a:off x="8293486" y="6348797"/>
-            <a:ext cx="393315" cy="380230"/>
+            <a:off x="8293481" y="6348795"/>
+            <a:ext cx="393319" cy="380235"/>
           </a:xfrm>
           <a:prstGeom prst="rect">
             <a:avLst/>
           </a:prstGeom>
         </p:spPr>
         <p:txBody>
-          <a:bodyPr lIns="91422" tIns="91422" rIns="91422" bIns="91422"/>
+          <a:bodyPr lIns="91424" tIns="91424" rIns="91424" bIns="91424"/>
           <a:lstStyle>
             <a:lvl1pPr>
               <a:defRPr sz="1400"/>
@@ -1585,7 +1629,7 @@
       </p:sp>
       <p:sp>
         <p:nvSpPr>
-          <p:cNvPr id="137" name="Shape 137"/>
+          <p:cNvPr id="137" name="Изображение"/>
           <p:cNvSpPr/>
           <p:nvPr>
             <p:ph type="pic" sz="half" idx="13"/>
@@ -1621,7 +1665,7 @@
         <p:spPr>
           <a:xfrm>
             <a:off x="1792288" y="5367337"/>
-            <a:ext cx="5486399" cy="804864"/>
+            <a:ext cx="5486399" cy="804862"/>
           </a:xfrm>
           <a:prstGeom prst="rect">
             <a:avLst/>
@@ -1642,7 +1686,7 @@
                 <a:sym typeface="Calibri"/>
               </a:defRPr>
             </a:lvl1pPr>
-            <a:lvl2pPr>
+            <a:lvl2pPr indent="457200">
               <a:buClrTx/>
               <a:buSzTx/>
               <a:buFontTx/>
@@ -1654,7 +1698,7 @@
                 <a:sym typeface="Calibri"/>
               </a:defRPr>
             </a:lvl2pPr>
-            <a:lvl3pPr>
+            <a:lvl3pPr indent="914400">
               <a:buClrTx/>
               <a:buSzTx/>
               <a:buFontTx/>
@@ -1666,7 +1710,7 @@
                 <a:sym typeface="Calibri"/>
               </a:defRPr>
             </a:lvl3pPr>
-            <a:lvl4pPr>
+            <a:lvl4pPr indent="1371600">
               <a:buClrTx/>
               <a:buSzTx/>
               <a:buFontTx/>
@@ -1678,7 +1722,7 @@
                 <a:sym typeface="Calibri"/>
               </a:defRPr>
             </a:lvl4pPr>
-            <a:lvl5pPr>
+            <a:lvl5pPr indent="1828800">
               <a:buClrTx/>
               <a:buSzTx/>
               <a:buFontTx/>
@@ -1733,15 +1777,15 @@
         </p:nvSpPr>
         <p:spPr>
           <a:xfrm>
-            <a:off x="8293486" y="6348797"/>
-            <a:ext cx="393315" cy="380230"/>
+            <a:off x="8293481" y="6348795"/>
+            <a:ext cx="393319" cy="380235"/>
           </a:xfrm>
           <a:prstGeom prst="rect">
             <a:avLst/>
           </a:prstGeom>
         </p:spPr>
         <p:txBody>
-          <a:bodyPr lIns="91422" tIns="91422" rIns="91422" bIns="91422"/>
+          <a:bodyPr lIns="91424" tIns="91424" rIns="91424" bIns="91424"/>
           <a:lstStyle>
             <a:lvl1pPr>
               <a:defRPr sz="1400"/>
@@ -1823,7 +1867,7 @@
         <p:spPr>
           <a:xfrm rot="5400000">
             <a:off x="2309017" y="-251618"/>
-            <a:ext cx="4525965" cy="8229601"/>
+            <a:ext cx="4525964" cy="8229601"/>
           </a:xfrm>
           <a:prstGeom prst="rect">
             <a:avLst/>
@@ -1855,7 +1899,7 @@
                 <a:sym typeface="Calibri"/>
               </a:defRPr>
             </a:lvl2pPr>
-            <a:lvl3pPr marL="1188507" indent="-182032">
+            <a:lvl3pPr marL="1188508" indent="-182033">
               <a:spcBef>
                 <a:spcPts val="600"/>
               </a:spcBef>
@@ -1867,7 +1911,7 @@
                 <a:sym typeface="Calibri"/>
               </a:defRPr>
             </a:lvl3pPr>
-            <a:lvl4pPr marL="1691638" indent="-243838">
+            <a:lvl4pPr marL="1691639" indent="-243839">
               <a:spcBef>
                 <a:spcPts val="600"/>
               </a:spcBef>
@@ -1878,7 +1922,7 @@
                 <a:sym typeface="Calibri"/>
               </a:defRPr>
             </a:lvl4pPr>
-            <a:lvl5pPr marL="2148838" indent="-243838">
+            <a:lvl5pPr marL="2148839" indent="-243839">
               <a:spcBef>
                 <a:spcPts val="600"/>
               </a:spcBef>
@@ -1933,15 +1977,15 @@
         </p:nvSpPr>
         <p:spPr>
           <a:xfrm>
-            <a:off x="8293486" y="6348797"/>
-            <a:ext cx="393315" cy="380230"/>
+            <a:off x="8293481" y="6348795"/>
+            <a:ext cx="393319" cy="380235"/>
           </a:xfrm>
           <a:prstGeom prst="rect">
             <a:avLst/>
           </a:prstGeom>
         </p:spPr>
         <p:txBody>
-          <a:bodyPr lIns="91422" tIns="91422" rIns="91422" bIns="91422"/>
+          <a:bodyPr lIns="91424" tIns="91424" rIns="91424" bIns="91424"/>
           <a:lstStyle>
             <a:lvl1pPr>
               <a:defRPr sz="1400"/>
@@ -1990,7 +2034,7 @@
         <p:spPr>
           <a:xfrm rot="5400000">
             <a:off x="4732337" y="2171700"/>
-            <a:ext cx="5851528" cy="2057400"/>
+            <a:ext cx="5851526" cy="2057400"/>
           </a:xfrm>
           <a:prstGeom prst="rect">
             <a:avLst/>
@@ -2027,7 +2071,7 @@
         <p:spPr>
           <a:xfrm rot="5400000">
             <a:off x="541337" y="190500"/>
-            <a:ext cx="5851527" cy="6019799"/>
+            <a:ext cx="5851526" cy="6019799"/>
           </a:xfrm>
           <a:prstGeom prst="rect">
             <a:avLst/>
@@ -2059,7 +2103,7 @@
                 <a:sym typeface="Calibri"/>
               </a:defRPr>
             </a:lvl2pPr>
-            <a:lvl3pPr marL="1188507" indent="-182032">
+            <a:lvl3pPr marL="1188508" indent="-182033">
               <a:spcBef>
                 <a:spcPts val="600"/>
               </a:spcBef>
@@ -2071,7 +2115,7 @@
                 <a:sym typeface="Calibri"/>
               </a:defRPr>
             </a:lvl3pPr>
-            <a:lvl4pPr marL="1691638" indent="-243838">
+            <a:lvl4pPr marL="1691639" indent="-243839">
               <a:spcBef>
                 <a:spcPts val="600"/>
               </a:spcBef>
@@ -2082,7 +2126,7 @@
                 <a:sym typeface="Calibri"/>
               </a:defRPr>
             </a:lvl4pPr>
-            <a:lvl5pPr marL="2148838" indent="-243838">
+            <a:lvl5pPr marL="2148839" indent="-243839">
               <a:spcBef>
                 <a:spcPts val="600"/>
               </a:spcBef>
@@ -2137,15 +2181,15 @@
         </p:nvSpPr>
         <p:spPr>
           <a:xfrm>
-            <a:off x="8293486" y="6348797"/>
-            <a:ext cx="393315" cy="380230"/>
+            <a:off x="8293481" y="6348795"/>
+            <a:ext cx="393319" cy="380235"/>
           </a:xfrm>
           <a:prstGeom prst="rect">
             <a:avLst/>
           </a:prstGeom>
         </p:spPr>
         <p:txBody>
-          <a:bodyPr lIns="91422" tIns="91422" rIns="91422" bIns="91422"/>
+          <a:bodyPr lIns="91424" tIns="91424" rIns="91424" bIns="91424"/>
           <a:lstStyle>
             <a:lvl1pPr>
               <a:defRPr sz="1400"/>
@@ -2373,15 +2417,15 @@
         </p:nvSpPr>
         <p:spPr>
           <a:xfrm>
-            <a:off x="8293488" y="6348797"/>
-            <a:ext cx="393315" cy="380230"/>
+            <a:off x="8293482" y="6348795"/>
+            <a:ext cx="393319" cy="380235"/>
           </a:xfrm>
           <a:prstGeom prst="rect">
             <a:avLst/>
           </a:prstGeom>
         </p:spPr>
         <p:txBody>
-          <a:bodyPr lIns="91422" tIns="91422" rIns="91422" bIns="91422"/>
+          <a:bodyPr lIns="91424" tIns="91424" rIns="91424" bIns="91424"/>
           <a:lstStyle>
             <a:lvl1pPr>
               <a:defRPr sz="1400"/>
@@ -2617,8 +2661,8 @@
       </p:sp>
       <p:sp>
         <p:nvSpPr>
-          <p:cNvPr id="31" name="Shape 31"/>
-          <p:cNvSpPr/>
+          <p:cNvPr id="31" name="Прямоугольник"/>
+          <p:cNvSpPr txBox="1"/>
           <p:nvPr>
             <p:ph type="body" sz="half" idx="13"/>
           </p:nvPr>
@@ -2626,7 +2670,7 @@
         <p:spPr>
           <a:xfrm>
             <a:off x="4692272" y="1600200"/>
-            <a:ext cx="3994529" cy="4967574"/>
+            <a:ext cx="3994527" cy="4967574"/>
           </a:xfrm>
           <a:prstGeom prst="rect">
             <a:avLst/>
@@ -2771,7 +2815,7 @@
         <p:spPr>
           <a:xfrm>
             <a:off x="457200" y="5875077"/>
-            <a:ext cx="8229600" cy="692696"/>
+            <a:ext cx="8229600" cy="692694"/>
           </a:xfrm>
           <a:prstGeom prst="rect">
             <a:avLst/>
@@ -3014,7 +3058,7 @@
                 <a:sym typeface="Calibri"/>
               </a:defRPr>
             </a:lvl1pPr>
-            <a:lvl2pPr algn="ctr">
+            <a:lvl2pPr indent="457200" algn="ctr">
               <a:spcBef>
                 <a:spcPts val="600"/>
               </a:spcBef>
@@ -3032,7 +3076,7 @@
                 <a:sym typeface="Calibri"/>
               </a:defRPr>
             </a:lvl2pPr>
-            <a:lvl3pPr algn="ctr">
+            <a:lvl3pPr indent="914400" algn="ctr">
               <a:spcBef>
                 <a:spcPts val="600"/>
               </a:spcBef>
@@ -3050,7 +3094,7 @@
                 <a:sym typeface="Calibri"/>
               </a:defRPr>
             </a:lvl3pPr>
-            <a:lvl4pPr algn="ctr">
+            <a:lvl4pPr indent="1371600" algn="ctr">
               <a:spcBef>
                 <a:spcPts val="600"/>
               </a:spcBef>
@@ -3068,7 +3112,7 @@
                 <a:sym typeface="Calibri"/>
               </a:defRPr>
             </a:lvl4pPr>
-            <a:lvl5pPr algn="ctr">
+            <a:lvl5pPr indent="1828800" algn="ctr">
               <a:spcBef>
                 <a:spcPts val="600"/>
               </a:spcBef>
@@ -3129,15 +3173,15 @@
         </p:nvSpPr>
         <p:spPr>
           <a:xfrm>
-            <a:off x="8293486" y="6348797"/>
-            <a:ext cx="393315" cy="380230"/>
+            <a:off x="8293481" y="6348795"/>
+            <a:ext cx="393319" cy="380235"/>
           </a:xfrm>
           <a:prstGeom prst="rect">
             <a:avLst/>
           </a:prstGeom>
         </p:spPr>
         <p:txBody>
-          <a:bodyPr lIns="91422" tIns="91422" rIns="91422" bIns="91422"/>
+          <a:bodyPr lIns="91424" tIns="91424" rIns="91424" bIns="91424"/>
           <a:lstStyle>
             <a:lvl1pPr>
               <a:defRPr sz="1400"/>
@@ -3251,7 +3295,7 @@
                 <a:sym typeface="Calibri"/>
               </a:defRPr>
             </a:lvl2pPr>
-            <a:lvl3pPr marL="1188507" indent="-182032">
+            <a:lvl3pPr marL="1188508" indent="-182033">
               <a:spcBef>
                 <a:spcPts val="600"/>
               </a:spcBef>
@@ -3263,7 +3307,7 @@
                 <a:sym typeface="Calibri"/>
               </a:defRPr>
             </a:lvl3pPr>
-            <a:lvl4pPr marL="1691638" indent="-243838">
+            <a:lvl4pPr marL="1691639" indent="-243839">
               <a:spcBef>
                 <a:spcPts val="600"/>
               </a:spcBef>
@@ -3274,7 +3318,7 @@
                 <a:sym typeface="Calibri"/>
               </a:defRPr>
             </a:lvl4pPr>
-            <a:lvl5pPr marL="2148838" indent="-243838">
+            <a:lvl5pPr marL="2148839" indent="-243839">
               <a:spcBef>
                 <a:spcPts val="600"/>
               </a:spcBef>
@@ -3329,15 +3373,15 @@
         </p:nvSpPr>
         <p:spPr>
           <a:xfrm>
-            <a:off x="8293486" y="6348797"/>
-            <a:ext cx="393315" cy="380230"/>
+            <a:off x="8293481" y="6348795"/>
+            <a:ext cx="393319" cy="380235"/>
           </a:xfrm>
           <a:prstGeom prst="rect">
             <a:avLst/>
           </a:prstGeom>
         </p:spPr>
         <p:txBody>
-          <a:bodyPr lIns="91422" tIns="91422" rIns="91422" bIns="91422"/>
+          <a:bodyPr lIns="91424" tIns="91424" rIns="91424" bIns="91424"/>
           <a:lstStyle>
             <a:lvl1pPr>
               <a:defRPr sz="1400"/>
@@ -3423,7 +3467,7 @@
         <p:spPr>
           <a:xfrm>
             <a:off x="722312" y="2906713"/>
-            <a:ext cx="7772401" cy="1500190"/>
+            <a:ext cx="7772401" cy="1500188"/>
           </a:xfrm>
           <a:prstGeom prst="rect">
             <a:avLst/>
@@ -3447,7 +3491,7 @@
                 <a:sym typeface="Calibri"/>
               </a:defRPr>
             </a:lvl1pPr>
-            <a:lvl2pPr>
+            <a:lvl2pPr indent="457200">
               <a:buClrTx/>
               <a:buSzTx/>
               <a:buFontTx/>
@@ -3462,7 +3506,7 @@
                 <a:sym typeface="Calibri"/>
               </a:defRPr>
             </a:lvl2pPr>
-            <a:lvl3pPr>
+            <a:lvl3pPr indent="914400">
               <a:buClrTx/>
               <a:buSzTx/>
               <a:buFontTx/>
@@ -3477,7 +3521,7 @@
                 <a:sym typeface="Calibri"/>
               </a:defRPr>
             </a:lvl3pPr>
-            <a:lvl4pPr>
+            <a:lvl4pPr indent="1371600">
               <a:buClrTx/>
               <a:buSzTx/>
               <a:buFontTx/>
@@ -3492,7 +3536,7 @@
                 <a:sym typeface="Calibri"/>
               </a:defRPr>
             </a:lvl4pPr>
-            <a:lvl5pPr>
+            <a:lvl5pPr indent="1828800">
               <a:buClrTx/>
               <a:buSzTx/>
               <a:buFontTx/>
@@ -3550,15 +3594,15 @@
         </p:nvSpPr>
         <p:spPr>
           <a:xfrm>
-            <a:off x="8293486" y="6348797"/>
-            <a:ext cx="393315" cy="380230"/>
+            <a:off x="8293481" y="6348795"/>
+            <a:ext cx="393319" cy="380235"/>
           </a:xfrm>
           <a:prstGeom prst="rect">
             <a:avLst/>
           </a:prstGeom>
         </p:spPr>
         <p:txBody>
-          <a:bodyPr lIns="91422" tIns="91422" rIns="91422" bIns="91422"/>
+          <a:bodyPr lIns="91424" tIns="91424" rIns="91424" bIns="91424"/>
           <a:lstStyle>
             <a:lvl1pPr>
               <a:defRPr sz="1400"/>
@@ -3613,8 +3657,8 @@
         </p:nvSpPr>
         <p:spPr>
           <a:xfrm>
-            <a:off x="457200" y="274635"/>
-            <a:ext cx="8229600" cy="1143003"/>
+            <a:off x="457200" y="274636"/>
+            <a:ext cx="8229600" cy="1143001"/>
           </a:xfrm>
           <a:prstGeom prst="rect">
             <a:avLst/>
@@ -3629,7 +3673,7 @@
           </a:extLst>
         </p:spPr>
         <p:txBody>
-          <a:bodyPr lIns="91422" tIns="91422" rIns="91422" bIns="91422" anchor="b">
+          <a:bodyPr lIns="91424" tIns="91424" rIns="91424" bIns="91424" anchor="b">
             <a:normAutofit fontScale="100000" lnSpcReduction="0"/>
           </a:bodyPr>
           <a:lstStyle/>
@@ -3667,7 +3711,7 @@
           </a:extLst>
         </p:spPr>
         <p:txBody>
-          <a:bodyPr lIns="91422" tIns="91422" rIns="91422" bIns="91422">
+          <a:bodyPr lIns="91424" tIns="91424" rIns="91424" bIns="91424">
             <a:normAutofit fontScale="100000" lnSpcReduction="0"/>
           </a:bodyPr>
           <a:lstStyle/>
@@ -3713,8 +3757,8 @@
         </p:nvSpPr>
         <p:spPr>
           <a:xfrm>
-            <a:off x="6279548" y="6224225"/>
-            <a:ext cx="273653" cy="264251"/>
+            <a:off x="4419600" y="6172200"/>
+            <a:ext cx="2133600" cy="368301"/>
           </a:xfrm>
           <a:prstGeom prst="rect">
             <a:avLst/>
@@ -3724,17 +3768,12 @@
           </a:ln>
         </p:spPr>
         <p:txBody>
-          <a:bodyPr wrap="none" lIns="45718" tIns="45718" rIns="45718" bIns="45718" anchor="ctr">
+          <a:bodyPr wrap="none" lIns="45719" rIns="45719" anchor="ctr">
             <a:spAutoFit/>
           </a:bodyPr>
           <a:lstStyle>
             <a:lvl1pPr algn="r">
-              <a:defRPr sz="1200">
-                <a:latin typeface="Arial"/>
-                <a:ea typeface="Arial"/>
-                <a:cs typeface="Arial"/>
-                <a:sym typeface="Arial"/>
-              </a:defRPr>
+              <a:defRPr sz="1200"/>
             </a:lvl1pPr>
           </a:lstStyle>
           <a:p>
@@ -4032,7 +4071,7 @@
       </a:lvl9pPr>
     </p:titleStyle>
     <p:bodyStyle>
-      <a:lvl1pPr marL="0" marR="0" indent="0" algn="l" defTabSz="914400" rtl="0" latinLnBrk="0">
+      <a:lvl1pPr marL="0" marR="0" indent="0" algn="l" defTabSz="914400" latinLnBrk="0">
         <a:lnSpc>
           <a:spcPct val="100000"/>
         </a:lnSpc>
@@ -4063,7 +4102,7 @@
           <a:sym typeface="Arial"/>
         </a:defRPr>
       </a:lvl1pPr>
-      <a:lvl2pPr marL="0" marR="0" indent="0" algn="l" defTabSz="914400" rtl="0" latinLnBrk="0">
+      <a:lvl2pPr marL="0" marR="0" indent="0" algn="l" defTabSz="914400" latinLnBrk="0">
         <a:lnSpc>
           <a:spcPct val="100000"/>
         </a:lnSpc>
@@ -4094,7 +4133,7 @@
           <a:sym typeface="Arial"/>
         </a:defRPr>
       </a:lvl2pPr>
-      <a:lvl3pPr marL="0" marR="0" indent="0" algn="l" defTabSz="914400" rtl="0" latinLnBrk="0">
+      <a:lvl3pPr marL="0" marR="0" indent="0" algn="l" defTabSz="914400" latinLnBrk="0">
         <a:lnSpc>
           <a:spcPct val="100000"/>
         </a:lnSpc>
@@ -4125,7 +4164,7 @@
           <a:sym typeface="Arial"/>
         </a:defRPr>
       </a:lvl3pPr>
-      <a:lvl4pPr marL="0" marR="0" indent="0" algn="l" defTabSz="914400" rtl="0" latinLnBrk="0">
+      <a:lvl4pPr marL="0" marR="0" indent="0" algn="l" defTabSz="914400" latinLnBrk="0">
         <a:lnSpc>
           <a:spcPct val="100000"/>
         </a:lnSpc>
@@ -4156,7 +4195,7 @@
           <a:sym typeface="Arial"/>
         </a:defRPr>
       </a:lvl4pPr>
-      <a:lvl5pPr marL="0" marR="0" indent="0" algn="l" defTabSz="914400" rtl="0" latinLnBrk="0">
+      <a:lvl5pPr marL="0" marR="0" indent="0" algn="l" defTabSz="914400" latinLnBrk="0">
         <a:lnSpc>
           <a:spcPct val="100000"/>
         </a:lnSpc>
@@ -4187,7 +4226,7 @@
           <a:sym typeface="Arial"/>
         </a:defRPr>
       </a:lvl5pPr>
-      <a:lvl6pPr marL="0" marR="0" indent="0" algn="l" defTabSz="914400" rtl="0" latinLnBrk="0">
+      <a:lvl6pPr marL="0" marR="0" indent="0" algn="l" defTabSz="914400" latinLnBrk="0">
         <a:lnSpc>
           <a:spcPct val="100000"/>
         </a:lnSpc>
@@ -4218,7 +4257,7 @@
           <a:sym typeface="Arial"/>
         </a:defRPr>
       </a:lvl6pPr>
-      <a:lvl7pPr marL="0" marR="0" indent="0" algn="l" defTabSz="914400" rtl="0" latinLnBrk="0">
+      <a:lvl7pPr marL="0" marR="0" indent="0" algn="l" defTabSz="914400" latinLnBrk="0">
         <a:lnSpc>
           <a:spcPct val="100000"/>
         </a:lnSpc>
@@ -4249,7 +4288,7 @@
           <a:sym typeface="Arial"/>
         </a:defRPr>
       </a:lvl7pPr>
-      <a:lvl8pPr marL="0" marR="0" indent="0" algn="l" defTabSz="914400" rtl="0" latinLnBrk="0">
+      <a:lvl8pPr marL="0" marR="0" indent="0" algn="l" defTabSz="914400" latinLnBrk="0">
         <a:lnSpc>
           <a:spcPct val="100000"/>
         </a:lnSpc>
@@ -4280,7 +4319,7 @@
           <a:sym typeface="Arial"/>
         </a:defRPr>
       </a:lvl8pPr>
-      <a:lvl9pPr marL="0" marR="0" indent="0" algn="l" defTabSz="914400" rtl="0" latinLnBrk="0">
+      <a:lvl9pPr marL="0" marR="0" indent="0" algn="l" defTabSz="914400" latinLnBrk="0">
         <a:lnSpc>
           <a:spcPct val="100000"/>
         </a:lnSpc>
@@ -4598,7 +4637,7 @@
       </p:grpSpPr>
       <p:sp>
         <p:nvSpPr>
-          <p:cNvPr id="175" name="Shape 175"/>
+          <p:cNvPr id="175" name="Заголовок"/>
           <p:cNvSpPr txBox="1"/>
           <p:nvPr>
             <p:ph type="title"/>
@@ -4622,14 +4661,14 @@
       </p:sp>
       <p:sp>
         <p:nvSpPr>
-          <p:cNvPr id="176" name="Shape 178"/>
+          <p:cNvPr id="176" name="Angular School…"/>
           <p:cNvSpPr txBox="1"/>
           <p:nvPr/>
         </p:nvSpPr>
         <p:spPr>
           <a:xfrm>
             <a:off x="1218850" y="2345150"/>
-            <a:ext cx="5893800" cy="1963575"/>
+            <a:ext cx="5893800" cy="1963579"/>
           </a:xfrm>
           <a:prstGeom prst="rect">
             <a:avLst/>
@@ -4644,44 +4683,33 @@
           </a:extLst>
         </p:spPr>
         <p:txBody>
-          <a:bodyPr lIns="91422" tIns="91422" rIns="91422" bIns="91422">
+          <a:bodyPr lIns="91424" tIns="91424" rIns="91424" bIns="91424">
             <a:spAutoFit/>
           </a:bodyPr>
           <a:lstStyle/>
           <a:p>
             <a:pPr>
-              <a:defRPr sz="4800">
-                <a:latin typeface="Arial"/>
-                <a:ea typeface="Arial"/>
-                <a:cs typeface="Arial"/>
-                <a:sym typeface="Arial"/>
-              </a:defRPr>
+              <a:defRPr sz="4800"/>
             </a:pPr>
             <a:r>
               <a:t>Angular School</a:t>
             </a:r>
           </a:p>
           <a:p>
+            <a:pPr/>
+            <a:endParaRPr sz="4800">
+              <a:latin typeface="Bree Serif"/>
+              <a:ea typeface="Bree Serif"/>
+              <a:cs typeface="Bree Serif"/>
+              <a:sym typeface="Bree Serif"/>
+            </a:endParaRPr>
+          </a:p>
+          <a:p>
             <a:pPr>
-              <a:defRPr sz="4800">
-                <a:latin typeface="Bree Serif"/>
-                <a:ea typeface="Bree Serif"/>
-                <a:cs typeface="Bree Serif"/>
-                <a:sym typeface="Bree Serif"/>
-              </a:defRPr>
+              <a:defRPr i="1" sz="2400"/>
             </a:pPr>
-          </a:p>
-          <a:p>
-            <a:pPr>
-              <a:defRPr i="1" sz="2400">
-                <a:latin typeface="Arial"/>
-                <a:ea typeface="Arial"/>
-                <a:cs typeface="Arial"/>
-                <a:sym typeface="Arial"/>
-              </a:defRPr>
-            </a:pPr>
-            <a:r>
-              <a:t>Lesson 3. Pipes &amp; Directives</a:t>
+            <a:r>
+              <a:t>Lesson 6. Pipes &amp; Directives</a:t>
             </a:r>
           </a:p>
         </p:txBody>
@@ -4714,14 +4742,14 @@
       </p:grpSpPr>
       <p:sp>
         <p:nvSpPr>
-          <p:cNvPr id="225" name="Shape 236"/>
+          <p:cNvPr id="220" name="BUILT-IN PIPES"/>
           <p:cNvSpPr txBox="1"/>
           <p:nvPr/>
         </p:nvSpPr>
         <p:spPr>
           <a:xfrm>
             <a:off x="536775" y="1015800"/>
-            <a:ext cx="7328700" cy="538447"/>
+            <a:ext cx="7328700" cy="538451"/>
           </a:xfrm>
           <a:prstGeom prst="rect">
             <a:avLst/>
@@ -4736,7 +4764,7 @@
           </a:extLst>
         </p:spPr>
         <p:txBody>
-          <a:bodyPr lIns="91422" tIns="91422" rIns="91422" bIns="91422">
+          <a:bodyPr lIns="91424" tIns="91424" rIns="91424" bIns="91424">
             <a:spAutoFit/>
           </a:bodyPr>
           <a:lstStyle>
@@ -4759,14 +4787,14 @@
       </p:sp>
       <p:sp>
         <p:nvSpPr>
-          <p:cNvPr id="226" name="Shape 237"/>
+          <p:cNvPr id="221" name="Uppercase Pipe:…"/>
           <p:cNvSpPr txBox="1"/>
           <p:nvPr/>
         </p:nvSpPr>
         <p:spPr>
           <a:xfrm>
-            <a:off x="536773" y="1927199"/>
-            <a:ext cx="4360504" cy="442069"/>
+            <a:off x="536774" y="1927200"/>
+            <a:ext cx="4360502" cy="2247134"/>
           </a:xfrm>
           <a:prstGeom prst="rect">
             <a:avLst/>
@@ -4781,32 +4809,55 @@
           </a:extLst>
         </p:spPr>
         <p:txBody>
-          <a:bodyPr lIns="91422" tIns="91422" rIns="91422" bIns="91422">
+          <a:bodyPr lIns="91424" tIns="91424" rIns="91424" bIns="91424">
             <a:spAutoFit/>
           </a:bodyPr>
-          <a:lstStyle>
-            <a:lvl1pPr marL="457200" indent="-342900">
+          <a:lstStyle/>
+          <a:p>
+            <a:pPr marL="457200" indent="-342900">
               <a:buSzPct val="100000"/>
               <a:buChar char="■"/>
-              <a:defRPr sz="1800">
-                <a:latin typeface="Arial"/>
-                <a:ea typeface="Arial"/>
-                <a:cs typeface="Arial"/>
-                <a:sym typeface="Arial"/>
-              </a:defRPr>
-            </a:lvl1pPr>
-          </a:lstStyle>
-          <a:p>
-            <a:pPr/>
-            <a:r>
-              <a:t>Currency Pipe:</a:t>
+              <a:defRPr sz="1800"/>
+            </a:pPr>
+            <a:r>
+              <a:t>Uppercase Pipe:</a:t>
+            </a:r>
+          </a:p>
+          <a:p>
+            <a:pPr/>
+            <a:endParaRPr sz="1800"/>
+          </a:p>
+          <a:p>
+            <a:pPr/>
+            <a:endParaRPr sz="1800"/>
+          </a:p>
+          <a:p>
+            <a:pPr/>
+            <a:endParaRPr sz="1800"/>
+          </a:p>
+          <a:p>
+            <a:pPr/>
+            <a:endParaRPr sz="1800"/>
+          </a:p>
+          <a:p>
+            <a:pPr/>
+            <a:endParaRPr sz="1800"/>
+          </a:p>
+          <a:p>
+            <a:pPr marL="457200" indent="-342900">
+              <a:buSzPct val="100000"/>
+              <a:buChar char="■"/>
+              <a:defRPr sz="1800"/>
+            </a:pPr>
+            <a:r>
+              <a:t>Lowercase Pipe:</a:t>
             </a:r>
           </a:p>
         </p:txBody>
       </p:sp>
       <p:pic>
         <p:nvPicPr>
-          <p:cNvPr id="227" name="image17.png" descr="image17.png"/>
+          <p:cNvPr id="222" name="pipe_22.png" descr="pipe_22.png"/>
           <p:cNvPicPr>
             <a:picLocks noChangeAspect="1"/>
           </p:cNvPicPr>
@@ -4822,8 +4873,8 @@
         </p:blipFill>
         <p:spPr>
           <a:xfrm>
-            <a:off x="536774" y="2563940"/>
-            <a:ext cx="8070427" cy="2216465"/>
+            <a:off x="267850" y="4128275"/>
+            <a:ext cx="3619501" cy="704851"/>
           </a:xfrm>
           <a:prstGeom prst="rect">
             <a:avLst/>
@@ -4833,91 +4884,9 @@
           </a:ln>
         </p:spPr>
       </p:pic>
-      <p:sp>
-        <p:nvSpPr>
-          <p:cNvPr id="228" name="Shape 239"/>
-          <p:cNvSpPr/>
-          <p:nvPr/>
-        </p:nvSpPr>
-        <p:spPr>
-          <a:xfrm>
-            <a:off x="5311025" y="3502400"/>
-            <a:ext cx="1251603" cy="246603"/>
-          </a:xfrm>
-          <a:prstGeom prst="rightArrow">
-            <a:avLst>
-              <a:gd name="adj1" fmla="val 50000"/>
-              <a:gd name="adj2" fmla="val 50000"/>
-            </a:avLst>
-          </a:prstGeom>
-          <a:solidFill>
-            <a:srgbClr val="EEECE1"/>
-          </a:solidFill>
-          <a:ln>
-            <a:solidFill>
-              <a:srgbClr val="1F497D"/>
-            </a:solidFill>
-          </a:ln>
-        </p:spPr>
-        <p:txBody>
-          <a:bodyPr lIns="45718" tIns="45718" rIns="45718" bIns="45718" anchor="ctr"/>
-          <a:lstStyle/>
-          <a:p>
-            <a:pPr>
-              <a:defRPr>
-                <a:latin typeface="Arial"/>
-                <a:ea typeface="Arial"/>
-                <a:cs typeface="Arial"/>
-                <a:sym typeface="Arial"/>
-              </a:defRPr>
-            </a:pPr>
-          </a:p>
-        </p:txBody>
-      </p:sp>
-      <p:sp>
-        <p:nvSpPr>
-          <p:cNvPr id="229" name="Shape 240"/>
-          <p:cNvSpPr/>
-          <p:nvPr/>
-        </p:nvSpPr>
-        <p:spPr>
-          <a:xfrm>
-            <a:off x="5311025" y="4264400"/>
-            <a:ext cx="1251603" cy="246603"/>
-          </a:xfrm>
-          <a:prstGeom prst="rightArrow">
-            <a:avLst>
-              <a:gd name="adj1" fmla="val 50000"/>
-              <a:gd name="adj2" fmla="val 50000"/>
-            </a:avLst>
-          </a:prstGeom>
-          <a:solidFill>
-            <a:srgbClr val="EEECE1"/>
-          </a:solidFill>
-          <a:ln>
-            <a:solidFill>
-              <a:srgbClr val="1F497D"/>
-            </a:solidFill>
-          </a:ln>
-        </p:spPr>
-        <p:txBody>
-          <a:bodyPr lIns="45718" tIns="45718" rIns="45718" bIns="45718" anchor="ctr"/>
-          <a:lstStyle/>
-          <a:p>
-            <a:pPr>
-              <a:defRPr>
-                <a:latin typeface="Arial"/>
-                <a:ea typeface="Arial"/>
-                <a:cs typeface="Arial"/>
-                <a:sym typeface="Arial"/>
-              </a:defRPr>
-            </a:pPr>
-          </a:p>
-        </p:txBody>
-      </p:sp>
       <p:pic>
         <p:nvPicPr>
-          <p:cNvPr id="230" name="image18.png" descr="image18.png"/>
+          <p:cNvPr id="223" name="pipe_23.png" descr="pipe_23.png"/>
           <p:cNvPicPr>
             <a:picLocks noChangeAspect="1"/>
           </p:cNvPicPr>
@@ -4933,8 +4902,8 @@
         </p:blipFill>
         <p:spPr>
           <a:xfrm>
-            <a:off x="6633412" y="4157900"/>
-            <a:ext cx="1928324" cy="459603"/>
+            <a:off x="260550" y="2458124"/>
+            <a:ext cx="3638551" cy="781051"/>
           </a:xfrm>
           <a:prstGeom prst="rect">
             <a:avLst/>
@@ -4946,7 +4915,7 @@
       </p:pic>
       <p:pic>
         <p:nvPicPr>
-          <p:cNvPr id="231" name="image19.png" descr="image19.png"/>
+          <p:cNvPr id="224" name="pipe_24.png" descr="pipe_24.png"/>
           <p:cNvPicPr>
             <a:picLocks noChangeAspect="1"/>
           </p:cNvPicPr>
@@ -4962,8 +4931,8 @@
         </p:blipFill>
         <p:spPr>
           <a:xfrm>
-            <a:off x="6726035" y="3353075"/>
-            <a:ext cx="1743078" cy="485778"/>
+            <a:off x="4864199" y="2587550"/>
+            <a:ext cx="4057651" cy="285751"/>
           </a:xfrm>
           <a:prstGeom prst="rect">
             <a:avLst/>
@@ -4973,6 +4942,103 @@
           </a:ln>
         </p:spPr>
       </p:pic>
+      <p:pic>
+        <p:nvPicPr>
+          <p:cNvPr id="225" name="pipe_25.png" descr="pipe_25.png"/>
+          <p:cNvPicPr>
+            <a:picLocks noChangeAspect="1"/>
+          </p:cNvPicPr>
+          <p:nvPr/>
+        </p:nvPicPr>
+        <p:blipFill>
+          <a:blip r:embed="rId5">
+            <a:extLst/>
+          </a:blip>
+          <a:stretch>
+            <a:fillRect/>
+          </a:stretch>
+        </p:blipFill>
+        <p:spPr>
+          <a:xfrm>
+            <a:off x="4787999" y="4370311"/>
+            <a:ext cx="4133851" cy="295276"/>
+          </a:xfrm>
+          <a:prstGeom prst="rect">
+            <a:avLst/>
+          </a:prstGeom>
+          <a:ln w="12700">
+            <a:miter lim="400000"/>
+          </a:ln>
+        </p:spPr>
+      </p:pic>
+      <p:sp>
+        <p:nvSpPr>
+          <p:cNvPr id="226" name="Стрелка"/>
+          <p:cNvSpPr/>
+          <p:nvPr/>
+        </p:nvSpPr>
+        <p:spPr>
+          <a:xfrm>
+            <a:off x="4168025" y="2587999"/>
+            <a:ext cx="543901" cy="295201"/>
+          </a:xfrm>
+          <a:prstGeom prst="rightArrow">
+            <a:avLst>
+              <a:gd name="adj1" fmla="val 50000"/>
+              <a:gd name="adj2" fmla="val 50000"/>
+            </a:avLst>
+          </a:prstGeom>
+          <a:solidFill>
+            <a:srgbClr val="EEECE1"/>
+          </a:solidFill>
+          <a:ln>
+            <a:solidFill>
+              <a:srgbClr val="1F497D"/>
+            </a:solidFill>
+          </a:ln>
+        </p:spPr>
+        <p:txBody>
+          <a:bodyPr lIns="45719" rIns="45719" anchor="ctr"/>
+          <a:lstStyle/>
+          <a:p>
+            <a:pPr/>
+          </a:p>
+        </p:txBody>
+      </p:sp>
+      <p:sp>
+        <p:nvSpPr>
+          <p:cNvPr id="227" name="Стрелка"/>
+          <p:cNvSpPr/>
+          <p:nvPr/>
+        </p:nvSpPr>
+        <p:spPr>
+          <a:xfrm>
+            <a:off x="4168025" y="4340600"/>
+            <a:ext cx="543901" cy="295201"/>
+          </a:xfrm>
+          <a:prstGeom prst="rightArrow">
+            <a:avLst>
+              <a:gd name="adj1" fmla="val 50000"/>
+              <a:gd name="adj2" fmla="val 50000"/>
+            </a:avLst>
+          </a:prstGeom>
+          <a:solidFill>
+            <a:srgbClr val="EEECE1"/>
+          </a:solidFill>
+          <a:ln>
+            <a:solidFill>
+              <a:srgbClr val="1F497D"/>
+            </a:solidFill>
+          </a:ln>
+        </p:spPr>
+        <p:txBody>
+          <a:bodyPr lIns="45719" rIns="45719" anchor="ctr"/>
+          <a:lstStyle/>
+          <a:p>
+            <a:pPr/>
+          </a:p>
+        </p:txBody>
+      </p:sp>
     </p:spTree>
   </p:cSld>
   <p:clrMapOvr>
@@ -5001,14 +5067,14 @@
       </p:grpSpPr>
       <p:sp>
         <p:nvSpPr>
-          <p:cNvPr id="233" name="Shape 245"/>
+          <p:cNvPr id="229" name="BUILT-IN PIPES"/>
           <p:cNvSpPr txBox="1"/>
           <p:nvPr/>
         </p:nvSpPr>
         <p:spPr>
           <a:xfrm>
             <a:off x="536775" y="1015800"/>
-            <a:ext cx="7328700" cy="538447"/>
+            <a:ext cx="7328700" cy="538451"/>
           </a:xfrm>
           <a:prstGeom prst="rect">
             <a:avLst/>
@@ -5023,7 +5089,7 @@
           </a:extLst>
         </p:spPr>
         <p:txBody>
-          <a:bodyPr lIns="91422" tIns="91422" rIns="91422" bIns="91422">
+          <a:bodyPr lIns="91424" tIns="91424" rIns="91424" bIns="91424">
             <a:spAutoFit/>
           </a:bodyPr>
           <a:lstStyle>
@@ -5046,14 +5112,14 @@
       </p:sp>
       <p:sp>
         <p:nvSpPr>
-          <p:cNvPr id="234" name="Shape 246"/>
+          <p:cNvPr id="230" name="Currency Pipe:"/>
           <p:cNvSpPr txBox="1"/>
           <p:nvPr/>
         </p:nvSpPr>
         <p:spPr>
           <a:xfrm>
-            <a:off x="536773" y="1927199"/>
-            <a:ext cx="4360504" cy="442068"/>
+            <a:off x="536774" y="1927200"/>
+            <a:ext cx="4360502" cy="442072"/>
           </a:xfrm>
           <a:prstGeom prst="rect">
             <a:avLst/>
@@ -5068,32 +5134,27 @@
           </a:extLst>
         </p:spPr>
         <p:txBody>
-          <a:bodyPr lIns="91422" tIns="91422" rIns="91422" bIns="91422">
+          <a:bodyPr lIns="91424" tIns="91424" rIns="91424" bIns="91424">
             <a:spAutoFit/>
           </a:bodyPr>
           <a:lstStyle>
             <a:lvl1pPr marL="457200" indent="-342900">
               <a:buSzPct val="100000"/>
               <a:buChar char="■"/>
-              <a:defRPr sz="1800">
-                <a:latin typeface="Arial"/>
-                <a:ea typeface="Arial"/>
-                <a:cs typeface="Arial"/>
-                <a:sym typeface="Arial"/>
-              </a:defRPr>
+              <a:defRPr sz="1800"/>
             </a:lvl1pPr>
           </a:lstStyle>
           <a:p>
             <a:pPr/>
             <a:r>
-              <a:t>Decimal Pipe :</a:t>
+              <a:t>Currency Pipe:</a:t>
             </a:r>
           </a:p>
         </p:txBody>
       </p:sp>
       <p:pic>
         <p:nvPicPr>
-          <p:cNvPr id="235" name="image20.png" descr="image20.png"/>
+          <p:cNvPr id="231" name="pipe_26.png" descr="pipe_26.png"/>
           <p:cNvPicPr>
             <a:picLocks noChangeAspect="1"/>
           </p:cNvPicPr>
@@ -5109,8 +5170,8 @@
         </p:blipFill>
         <p:spPr>
           <a:xfrm>
-            <a:off x="536774" y="2617347"/>
-            <a:ext cx="8066628" cy="2717453"/>
+            <a:off x="536774" y="2563942"/>
+            <a:ext cx="8070425" cy="2216463"/>
           </a:xfrm>
           <a:prstGeom prst="rect">
             <a:avLst/>
@@ -5122,14 +5183,14 @@
       </p:pic>
       <p:sp>
         <p:nvSpPr>
-          <p:cNvPr id="236" name="Shape 248"/>
+          <p:cNvPr id="232" name="Стрелка"/>
           <p:cNvSpPr/>
           <p:nvPr/>
         </p:nvSpPr>
         <p:spPr>
           <a:xfrm>
-            <a:off x="4777625" y="4188200"/>
-            <a:ext cx="1251603" cy="246603"/>
+            <a:off x="5311025" y="3502400"/>
+            <a:ext cx="1251601" cy="246601"/>
           </a:xfrm>
           <a:prstGeom prst="rightArrow">
             <a:avLst>
@@ -5147,30 +5208,23 @@
           </a:ln>
         </p:spPr>
         <p:txBody>
-          <a:bodyPr lIns="45718" tIns="45718" rIns="45718" bIns="45718" anchor="ctr"/>
+          <a:bodyPr lIns="45719" rIns="45719" anchor="ctr"/>
           <a:lstStyle/>
           <a:p>
-            <a:pPr>
-              <a:defRPr>
-                <a:latin typeface="Arial"/>
-                <a:ea typeface="Arial"/>
-                <a:cs typeface="Arial"/>
-                <a:sym typeface="Arial"/>
-              </a:defRPr>
-            </a:pPr>
+            <a:pPr/>
           </a:p>
         </p:txBody>
       </p:sp>
       <p:sp>
         <p:nvSpPr>
-          <p:cNvPr id="237" name="Shape 249"/>
+          <p:cNvPr id="233" name="Стрелка"/>
           <p:cNvSpPr/>
           <p:nvPr/>
         </p:nvSpPr>
         <p:spPr>
           <a:xfrm>
-            <a:off x="4777625" y="4874000"/>
-            <a:ext cx="1251603" cy="246603"/>
+            <a:off x="5311025" y="4264400"/>
+            <a:ext cx="1251601" cy="246601"/>
           </a:xfrm>
           <a:prstGeom prst="rightArrow">
             <a:avLst>
@@ -5188,20 +5242,71 @@
           </a:ln>
         </p:spPr>
         <p:txBody>
-          <a:bodyPr lIns="45718" tIns="45718" rIns="45718" bIns="45718" anchor="ctr"/>
+          <a:bodyPr lIns="45719" rIns="45719" anchor="ctr"/>
           <a:lstStyle/>
           <a:p>
-            <a:pPr>
-              <a:defRPr>
-                <a:latin typeface="Arial"/>
-                <a:ea typeface="Arial"/>
-                <a:cs typeface="Arial"/>
-                <a:sym typeface="Arial"/>
-              </a:defRPr>
-            </a:pPr>
+            <a:pPr/>
           </a:p>
         </p:txBody>
       </p:sp>
+      <p:pic>
+        <p:nvPicPr>
+          <p:cNvPr id="234" name="pipe_29.png" descr="pipe_29.png"/>
+          <p:cNvPicPr>
+            <a:picLocks noChangeAspect="1"/>
+          </p:cNvPicPr>
+          <p:nvPr/>
+        </p:nvPicPr>
+        <p:blipFill>
+          <a:blip r:embed="rId3">
+            <a:extLst/>
+          </a:blip>
+          <a:stretch>
+            <a:fillRect/>
+          </a:stretch>
+        </p:blipFill>
+        <p:spPr>
+          <a:xfrm>
+            <a:off x="6633413" y="4157900"/>
+            <a:ext cx="1928322" cy="459601"/>
+          </a:xfrm>
+          <a:prstGeom prst="rect">
+            <a:avLst/>
+          </a:prstGeom>
+          <a:ln w="12700">
+            <a:miter lim="400000"/>
+          </a:ln>
+        </p:spPr>
+      </p:pic>
+      <p:pic>
+        <p:nvPicPr>
+          <p:cNvPr id="235" name="pipe_30.png" descr="pipe_30.png"/>
+          <p:cNvPicPr>
+            <a:picLocks noChangeAspect="1"/>
+          </p:cNvPicPr>
+          <p:nvPr/>
+        </p:nvPicPr>
+        <p:blipFill>
+          <a:blip r:embed="rId4">
+            <a:extLst/>
+          </a:blip>
+          <a:stretch>
+            <a:fillRect/>
+          </a:stretch>
+        </p:blipFill>
+        <p:spPr>
+          <a:xfrm>
+            <a:off x="6726036" y="3353075"/>
+            <a:ext cx="1743076" cy="485776"/>
+          </a:xfrm>
+          <a:prstGeom prst="rect">
+            <a:avLst/>
+          </a:prstGeom>
+          <a:ln w="12700">
+            <a:miter lim="400000"/>
+          </a:ln>
+        </p:spPr>
+      </p:pic>
     </p:spTree>
   </p:cSld>
   <p:clrMapOvr>
@@ -5230,14 +5335,14 @@
       </p:grpSpPr>
       <p:sp>
         <p:nvSpPr>
-          <p:cNvPr id="239" name="Shape 252"/>
+          <p:cNvPr id="237" name="BUILT-IN PIPES"/>
           <p:cNvSpPr txBox="1"/>
           <p:nvPr/>
         </p:nvSpPr>
         <p:spPr>
           <a:xfrm>
             <a:off x="536775" y="1015800"/>
-            <a:ext cx="7328700" cy="538447"/>
+            <a:ext cx="7328700" cy="538451"/>
           </a:xfrm>
           <a:prstGeom prst="rect">
             <a:avLst/>
@@ -5252,7 +5357,7 @@
           </a:extLst>
         </p:spPr>
         <p:txBody>
-          <a:bodyPr lIns="91422" tIns="91422" rIns="91422" bIns="91422">
+          <a:bodyPr lIns="91424" tIns="91424" rIns="91424" bIns="91424">
             <a:spAutoFit/>
           </a:bodyPr>
           <a:lstStyle>
@@ -5275,14 +5380,14 @@
       </p:sp>
       <p:sp>
         <p:nvSpPr>
-          <p:cNvPr id="240" name="Shape 253"/>
+          <p:cNvPr id="238" name="Decimal Pipe :"/>
           <p:cNvSpPr txBox="1"/>
           <p:nvPr/>
         </p:nvSpPr>
         <p:spPr>
           <a:xfrm>
-            <a:off x="536773" y="1927199"/>
-            <a:ext cx="4360504" cy="442069"/>
+            <a:off x="536774" y="1927200"/>
+            <a:ext cx="4360502" cy="646934"/>
           </a:xfrm>
           <a:prstGeom prst="rect">
             <a:avLst/>
@@ -5297,32 +5402,27 @@
           </a:extLst>
         </p:spPr>
         <p:txBody>
-          <a:bodyPr lIns="91422" tIns="91422" rIns="91422" bIns="91422">
+          <a:bodyPr lIns="91424" tIns="91424" rIns="91424" bIns="91424">
             <a:spAutoFit/>
           </a:bodyPr>
           <a:lstStyle>
             <a:lvl1pPr marL="457200" indent="-342900">
               <a:buSzPct val="100000"/>
               <a:buChar char="■"/>
-              <a:defRPr sz="1800">
-                <a:latin typeface="Arial"/>
-                <a:ea typeface="Arial"/>
-                <a:cs typeface="Arial"/>
-                <a:sym typeface="Arial"/>
-              </a:defRPr>
+              <a:defRPr sz="1800"/>
             </a:lvl1pPr>
           </a:lstStyle>
           <a:p>
             <a:pPr/>
             <a:r>
-              <a:t>JSON Pipe:</a:t>
+              <a:t>Decimal Pipe :</a:t>
             </a:r>
           </a:p>
         </p:txBody>
       </p:sp>
       <p:pic>
         <p:nvPicPr>
-          <p:cNvPr id="241" name="image1.jpeg" descr="image1.jpeg"/>
+          <p:cNvPr id="239" name="pipe_31.png" descr="pipe_31.png"/>
           <p:cNvPicPr>
             <a:picLocks noChangeAspect="1"/>
           </p:cNvPicPr>
@@ -5338,8 +5438,8 @@
         </p:blipFill>
         <p:spPr>
           <a:xfrm>
-            <a:off x="536774" y="2427521"/>
-            <a:ext cx="8070451" cy="3069754"/>
+            <a:off x="536774" y="2617349"/>
+            <a:ext cx="8066628" cy="2717451"/>
           </a:xfrm>
           <a:prstGeom prst="rect">
             <a:avLst/>
@@ -5349,6 +5449,74 @@
           </a:ln>
         </p:spPr>
       </p:pic>
+      <p:sp>
+        <p:nvSpPr>
+          <p:cNvPr id="240" name="Стрелка"/>
+          <p:cNvSpPr/>
+          <p:nvPr/>
+        </p:nvSpPr>
+        <p:spPr>
+          <a:xfrm>
+            <a:off x="4777625" y="4188200"/>
+            <a:ext cx="1251601" cy="246601"/>
+          </a:xfrm>
+          <a:prstGeom prst="rightArrow">
+            <a:avLst>
+              <a:gd name="adj1" fmla="val 50000"/>
+              <a:gd name="adj2" fmla="val 50000"/>
+            </a:avLst>
+          </a:prstGeom>
+          <a:solidFill>
+            <a:srgbClr val="EEECE1"/>
+          </a:solidFill>
+          <a:ln>
+            <a:solidFill>
+              <a:srgbClr val="1F497D"/>
+            </a:solidFill>
+          </a:ln>
+        </p:spPr>
+        <p:txBody>
+          <a:bodyPr lIns="45719" rIns="45719" anchor="ctr"/>
+          <a:lstStyle/>
+          <a:p>
+            <a:pPr/>
+          </a:p>
+        </p:txBody>
+      </p:sp>
+      <p:sp>
+        <p:nvSpPr>
+          <p:cNvPr id="241" name="Стрелка"/>
+          <p:cNvSpPr/>
+          <p:nvPr/>
+        </p:nvSpPr>
+        <p:spPr>
+          <a:xfrm>
+            <a:off x="4777625" y="4874000"/>
+            <a:ext cx="1251601" cy="246601"/>
+          </a:xfrm>
+          <a:prstGeom prst="rightArrow">
+            <a:avLst>
+              <a:gd name="adj1" fmla="val 50000"/>
+              <a:gd name="adj2" fmla="val 50000"/>
+            </a:avLst>
+          </a:prstGeom>
+          <a:solidFill>
+            <a:srgbClr val="EEECE1"/>
+          </a:solidFill>
+          <a:ln>
+            <a:solidFill>
+              <a:srgbClr val="1F497D"/>
+            </a:solidFill>
+          </a:ln>
+        </p:spPr>
+        <p:txBody>
+          <a:bodyPr lIns="45719" rIns="45719" anchor="ctr"/>
+          <a:lstStyle/>
+          <a:p>
+            <a:pPr/>
+          </a:p>
+        </p:txBody>
+      </p:sp>
     </p:spTree>
   </p:cSld>
   <p:clrMapOvr>
@@ -5377,14 +5545,14 @@
       </p:grpSpPr>
       <p:sp>
         <p:nvSpPr>
-          <p:cNvPr id="243" name="Shape 257"/>
+          <p:cNvPr id="243" name="BUILT-IN PIPES"/>
           <p:cNvSpPr txBox="1"/>
           <p:nvPr/>
         </p:nvSpPr>
         <p:spPr>
           <a:xfrm>
             <a:off x="536775" y="1015800"/>
-            <a:ext cx="7328700" cy="538447"/>
+            <a:ext cx="7328700" cy="538451"/>
           </a:xfrm>
           <a:prstGeom prst="rect">
             <a:avLst/>
@@ -5399,7 +5567,7 @@
           </a:extLst>
         </p:spPr>
         <p:txBody>
-          <a:bodyPr lIns="91422" tIns="91422" rIns="91422" bIns="91422">
+          <a:bodyPr lIns="91424" tIns="91424" rIns="91424" bIns="91424">
             <a:spAutoFit/>
           </a:bodyPr>
           <a:lstStyle>
@@ -5415,21 +5583,21 @@
           <a:p>
             <a:pPr/>
             <a:r>
-              <a:t>CUSTOM PIPES</a:t>
+              <a:t>BUILT-IN PIPES</a:t>
             </a:r>
           </a:p>
         </p:txBody>
       </p:sp>
       <p:sp>
         <p:nvSpPr>
-          <p:cNvPr id="244" name="Shape 258"/>
+          <p:cNvPr id="244" name="JSON Pipe:"/>
           <p:cNvSpPr txBox="1"/>
           <p:nvPr/>
         </p:nvSpPr>
         <p:spPr>
           <a:xfrm>
-            <a:off x="536775" y="1927199"/>
-            <a:ext cx="7228800" cy="442069"/>
+            <a:off x="536774" y="1927200"/>
+            <a:ext cx="4360502" cy="442072"/>
           </a:xfrm>
           <a:prstGeom prst="rect">
             <a:avLst/>
@@ -5444,32 +5612,27 @@
           </a:extLst>
         </p:spPr>
         <p:txBody>
-          <a:bodyPr lIns="91422" tIns="91422" rIns="91422" bIns="91422">
+          <a:bodyPr lIns="91424" tIns="91424" rIns="91424" bIns="91424">
             <a:spAutoFit/>
           </a:bodyPr>
           <a:lstStyle>
             <a:lvl1pPr marL="457200" indent="-342900">
               <a:buSzPct val="100000"/>
               <a:buChar char="■"/>
-              <a:defRPr sz="1800">
-                <a:latin typeface="Arial"/>
-                <a:ea typeface="Arial"/>
-                <a:cs typeface="Arial"/>
-                <a:sym typeface="Arial"/>
-              </a:defRPr>
+              <a:defRPr sz="1800"/>
             </a:lvl1pPr>
           </a:lstStyle>
           <a:p>
             <a:pPr/>
             <a:r>
-              <a:t>How to make the custom pipe available everywhere</a:t>
+              <a:t>JSON Pipe:</a:t>
             </a:r>
           </a:p>
         </p:txBody>
       </p:sp>
       <p:pic>
         <p:nvPicPr>
-          <p:cNvPr id="245" name="image21.png" descr="image21.png"/>
+          <p:cNvPr id="245" name="pipe_01.jpg" descr="pipe_01.jpg"/>
           <p:cNvPicPr>
             <a:picLocks noChangeAspect="1"/>
           </p:cNvPicPr>
@@ -5485,8 +5648,8 @@
         </p:blipFill>
         <p:spPr>
           <a:xfrm>
-            <a:off x="733425" y="2443159"/>
-            <a:ext cx="5238750" cy="3190878"/>
+            <a:off x="536774" y="2427521"/>
+            <a:ext cx="8070451" cy="3069754"/>
           </a:xfrm>
           <a:prstGeom prst="rect">
             <a:avLst/>
@@ -5524,14 +5687,14 @@
       </p:grpSpPr>
       <p:sp>
         <p:nvSpPr>
-          <p:cNvPr id="247" name="Shape 262"/>
+          <p:cNvPr id="247" name="CUSTOM PIPES"/>
           <p:cNvSpPr txBox="1"/>
           <p:nvPr/>
         </p:nvSpPr>
         <p:spPr>
           <a:xfrm>
-            <a:off x="536774" y="1015800"/>
-            <a:ext cx="8077801" cy="538447"/>
+            <a:off x="536775" y="1015800"/>
+            <a:ext cx="7328700" cy="538451"/>
           </a:xfrm>
           <a:prstGeom prst="rect">
             <a:avLst/>
@@ -5546,7 +5709,7 @@
           </a:extLst>
         </p:spPr>
         <p:txBody>
-          <a:bodyPr lIns="91422" tIns="91422" rIns="91422" bIns="91422">
+          <a:bodyPr lIns="91424" tIns="91424" rIns="91424" bIns="91424">
             <a:spAutoFit/>
           </a:bodyPr>
           <a:lstStyle>
@@ -5562,21 +5725,21 @@
           <a:p>
             <a:pPr/>
             <a:r>
-              <a:t>PURE AND IMPURE PIPE</a:t>
+              <a:t>CUSTOM PIPES</a:t>
             </a:r>
           </a:p>
         </p:txBody>
       </p:sp>
       <p:sp>
         <p:nvSpPr>
-          <p:cNvPr id="248" name="Shape 263"/>
+          <p:cNvPr id="248" name="How to make the custom pipe available everywhere"/>
           <p:cNvSpPr txBox="1"/>
           <p:nvPr/>
         </p:nvSpPr>
         <p:spPr>
           <a:xfrm>
-            <a:off x="536775" y="1927199"/>
-            <a:ext cx="7228800" cy="442069"/>
+            <a:off x="536775" y="1927200"/>
+            <a:ext cx="7228800" cy="442072"/>
           </a:xfrm>
           <a:prstGeom prst="rect">
             <a:avLst/>
@@ -5591,39 +5754,44 @@
           </a:extLst>
         </p:spPr>
         <p:txBody>
-          <a:bodyPr lIns="91422" tIns="91422" rIns="91422" bIns="91422">
+          <a:bodyPr lIns="91424" tIns="91424" rIns="91424" bIns="91424">
             <a:spAutoFit/>
           </a:bodyPr>
           <a:lstStyle>
             <a:lvl1pPr marL="457200" indent="-342900">
               <a:buSzPct val="100000"/>
               <a:buChar char="■"/>
-              <a:defRPr sz="1800">
-                <a:latin typeface="Arial"/>
-                <a:ea typeface="Arial"/>
-                <a:cs typeface="Arial"/>
-                <a:sym typeface="Arial"/>
-              </a:defRPr>
+              <a:defRPr sz="1800"/>
             </a:lvl1pPr>
           </a:lstStyle>
           <a:p>
             <a:pPr/>
             <a:r>
-              <a:t>Pure Pipes:</a:t>
+              <a:t>How to make the custom pipe available everywhere</a:t>
             </a:r>
           </a:p>
         </p:txBody>
       </p:sp>
-      <p:sp>
-        <p:nvSpPr>
-          <p:cNvPr id="249" name="Shape 264"/>
-          <p:cNvSpPr txBox="1"/>
+      <p:pic>
+        <p:nvPicPr>
+          <p:cNvPr id="249" name="pipe_33.png" descr="pipe_33.png"/>
+          <p:cNvPicPr>
+            <a:picLocks noChangeAspect="1"/>
+          </p:cNvPicPr>
           <p:nvPr/>
-        </p:nvSpPr>
-        <p:spPr>
-          <a:xfrm>
-            <a:off x="612974" y="2350714"/>
-            <a:ext cx="8077801" cy="1508868"/>
+        </p:nvPicPr>
+        <p:blipFill>
+          <a:blip r:embed="rId2">
+            <a:extLst/>
+          </a:blip>
+          <a:stretch>
+            <a:fillRect/>
+          </a:stretch>
+        </p:blipFill>
+        <p:spPr>
+          <a:xfrm>
+            <a:off x="733425" y="2443161"/>
+            <a:ext cx="5238750" cy="3190876"/>
           </a:xfrm>
           <a:prstGeom prst="rect">
             <a:avLst/>
@@ -5631,71 +5799,8 @@
           <a:ln w="12700">
             <a:miter lim="400000"/>
           </a:ln>
-          <a:extLst>
-            <a:ext uri="{C572A759-6A51-4108-AA02-DFA0A04FC94B}">
-              <ma14:wrappingTextBoxFlag xmlns:ma14="http://schemas.microsoft.com/office/mac/drawingml/2011/main" val="1"/>
-            </a:ext>
-          </a:extLst>
-        </p:spPr>
-        <p:txBody>
-          <a:bodyPr lIns="91422" tIns="91422" rIns="91422" bIns="91422" anchor="ctr">
-            <a:spAutoFit/>
-          </a:bodyPr>
-          <a:lstStyle/>
-          <a:p>
-            <a:pPr>
-              <a:defRPr sz="1800">
-                <a:latin typeface="Arial"/>
-                <a:ea typeface="Arial"/>
-                <a:cs typeface="Arial"/>
-                <a:sym typeface="Arial"/>
-              </a:defRPr>
-            </a:pPr>
-            <a:r>
-              <a:t>Angular executes a pure pipe only when it detects a pure change to the input value. A pure change is either a change to a primitive input value </a:t>
-            </a:r>
-          </a:p>
-          <a:p>
-            <a:pPr>
-              <a:defRPr sz="1800">
-                <a:latin typeface="Arial"/>
-                <a:ea typeface="Arial"/>
-                <a:cs typeface="Arial"/>
-                <a:sym typeface="Arial"/>
-              </a:defRPr>
-            </a:pPr>
-            <a:r>
-              <a:t>(String, Number, Boolean, Symbol) or a changed object reference </a:t>
-            </a:r>
-          </a:p>
-          <a:p>
-            <a:pPr>
-              <a:defRPr sz="1800">
-                <a:latin typeface="Arial"/>
-                <a:ea typeface="Arial"/>
-                <a:cs typeface="Arial"/>
-                <a:sym typeface="Arial"/>
-              </a:defRPr>
-            </a:pPr>
-            <a:r>
-              <a:t>(Date, Array, Function, Object).</a:t>
-            </a:r>
-          </a:p>
-          <a:p>
-            <a:pPr>
-              <a:defRPr sz="1800">
-                <a:latin typeface="Arial"/>
-                <a:ea typeface="Arial"/>
-                <a:cs typeface="Arial"/>
-                <a:sym typeface="Arial"/>
-              </a:defRPr>
-            </a:pPr>
-            <a:r>
-              <a:t>Pipes are pure by default.</a:t>
-            </a:r>
-          </a:p>
-        </p:txBody>
-      </p:sp>
+        </p:spPr>
+      </p:pic>
     </p:spTree>
   </p:cSld>
   <p:clrMapOvr>
@@ -5724,14 +5829,14 @@
       </p:grpSpPr>
       <p:sp>
         <p:nvSpPr>
-          <p:cNvPr id="251" name="Shape 267"/>
+          <p:cNvPr id="251" name="PURE AND IMPURE PIPE"/>
           <p:cNvSpPr txBox="1"/>
           <p:nvPr/>
         </p:nvSpPr>
         <p:spPr>
           <a:xfrm>
             <a:off x="536774" y="1015800"/>
-            <a:ext cx="8077801" cy="538447"/>
+            <a:ext cx="8077801" cy="538451"/>
           </a:xfrm>
           <a:prstGeom prst="rect">
             <a:avLst/>
@@ -5746,7 +5851,7 @@
           </a:extLst>
         </p:spPr>
         <p:txBody>
-          <a:bodyPr lIns="91422" tIns="91422" rIns="91422" bIns="91422">
+          <a:bodyPr lIns="91424" tIns="91424" rIns="91424" bIns="91424">
             <a:spAutoFit/>
           </a:bodyPr>
           <a:lstStyle>
@@ -5769,14 +5874,14 @@
       </p:sp>
       <p:sp>
         <p:nvSpPr>
-          <p:cNvPr id="252" name="Shape 268"/>
+          <p:cNvPr id="252" name="Pure Pipes:"/>
           <p:cNvSpPr txBox="1"/>
           <p:nvPr/>
         </p:nvSpPr>
         <p:spPr>
           <a:xfrm>
-            <a:off x="536775" y="1927199"/>
-            <a:ext cx="7228800" cy="442068"/>
+            <a:off x="536775" y="1927200"/>
+            <a:ext cx="7228800" cy="442072"/>
           </a:xfrm>
           <a:prstGeom prst="rect">
             <a:avLst/>
@@ -5791,39 +5896,34 @@
           </a:extLst>
         </p:spPr>
         <p:txBody>
-          <a:bodyPr lIns="91422" tIns="91422" rIns="91422" bIns="91422">
+          <a:bodyPr lIns="91424" tIns="91424" rIns="91424" bIns="91424">
             <a:spAutoFit/>
           </a:bodyPr>
           <a:lstStyle>
             <a:lvl1pPr marL="457200" indent="-342900">
               <a:buSzPct val="100000"/>
               <a:buChar char="■"/>
-              <a:defRPr sz="1800">
-                <a:latin typeface="Arial"/>
-                <a:ea typeface="Arial"/>
-                <a:cs typeface="Arial"/>
-                <a:sym typeface="Arial"/>
-              </a:defRPr>
+              <a:defRPr sz="1800"/>
             </a:lvl1pPr>
           </a:lstStyle>
           <a:p>
             <a:pPr/>
             <a:r>
-              <a:t>Impure Pipes:</a:t>
+              <a:t>Pure Pipes:</a:t>
             </a:r>
           </a:p>
         </p:txBody>
       </p:sp>
       <p:sp>
         <p:nvSpPr>
-          <p:cNvPr id="253" name="Shape 269"/>
+          <p:cNvPr id="253" name="Angular executes a pure pipe only when it detects a pure change to the input value. A pure change is either a change to a primitive input value…"/>
           <p:cNvSpPr txBox="1"/>
           <p:nvPr/>
         </p:nvSpPr>
         <p:spPr>
           <a:xfrm>
-            <a:off x="612974" y="2349063"/>
-            <a:ext cx="8077801" cy="975468"/>
+            <a:off x="612974" y="2350714"/>
+            <a:ext cx="8077801" cy="1508872"/>
           </a:xfrm>
           <a:prstGeom prst="rect">
             <a:avLst/>
@@ -5838,56 +5938,44 @@
           </a:extLst>
         </p:spPr>
         <p:txBody>
-          <a:bodyPr lIns="91422" tIns="91422" rIns="91422" bIns="91422" anchor="ctr">
+          <a:bodyPr lIns="91424" tIns="91424" rIns="91424" bIns="91424" anchor="ctr">
             <a:spAutoFit/>
           </a:bodyPr>
-          <a:lstStyle>
-            <a:lvl1pPr>
-              <a:defRPr sz="1800">
-                <a:latin typeface="Arial"/>
-                <a:ea typeface="Arial"/>
-                <a:cs typeface="Arial"/>
-                <a:sym typeface="Arial"/>
-              </a:defRPr>
-            </a:lvl1pPr>
-          </a:lstStyle>
-          <a:p>
-            <a:pPr/>
-            <a:r>
-              <a:t>Angular executes an impure pipe during every component change detection cycle. An impure pipe will be called a lot, as often as every keystroke or mouse-move.</a:t>
+          <a:lstStyle/>
+          <a:p>
+            <a:pPr>
+              <a:defRPr sz="1800"/>
+            </a:pPr>
+            <a:r>
+              <a:t>Angular executes a pure pipe only when it detects a pure change to the input value. A pure change is either a change to a primitive input value </a:t>
+            </a:r>
+          </a:p>
+          <a:p>
+            <a:pPr>
+              <a:defRPr sz="1800"/>
+            </a:pPr>
+            <a:r>
+              <a:t>(String, Number, Boolean, Symbol) or a changed object reference </a:t>
+            </a:r>
+          </a:p>
+          <a:p>
+            <a:pPr>
+              <a:defRPr sz="1800"/>
+            </a:pPr>
+            <a:r>
+              <a:t>(Date, Array, Function, Object).</a:t>
+            </a:r>
+          </a:p>
+          <a:p>
+            <a:pPr>
+              <a:defRPr sz="1800"/>
+            </a:pPr>
+            <a:r>
+              <a:t>Pipes are pure by default.</a:t>
             </a:r>
           </a:p>
         </p:txBody>
       </p:sp>
-      <p:pic>
-        <p:nvPicPr>
-          <p:cNvPr id="254" name="image22.png" descr="image22.png"/>
-          <p:cNvPicPr>
-            <a:picLocks noChangeAspect="1"/>
-          </p:cNvPicPr>
-          <p:nvPr/>
-        </p:nvPicPr>
-        <p:blipFill>
-          <a:blip r:embed="rId2">
-            <a:extLst/>
-          </a:blip>
-          <a:stretch>
-            <a:fillRect/>
-          </a:stretch>
-        </p:blipFill>
-        <p:spPr>
-          <a:xfrm>
-            <a:off x="704850" y="3419475"/>
-            <a:ext cx="7124700" cy="1695450"/>
-          </a:xfrm>
-          <a:prstGeom prst="rect">
-            <a:avLst/>
-          </a:prstGeom>
-          <a:ln w="12700">
-            <a:miter lim="400000"/>
-          </a:ln>
-        </p:spPr>
-      </p:pic>
     </p:spTree>
   </p:cSld>
   <p:clrMapOvr>
@@ -5916,14 +6004,14 @@
       </p:grpSpPr>
       <p:sp>
         <p:nvSpPr>
-          <p:cNvPr id="256" name="Shape 273"/>
+          <p:cNvPr id="255" name="PURE AND IMPURE PIPE"/>
           <p:cNvSpPr txBox="1"/>
           <p:nvPr/>
         </p:nvSpPr>
         <p:spPr>
           <a:xfrm>
             <a:off x="536774" y="1015800"/>
-            <a:ext cx="8077801" cy="538447"/>
+            <a:ext cx="8077801" cy="538451"/>
           </a:xfrm>
           <a:prstGeom prst="rect">
             <a:avLst/>
@@ -5938,7 +6026,7 @@
           </a:extLst>
         </p:spPr>
         <p:txBody>
-          <a:bodyPr lIns="91422" tIns="91422" rIns="91422" bIns="91422">
+          <a:bodyPr lIns="91424" tIns="91424" rIns="91424" bIns="91424">
             <a:spAutoFit/>
           </a:bodyPr>
           <a:lstStyle>
@@ -5954,21 +6042,21 @@
           <a:p>
             <a:pPr/>
             <a:r>
-              <a:t>WHY DIRECTIVES</a:t>
+              <a:t>PURE AND IMPURE PIPE</a:t>
             </a:r>
           </a:p>
         </p:txBody>
       </p:sp>
       <p:sp>
         <p:nvSpPr>
-          <p:cNvPr id="257" name="Shape 274"/>
+          <p:cNvPr id="256" name="Impure Pipes:"/>
           <p:cNvSpPr txBox="1"/>
           <p:nvPr/>
         </p:nvSpPr>
         <p:spPr>
           <a:xfrm>
-            <a:off x="536774" y="1927199"/>
-            <a:ext cx="6336902" cy="442069"/>
+            <a:off x="536775" y="1927200"/>
+            <a:ext cx="7228800" cy="646934"/>
           </a:xfrm>
           <a:prstGeom prst="rect">
             <a:avLst/>
@@ -5983,32 +6071,67 @@
           </a:extLst>
         </p:spPr>
         <p:txBody>
-          <a:bodyPr lIns="91422" tIns="91422" rIns="91422" bIns="91422">
+          <a:bodyPr lIns="91424" tIns="91424" rIns="91424" bIns="91424">
             <a:spAutoFit/>
           </a:bodyPr>
           <a:lstStyle>
             <a:lvl1pPr marL="457200" indent="-342900">
               <a:buSzPct val="100000"/>
               <a:buChar char="■"/>
-              <a:defRPr sz="1800">
-                <a:latin typeface="Arial"/>
-                <a:ea typeface="Arial"/>
-                <a:cs typeface="Arial"/>
-                <a:sym typeface="Arial"/>
-              </a:defRPr>
+              <a:defRPr sz="1800"/>
             </a:lvl1pPr>
           </a:lstStyle>
           <a:p>
             <a:pPr/>
             <a:r>
-              <a:t>Directives attach behavior to elements.</a:t>
+              <a:t>Impure Pipes:</a:t>
+            </a:r>
+          </a:p>
+        </p:txBody>
+      </p:sp>
+      <p:sp>
+        <p:nvSpPr>
+          <p:cNvPr id="257" name="Angular executes an impure pipe during every component change detection cycle. An impure pipe will be called a lot, as often as every keystroke or mouse-move."/>
+          <p:cNvSpPr txBox="1"/>
+          <p:nvPr/>
+        </p:nvSpPr>
+        <p:spPr>
+          <a:xfrm>
+            <a:off x="612974" y="2349064"/>
+            <a:ext cx="8077801" cy="975472"/>
+          </a:xfrm>
+          <a:prstGeom prst="rect">
+            <a:avLst/>
+          </a:prstGeom>
+          <a:ln w="12700">
+            <a:miter lim="400000"/>
+          </a:ln>
+          <a:extLst>
+            <a:ext uri="{C572A759-6A51-4108-AA02-DFA0A04FC94B}">
+              <ma14:wrappingTextBoxFlag xmlns:ma14="http://schemas.microsoft.com/office/mac/drawingml/2011/main" val="1"/>
+            </a:ext>
+          </a:extLst>
+        </p:spPr>
+        <p:txBody>
+          <a:bodyPr lIns="91424" tIns="91424" rIns="91424" bIns="91424" anchor="ctr">
+            <a:spAutoFit/>
+          </a:bodyPr>
+          <a:lstStyle>
+            <a:lvl1pPr>
+              <a:defRPr sz="1800"/>
+            </a:lvl1pPr>
+          </a:lstStyle>
+          <a:p>
+            <a:pPr/>
+            <a:r>
+              <a:t>Angular executes an impure pipe during every component change detection cycle. An impure pipe will be called a lot, as often as every keystroke or mouse-move.</a:t>
             </a:r>
           </a:p>
         </p:txBody>
       </p:sp>
       <p:pic>
         <p:nvPicPr>
-          <p:cNvPr id="258" name="image2.jpeg" descr="image2.jpeg"/>
+          <p:cNvPr id="258" name="pipe_34.png" descr="pipe_34.png"/>
           <p:cNvPicPr>
             <a:picLocks noChangeAspect="1"/>
           </p:cNvPicPr>
@@ -6024,37 +6147,8 @@
         </p:blipFill>
         <p:spPr>
           <a:xfrm>
-            <a:off x="5389324" y="2447375"/>
-            <a:ext cx="3394553" cy="3487250"/>
-          </a:xfrm>
-          <a:prstGeom prst="rect">
-            <a:avLst/>
-          </a:prstGeom>
-          <a:ln w="12700">
-            <a:miter lim="400000"/>
-          </a:ln>
-        </p:spPr>
-      </p:pic>
-      <p:pic>
-        <p:nvPicPr>
-          <p:cNvPr id="259" name="image23.png" descr="image23.png"/>
-          <p:cNvPicPr>
-            <a:picLocks noChangeAspect="1"/>
-          </p:cNvPicPr>
-          <p:nvPr/>
-        </p:nvPicPr>
-        <p:blipFill>
-          <a:blip r:embed="rId3">
-            <a:extLst/>
-          </a:blip>
-          <a:stretch>
-            <a:fillRect/>
-          </a:stretch>
-        </p:blipFill>
-        <p:spPr>
-          <a:xfrm>
-            <a:off x="723349" y="2591885"/>
-            <a:ext cx="4038602" cy="857253"/>
+            <a:off x="704850" y="3419475"/>
+            <a:ext cx="7124700" cy="1695450"/>
           </a:xfrm>
           <a:prstGeom prst="rect">
             <a:avLst/>
@@ -6092,14 +6186,14 @@
       </p:grpSpPr>
       <p:sp>
         <p:nvSpPr>
-          <p:cNvPr id="261" name="Shape 279"/>
+          <p:cNvPr id="260" name="WHY DIRECTIVES"/>
           <p:cNvSpPr txBox="1"/>
           <p:nvPr/>
         </p:nvSpPr>
         <p:spPr>
           <a:xfrm>
             <a:off x="536774" y="1015800"/>
-            <a:ext cx="8077801" cy="538447"/>
+            <a:ext cx="8077801" cy="538451"/>
           </a:xfrm>
           <a:prstGeom prst="rect">
             <a:avLst/>
@@ -6114,7 +6208,7 @@
           </a:extLst>
         </p:spPr>
         <p:txBody>
-          <a:bodyPr lIns="91422" tIns="91422" rIns="91422" bIns="91422">
+          <a:bodyPr lIns="91424" tIns="91424" rIns="91424" bIns="91424">
             <a:spAutoFit/>
           </a:bodyPr>
           <a:lstStyle>
@@ -6130,21 +6224,21 @@
           <a:p>
             <a:pPr/>
             <a:r>
-              <a:t>DIRECTIVES</a:t>
+              <a:t>WHY DIRECTIVES</a:t>
             </a:r>
           </a:p>
         </p:txBody>
       </p:sp>
       <p:sp>
         <p:nvSpPr>
-          <p:cNvPr id="262" name="Shape 280"/>
+          <p:cNvPr id="261" name="Directives attach behavior to elements."/>
           <p:cNvSpPr txBox="1"/>
           <p:nvPr/>
         </p:nvSpPr>
         <p:spPr>
           <a:xfrm>
-            <a:off x="536774" y="1927198"/>
-            <a:ext cx="6336902" cy="2575669"/>
+            <a:off x="536774" y="1927200"/>
+            <a:ext cx="6336902" cy="442072"/>
           </a:xfrm>
           <a:prstGeom prst="rect">
             <a:avLst/>
@@ -6159,120 +6253,27 @@
           </a:extLst>
         </p:spPr>
         <p:txBody>
-          <a:bodyPr lIns="91422" tIns="91422" rIns="91422" bIns="91422">
+          <a:bodyPr lIns="91424" tIns="91424" rIns="91424" bIns="91424">
             <a:spAutoFit/>
           </a:bodyPr>
-          <a:lstStyle/>
-          <a:p>
-            <a:pPr marL="457200" indent="-342900">
+          <a:lstStyle>
+            <a:lvl1pPr marL="457200" indent="-342900">
               <a:buSzPct val="100000"/>
               <a:buChar char="■"/>
-              <a:defRPr sz="1800">
-                <a:latin typeface="Arial"/>
-                <a:ea typeface="Arial"/>
-                <a:cs typeface="Arial"/>
-                <a:sym typeface="Arial"/>
-              </a:defRPr>
-            </a:pPr>
-            <a:r>
-              <a:t>Components</a:t>
-            </a:r>
-          </a:p>
-          <a:p>
-            <a:pPr>
-              <a:defRPr sz="1800">
-                <a:latin typeface="Arial"/>
-                <a:ea typeface="Arial"/>
-                <a:cs typeface="Arial"/>
-                <a:sym typeface="Arial"/>
-              </a:defRPr>
-            </a:pPr>
-          </a:p>
-          <a:p>
-            <a:pPr>
-              <a:defRPr sz="1800">
-                <a:latin typeface="Arial"/>
-                <a:ea typeface="Arial"/>
-                <a:cs typeface="Arial"/>
-                <a:sym typeface="Arial"/>
-              </a:defRPr>
-            </a:pPr>
-          </a:p>
-          <a:p>
-            <a:pPr>
-              <a:defRPr sz="1800">
-                <a:latin typeface="Arial"/>
-                <a:ea typeface="Arial"/>
-                <a:cs typeface="Arial"/>
-                <a:sym typeface="Arial"/>
-              </a:defRPr>
-            </a:pPr>
-          </a:p>
-          <a:p>
-            <a:pPr marL="457200" indent="-342900">
-              <a:buSzPct val="100000"/>
-              <a:buChar char="■"/>
-              <a:defRPr sz="1800">
-                <a:latin typeface="Arial"/>
-                <a:ea typeface="Arial"/>
-                <a:cs typeface="Arial"/>
-                <a:sym typeface="Arial"/>
-              </a:defRPr>
-            </a:pPr>
-            <a:r>
-              <a:t>Structural directives</a:t>
-            </a:r>
-          </a:p>
-          <a:p>
-            <a:pPr>
-              <a:defRPr sz="1800">
-                <a:latin typeface="Arial"/>
-                <a:ea typeface="Arial"/>
-                <a:cs typeface="Arial"/>
-                <a:sym typeface="Arial"/>
-              </a:defRPr>
-            </a:pPr>
-          </a:p>
-          <a:p>
-            <a:pPr>
-              <a:defRPr sz="1800">
-                <a:latin typeface="Arial"/>
-                <a:ea typeface="Arial"/>
-                <a:cs typeface="Arial"/>
-                <a:sym typeface="Arial"/>
-              </a:defRPr>
-            </a:pPr>
-          </a:p>
-          <a:p>
-            <a:pPr>
-              <a:defRPr sz="1800">
-                <a:latin typeface="Arial"/>
-                <a:ea typeface="Arial"/>
-                <a:cs typeface="Arial"/>
-                <a:sym typeface="Arial"/>
-              </a:defRPr>
-            </a:pPr>
-          </a:p>
-          <a:p>
-            <a:pPr marL="457200" indent="-342900">
-              <a:buSzPct val="100000"/>
-              <a:buChar char="■"/>
-              <a:defRPr sz="1800">
-                <a:latin typeface="Arial"/>
-                <a:ea typeface="Arial"/>
-                <a:cs typeface="Arial"/>
-                <a:sym typeface="Arial"/>
-              </a:defRPr>
-            </a:pPr>
-            <a:r>
-              <a:t>Attribute directives</a:t>
+              <a:defRPr sz="1800"/>
+            </a:lvl1pPr>
+          </a:lstStyle>
+          <a:p>
+            <a:pPr/>
+            <a:r>
+              <a:t>Directives attach behavior to elements.</a:t>
             </a:r>
           </a:p>
         </p:txBody>
       </p:sp>
       <p:pic>
         <p:nvPicPr>
-          <p:cNvPr id="263" name="image24.png" descr="image24.png"/>
+          <p:cNvPr id="262" name="directive_01.jpg" descr="directive_01.jpg"/>
           <p:cNvPicPr>
             <a:picLocks noChangeAspect="1"/>
           </p:cNvPicPr>
@@ -6288,8 +6289,8 @@
         </p:blipFill>
         <p:spPr>
           <a:xfrm>
-            <a:off x="718562" y="2319887"/>
-            <a:ext cx="3857627" cy="638178"/>
+            <a:off x="5389324" y="2447375"/>
+            <a:ext cx="3394551" cy="3487250"/>
           </a:xfrm>
           <a:prstGeom prst="rect">
             <a:avLst/>
@@ -6301,7 +6302,7 @@
       </p:pic>
       <p:pic>
         <p:nvPicPr>
-          <p:cNvPr id="264" name="image25.png" descr="image25.png"/>
+          <p:cNvPr id="263" name="directive_02.png" descr="directive_02.png"/>
           <p:cNvPicPr>
             <a:picLocks noChangeAspect="1"/>
           </p:cNvPicPr>
@@ -6317,37 +6318,8 @@
         </p:blipFill>
         <p:spPr>
           <a:xfrm>
-            <a:off x="723337" y="3503224"/>
-            <a:ext cx="3848102" cy="609603"/>
-          </a:xfrm>
-          <a:prstGeom prst="rect">
-            <a:avLst/>
-          </a:prstGeom>
-          <a:ln w="12700">
-            <a:miter lim="400000"/>
-          </a:ln>
-        </p:spPr>
-      </p:pic>
-      <p:pic>
-        <p:nvPicPr>
-          <p:cNvPr id="265" name="image26.png" descr="image26.png"/>
-          <p:cNvPicPr>
-            <a:picLocks noChangeAspect="1"/>
-          </p:cNvPicPr>
-          <p:nvPr/>
-        </p:nvPicPr>
-        <p:blipFill>
-          <a:blip r:embed="rId4">
-            <a:extLst/>
-          </a:blip>
-          <a:stretch>
-            <a:fillRect/>
-          </a:stretch>
-        </p:blipFill>
-        <p:spPr>
-          <a:xfrm>
-            <a:off x="732874" y="4570024"/>
-            <a:ext cx="3829052" cy="1428753"/>
+            <a:off x="723349" y="2591886"/>
+            <a:ext cx="4038601" cy="857251"/>
           </a:xfrm>
           <a:prstGeom prst="rect">
             <a:avLst/>
@@ -6385,14 +6357,14 @@
       </p:grpSpPr>
       <p:sp>
         <p:nvSpPr>
-          <p:cNvPr id="267" name="Shape 286"/>
+          <p:cNvPr id="265" name="DIRECTIVES"/>
           <p:cNvSpPr txBox="1"/>
           <p:nvPr/>
         </p:nvSpPr>
         <p:spPr>
           <a:xfrm>
             <a:off x="536774" y="1015800"/>
-            <a:ext cx="8380201" cy="538447"/>
+            <a:ext cx="8077801" cy="538451"/>
           </a:xfrm>
           <a:prstGeom prst="rect">
             <a:avLst/>
@@ -6407,7 +6379,7 @@
           </a:extLst>
         </p:spPr>
         <p:txBody>
-          <a:bodyPr lIns="91422" tIns="91422" rIns="91422" bIns="91422">
+          <a:bodyPr lIns="91424" tIns="91424" rIns="91424" bIns="91424">
             <a:spAutoFit/>
           </a:bodyPr>
           <a:lstStyle>
@@ -6423,14 +6395,98 @@
           <a:p>
             <a:pPr/>
             <a:r>
-              <a:t>STRUCTURAL DIRECTIVES *NGIF BASIC</a:t>
+              <a:t>DIRECTIVES</a:t>
+            </a:r>
+          </a:p>
+        </p:txBody>
+      </p:sp>
+      <p:sp>
+        <p:nvSpPr>
+          <p:cNvPr id="266" name="Components…"/>
+          <p:cNvSpPr txBox="1"/>
+          <p:nvPr/>
+        </p:nvSpPr>
+        <p:spPr>
+          <a:xfrm>
+            <a:off x="536774" y="1927200"/>
+            <a:ext cx="6336902" cy="2575672"/>
+          </a:xfrm>
+          <a:prstGeom prst="rect">
+            <a:avLst/>
+          </a:prstGeom>
+          <a:ln w="12700">
+            <a:miter lim="400000"/>
+          </a:ln>
+          <a:extLst>
+            <a:ext uri="{C572A759-6A51-4108-AA02-DFA0A04FC94B}">
+              <ma14:wrappingTextBoxFlag xmlns:ma14="http://schemas.microsoft.com/office/mac/drawingml/2011/main" val="1"/>
+            </a:ext>
+          </a:extLst>
+        </p:spPr>
+        <p:txBody>
+          <a:bodyPr lIns="91424" tIns="91424" rIns="91424" bIns="91424">
+            <a:spAutoFit/>
+          </a:bodyPr>
+          <a:lstStyle/>
+          <a:p>
+            <a:pPr marL="457200" indent="-342900">
+              <a:buSzPct val="100000"/>
+              <a:buChar char="■"/>
+              <a:defRPr sz="1800"/>
+            </a:pPr>
+            <a:r>
+              <a:t>Components</a:t>
+            </a:r>
+          </a:p>
+          <a:p>
+            <a:pPr/>
+            <a:endParaRPr sz="1800"/>
+          </a:p>
+          <a:p>
+            <a:pPr/>
+            <a:endParaRPr sz="1800"/>
+          </a:p>
+          <a:p>
+            <a:pPr/>
+            <a:endParaRPr sz="1800"/>
+          </a:p>
+          <a:p>
+            <a:pPr marL="457200" indent="-342900">
+              <a:buSzPct val="100000"/>
+              <a:buChar char="■"/>
+              <a:defRPr sz="1800"/>
+            </a:pPr>
+            <a:r>
+              <a:t>Structural directives</a:t>
+            </a:r>
+          </a:p>
+          <a:p>
+            <a:pPr/>
+            <a:endParaRPr sz="1800"/>
+          </a:p>
+          <a:p>
+            <a:pPr/>
+            <a:endParaRPr sz="1800"/>
+          </a:p>
+          <a:p>
+            <a:pPr/>
+            <a:endParaRPr sz="1800"/>
+          </a:p>
+          <a:p>
+            <a:pPr marL="457200" indent="-342900">
+              <a:buSzPct val="100000"/>
+              <a:buChar char="■"/>
+              <a:defRPr sz="1800"/>
+            </a:pPr>
+            <a:r>
+              <a:t>Attribute directives</a:t>
             </a:r>
           </a:p>
         </p:txBody>
       </p:sp>
       <p:pic>
         <p:nvPicPr>
-          <p:cNvPr id="268" name="image27.png" descr="image27.png"/>
+          <p:cNvPr id="267" name="directive_03.png" descr="directive_03.png"/>
           <p:cNvPicPr>
             <a:picLocks noChangeAspect="1"/>
           </p:cNvPicPr>
@@ -6446,8 +6502,8 @@
         </p:blipFill>
         <p:spPr>
           <a:xfrm>
-            <a:off x="536774" y="2591573"/>
-            <a:ext cx="5208452" cy="2078902"/>
+            <a:off x="718562" y="2319887"/>
+            <a:ext cx="3857626" cy="638176"/>
           </a:xfrm>
           <a:prstGeom prst="rect">
             <a:avLst/>
@@ -6459,7 +6515,7 @@
       </p:pic>
       <p:pic>
         <p:nvPicPr>
-          <p:cNvPr id="269" name="image28.png" descr="image28.png"/>
+          <p:cNvPr id="268" name="directive_04.png" descr="directive_04.png"/>
           <p:cNvPicPr>
             <a:picLocks noChangeAspect="1"/>
           </p:cNvPicPr>
@@ -6475,8 +6531,37 @@
         </p:blipFill>
         <p:spPr>
           <a:xfrm>
-            <a:off x="4993899" y="3595275"/>
-            <a:ext cx="4034102" cy="2439803"/>
+            <a:off x="723337" y="3503224"/>
+            <a:ext cx="3848101" cy="609601"/>
+          </a:xfrm>
+          <a:prstGeom prst="rect">
+            <a:avLst/>
+          </a:prstGeom>
+          <a:ln w="12700">
+            <a:miter lim="400000"/>
+          </a:ln>
+        </p:spPr>
+      </p:pic>
+      <p:pic>
+        <p:nvPicPr>
+          <p:cNvPr id="269" name="directive_05.png" descr="directive_05.png"/>
+          <p:cNvPicPr>
+            <a:picLocks noChangeAspect="1"/>
+          </p:cNvPicPr>
+          <p:nvPr/>
+        </p:nvPicPr>
+        <p:blipFill>
+          <a:blip r:embed="rId4">
+            <a:extLst/>
+          </a:blip>
+          <a:stretch>
+            <a:fillRect/>
+          </a:stretch>
+        </p:blipFill>
+        <p:spPr>
+          <a:xfrm>
+            <a:off x="732874" y="4570024"/>
+            <a:ext cx="3829051" cy="1428751"/>
           </a:xfrm>
           <a:prstGeom prst="rect">
             <a:avLst/>
@@ -6514,14 +6599,14 @@
       </p:grpSpPr>
       <p:sp>
         <p:nvSpPr>
-          <p:cNvPr id="271" name="Shape 291"/>
+          <p:cNvPr id="271" name="STRUCTURAL DIRECTIVES *NGIF BASIC"/>
           <p:cNvSpPr txBox="1"/>
           <p:nvPr/>
         </p:nvSpPr>
         <p:spPr>
           <a:xfrm>
-            <a:off x="536775" y="1015800"/>
-            <a:ext cx="8489700" cy="538447"/>
+            <a:off x="536774" y="1015800"/>
+            <a:ext cx="8380202" cy="538451"/>
           </a:xfrm>
           <a:prstGeom prst="rect">
             <a:avLst/>
@@ -6536,7 +6621,7 @@
           </a:extLst>
         </p:spPr>
         <p:txBody>
-          <a:bodyPr lIns="91422" tIns="91422" rIns="91422" bIns="91422">
+          <a:bodyPr lIns="91424" tIns="91424" rIns="91424" bIns="91424">
             <a:spAutoFit/>
           </a:bodyPr>
           <a:lstStyle>
@@ -6552,14 +6637,14 @@
           <a:p>
             <a:pPr/>
             <a:r>
-              <a:t>TEMPLATE AND ANGULAR 4</a:t>
+              <a:t>STRUCTURAL DIRECTIVES *NGIF BASIC</a:t>
             </a:r>
           </a:p>
         </p:txBody>
       </p:sp>
       <p:pic>
         <p:nvPicPr>
-          <p:cNvPr id="272" name="image3.jpeg" descr="image3.jpeg"/>
+          <p:cNvPr id="272" name="directive_08.png" descr="directive_08.png"/>
           <p:cNvPicPr>
             <a:picLocks noChangeAspect="1"/>
           </p:cNvPicPr>
@@ -6575,8 +6660,37 @@
         </p:blipFill>
         <p:spPr>
           <a:xfrm>
-            <a:off x="536774" y="2352566"/>
-            <a:ext cx="8070451" cy="3524466"/>
+            <a:off x="536774" y="2591574"/>
+            <a:ext cx="5208451" cy="2078901"/>
+          </a:xfrm>
+          <a:prstGeom prst="rect">
+            <a:avLst/>
+          </a:prstGeom>
+          <a:ln w="12700">
+            <a:miter lim="400000"/>
+          </a:ln>
+        </p:spPr>
+      </p:pic>
+      <p:pic>
+        <p:nvPicPr>
+          <p:cNvPr id="273" name="directive_09.png" descr="directive_09.png"/>
+          <p:cNvPicPr>
+            <a:picLocks noChangeAspect="1"/>
+          </p:cNvPicPr>
+          <p:nvPr/>
+        </p:nvPicPr>
+        <p:blipFill>
+          <a:blip r:embed="rId3">
+            <a:extLst/>
+          </a:blip>
+          <a:stretch>
+            <a:fillRect/>
+          </a:stretch>
+        </p:blipFill>
+        <p:spPr>
+          <a:xfrm>
+            <a:off x="4993899" y="3595275"/>
+            <a:ext cx="4034101" cy="2439801"/>
           </a:xfrm>
           <a:prstGeom prst="rect">
             <a:avLst/>
@@ -6614,14 +6728,14 @@
       </p:grpSpPr>
       <p:sp>
         <p:nvSpPr>
-          <p:cNvPr id="178" name="Shape 181"/>
+          <p:cNvPr id="178" name="Agenda:…"/>
           <p:cNvSpPr txBox="1"/>
           <p:nvPr/>
         </p:nvSpPr>
         <p:spPr>
           <a:xfrm>
             <a:off x="953675" y="1276225"/>
-            <a:ext cx="7587299" cy="3783295"/>
+            <a:ext cx="7587300" cy="3783299"/>
           </a:xfrm>
           <a:prstGeom prst="rect">
             <a:avLst/>
@@ -6636,7 +6750,7 @@
           </a:extLst>
         </p:spPr>
         <p:txBody>
-          <a:bodyPr lIns="91421" tIns="91421" rIns="91421" bIns="91421">
+          <a:bodyPr lIns="91423" tIns="91423" rIns="91423" bIns="91423">
             <a:spAutoFit/>
           </a:bodyPr>
           <a:lstStyle/>
@@ -6672,7 +6786,7 @@
               </a:defRPr>
             </a:pPr>
             <a:r>
-              <a:t>What are pipes on Angular 4.</a:t>
+              <a:t>What are pipes on Angular 2.</a:t>
             </a:r>
           </a:p>
           <a:p>
@@ -6812,7 +6926,7 @@
       </p:sp>
       <p:pic>
         <p:nvPicPr>
-          <p:cNvPr id="179" name="image3.png" descr="image3.png"/>
+          <p:cNvPr id="179" name="01.png" descr="01.png"/>
           <p:cNvPicPr>
             <a:picLocks noChangeAspect="1"/>
           </p:cNvPicPr>
@@ -6829,7 +6943,7 @@
         <p:spPr>
           <a:xfrm>
             <a:off x="5626325" y="1276212"/>
-            <a:ext cx="2914654" cy="2809876"/>
+            <a:ext cx="2914652" cy="2809876"/>
           </a:xfrm>
           <a:prstGeom prst="rect">
             <a:avLst/>
@@ -6867,14 +6981,14 @@
       </p:grpSpPr>
       <p:sp>
         <p:nvSpPr>
-          <p:cNvPr id="274" name="Shape 295"/>
+          <p:cNvPr id="275" name="TEMPLATE AND ANGULAR 4"/>
           <p:cNvSpPr txBox="1"/>
           <p:nvPr/>
         </p:nvSpPr>
         <p:spPr>
           <a:xfrm>
             <a:off x="536775" y="1015800"/>
-            <a:ext cx="8489700" cy="538447"/>
+            <a:ext cx="8489700" cy="538451"/>
           </a:xfrm>
           <a:prstGeom prst="rect">
             <a:avLst/>
@@ -6889,7 +7003,7 @@
           </a:extLst>
         </p:spPr>
         <p:txBody>
-          <a:bodyPr lIns="91422" tIns="91422" rIns="91422" bIns="91422">
+          <a:bodyPr lIns="91424" tIns="91424" rIns="91424" bIns="91424">
             <a:spAutoFit/>
           </a:bodyPr>
           <a:lstStyle>
@@ -6905,14 +7019,14 @@
           <a:p>
             <a:pPr/>
             <a:r>
-              <a:t>ASTERISK (*)</a:t>
+              <a:t>TEMPLATE AND ANGULAR 4</a:t>
             </a:r>
           </a:p>
         </p:txBody>
       </p:sp>
       <p:pic>
         <p:nvPicPr>
-          <p:cNvPr id="275" name="image29.png" descr="image29.png"/>
+          <p:cNvPr id="276" name="templates_01.jpg" descr="templates_01.jpg"/>
           <p:cNvPicPr>
             <a:picLocks noChangeAspect="1"/>
           </p:cNvPicPr>
@@ -6928,8 +7042,8 @@
         </p:blipFill>
         <p:spPr>
           <a:xfrm>
-            <a:off x="536762" y="2017197"/>
-            <a:ext cx="5915027" cy="3314705"/>
+            <a:off x="536774" y="2352566"/>
+            <a:ext cx="8070449" cy="3524466"/>
           </a:xfrm>
           <a:prstGeom prst="rect">
             <a:avLst/>
@@ -6967,14 +7081,14 @@
       </p:grpSpPr>
       <p:sp>
         <p:nvSpPr>
-          <p:cNvPr id="277" name="Shape 299"/>
+          <p:cNvPr id="278" name="ASTERISK (*)"/>
           <p:cNvSpPr txBox="1"/>
           <p:nvPr/>
         </p:nvSpPr>
         <p:spPr>
           <a:xfrm>
             <a:off x="536775" y="1015800"/>
-            <a:ext cx="8489700" cy="538447"/>
+            <a:ext cx="8489700" cy="538451"/>
           </a:xfrm>
           <a:prstGeom prst="rect">
             <a:avLst/>
@@ -6989,7 +7103,7 @@
           </a:extLst>
         </p:spPr>
         <p:txBody>
-          <a:bodyPr lIns="91422" tIns="91422" rIns="91422" bIns="91422">
+          <a:bodyPr lIns="91424" tIns="91424" rIns="91424" bIns="91424">
             <a:spAutoFit/>
           </a:bodyPr>
           <a:lstStyle>
@@ -7005,14 +7119,14 @@
           <a:p>
             <a:pPr/>
             <a:r>
-              <a:t>STRUCTURAL DIRECTIVES *NGIF COMPARISON</a:t>
+              <a:t>ASTERISK (*)</a:t>
             </a:r>
           </a:p>
         </p:txBody>
       </p:sp>
       <p:pic>
         <p:nvPicPr>
-          <p:cNvPr id="278" name="image30.png" descr="image30.png"/>
+          <p:cNvPr id="279" name="directive_10.png" descr="directive_10.png"/>
           <p:cNvPicPr>
             <a:picLocks noChangeAspect="1"/>
           </p:cNvPicPr>
@@ -7028,8 +7142,8 @@
         </p:blipFill>
         <p:spPr>
           <a:xfrm>
-            <a:off x="765374" y="3131753"/>
-            <a:ext cx="8070451" cy="1813693"/>
+            <a:off x="536762" y="2017199"/>
+            <a:ext cx="5915026" cy="3314701"/>
           </a:xfrm>
           <a:prstGeom prst="rect">
             <a:avLst/>
@@ -7039,202 +7153,6 @@
           </a:ln>
         </p:spPr>
       </p:pic>
-      <p:sp>
-        <p:nvSpPr>
-          <p:cNvPr id="279" name="Shape 301"/>
-          <p:cNvSpPr txBox="1"/>
-          <p:nvPr/>
-        </p:nvSpPr>
-        <p:spPr>
-          <a:xfrm>
-            <a:off x="536775" y="2689398"/>
-            <a:ext cx="8299199" cy="3225030"/>
-          </a:xfrm>
-          <a:prstGeom prst="rect">
-            <a:avLst/>
-          </a:prstGeom>
-          <a:ln w="12700">
-            <a:miter lim="400000"/>
-          </a:ln>
-          <a:extLst>
-            <a:ext uri="{C572A759-6A51-4108-AA02-DFA0A04FC94B}">
-              <ma14:wrappingTextBoxFlag xmlns:ma14="http://schemas.microsoft.com/office/mac/drawingml/2011/main" val="1"/>
-            </a:ext>
-          </a:extLst>
-        </p:spPr>
-        <p:txBody>
-          <a:bodyPr lIns="91422" tIns="91422" rIns="91422" bIns="91422">
-            <a:spAutoFit/>
-          </a:bodyPr>
-          <a:lstStyle/>
-          <a:p>
-            <a:pPr marL="457200" indent="-228600">
-              <a:buSzPct val="100000"/>
-              <a:buChar char="■"/>
-              <a:defRPr>
-                <a:latin typeface="Arial"/>
-                <a:ea typeface="Arial"/>
-                <a:cs typeface="Arial"/>
-                <a:sym typeface="Arial"/>
-              </a:defRPr>
-            </a:pPr>
-            <a:r>
-              <a:t>1</a:t>
-            </a:r>
-          </a:p>
-          <a:p>
-            <a:pPr>
-              <a:defRPr>
-                <a:latin typeface="Arial"/>
-                <a:ea typeface="Arial"/>
-                <a:cs typeface="Arial"/>
-                <a:sym typeface="Arial"/>
-              </a:defRPr>
-            </a:pPr>
-          </a:p>
-          <a:p>
-            <a:pPr>
-              <a:defRPr>
-                <a:latin typeface="Arial"/>
-                <a:ea typeface="Arial"/>
-                <a:cs typeface="Arial"/>
-                <a:sym typeface="Arial"/>
-              </a:defRPr>
-            </a:pPr>
-          </a:p>
-          <a:p>
-            <a:pPr>
-              <a:defRPr>
-                <a:latin typeface="Arial"/>
-                <a:ea typeface="Arial"/>
-                <a:cs typeface="Arial"/>
-                <a:sym typeface="Arial"/>
-              </a:defRPr>
-            </a:pPr>
-          </a:p>
-          <a:p>
-            <a:pPr>
-              <a:defRPr>
-                <a:latin typeface="Arial"/>
-                <a:ea typeface="Arial"/>
-                <a:cs typeface="Arial"/>
-                <a:sym typeface="Arial"/>
-              </a:defRPr>
-            </a:pPr>
-          </a:p>
-          <a:p>
-            <a:pPr>
-              <a:defRPr>
-                <a:latin typeface="Arial"/>
-                <a:ea typeface="Arial"/>
-                <a:cs typeface="Arial"/>
-                <a:sym typeface="Arial"/>
-              </a:defRPr>
-            </a:pPr>
-          </a:p>
-          <a:p>
-            <a:pPr>
-              <a:defRPr>
-                <a:latin typeface="Arial"/>
-                <a:ea typeface="Arial"/>
-                <a:cs typeface="Arial"/>
-                <a:sym typeface="Arial"/>
-              </a:defRPr>
-            </a:pPr>
-          </a:p>
-          <a:p>
-            <a:pPr>
-              <a:defRPr>
-                <a:latin typeface="Arial"/>
-                <a:ea typeface="Arial"/>
-                <a:cs typeface="Arial"/>
-                <a:sym typeface="Arial"/>
-              </a:defRPr>
-            </a:pPr>
-          </a:p>
-          <a:p>
-            <a:pPr>
-              <a:defRPr>
-                <a:latin typeface="Arial"/>
-                <a:ea typeface="Arial"/>
-                <a:cs typeface="Arial"/>
-                <a:sym typeface="Arial"/>
-              </a:defRPr>
-            </a:pPr>
-          </a:p>
-          <a:p>
-            <a:pPr>
-              <a:defRPr>
-                <a:latin typeface="Arial"/>
-                <a:ea typeface="Arial"/>
-                <a:cs typeface="Arial"/>
-                <a:sym typeface="Arial"/>
-              </a:defRPr>
-            </a:pPr>
-          </a:p>
-          <a:p>
-            <a:pPr>
-              <a:defRPr>
-                <a:latin typeface="Arial"/>
-                <a:ea typeface="Arial"/>
-                <a:cs typeface="Arial"/>
-                <a:sym typeface="Arial"/>
-              </a:defRPr>
-            </a:pPr>
-          </a:p>
-          <a:p>
-            <a:pPr marL="457200" indent="-228600">
-              <a:buSzPct val="100000"/>
-              <a:buChar char="■"/>
-              <a:defRPr>
-                <a:latin typeface="Arial"/>
-                <a:ea typeface="Arial"/>
-                <a:cs typeface="Arial"/>
-                <a:sym typeface="Arial"/>
-              </a:defRPr>
-            </a:pPr>
-            <a:r>
-              <a:t>2</a:t>
-            </a:r>
-          </a:p>
-          <a:p>
-            <a:pPr>
-              <a:defRPr>
-                <a:latin typeface="Arial"/>
-                <a:ea typeface="Arial"/>
-                <a:cs typeface="Arial"/>
-                <a:sym typeface="Arial"/>
-              </a:defRPr>
-            </a:pPr>
-          </a:p>
-          <a:p>
-            <a:pPr>
-              <a:defRPr>
-                <a:latin typeface="Arial"/>
-                <a:ea typeface="Arial"/>
-                <a:cs typeface="Arial"/>
-                <a:sym typeface="Arial"/>
-              </a:defRPr>
-            </a:pPr>
-            <a:r>
-              <a:t>  Displayed if a &gt; b (a=5, b=3) *ngIf=”a &gt; b”</a:t>
-            </a:r>
-          </a:p>
-          <a:p>
-            <a:pPr>
-              <a:defRPr>
-                <a:latin typeface="Arial"/>
-                <a:ea typeface="Arial"/>
-                <a:cs typeface="Arial"/>
-                <a:sym typeface="Arial"/>
-              </a:defRPr>
-            </a:pPr>
-            <a:r>
-              <a:t>  Displayed if a &gt; b (a=5, b=3)	</a:t>
-            </a:r>
-          </a:p>
-        </p:txBody>
-      </p:sp>
     </p:spTree>
   </p:cSld>
   <p:clrMapOvr>
@@ -7263,14 +7181,14 @@
       </p:grpSpPr>
       <p:sp>
         <p:nvSpPr>
-          <p:cNvPr id="281" name="Shape 304"/>
+          <p:cNvPr id="281" name="STRUCTURAL DIRECTIVES *NGIF COMPARISON"/>
           <p:cNvSpPr txBox="1"/>
           <p:nvPr/>
         </p:nvSpPr>
         <p:spPr>
           <a:xfrm>
             <a:off x="536775" y="1015800"/>
-            <a:ext cx="8489700" cy="538447"/>
+            <a:ext cx="8489700" cy="538451"/>
           </a:xfrm>
           <a:prstGeom prst="rect">
             <a:avLst/>
@@ -7285,7 +7203,7 @@
           </a:extLst>
         </p:spPr>
         <p:txBody>
-          <a:bodyPr lIns="91422" tIns="91422" rIns="91422" bIns="91422">
+          <a:bodyPr lIns="91424" tIns="91424" rIns="91424" bIns="91424">
             <a:spAutoFit/>
           </a:bodyPr>
           <a:lstStyle>
@@ -7308,7 +7226,7 @@
       </p:sp>
       <p:pic>
         <p:nvPicPr>
-          <p:cNvPr id="282" name="image31.png" descr="image31.png"/>
+          <p:cNvPr id="282" name="pipe_36.png" descr="pipe_36.png"/>
           <p:cNvPicPr>
             <a:picLocks noChangeAspect="1"/>
           </p:cNvPicPr>
@@ -7324,8 +7242,8 @@
         </p:blipFill>
         <p:spPr>
           <a:xfrm>
-            <a:off x="765374" y="3141441"/>
-            <a:ext cx="8070451" cy="1794318"/>
+            <a:off x="765374" y="3131754"/>
+            <a:ext cx="8070450" cy="1813690"/>
           </a:xfrm>
           <a:prstGeom prst="rect">
             <a:avLst/>
@@ -7337,14 +7255,14 @@
       </p:pic>
       <p:sp>
         <p:nvSpPr>
-          <p:cNvPr id="283" name="Shape 306"/>
+          <p:cNvPr id="283" name="1…"/>
           <p:cNvSpPr txBox="1"/>
           <p:nvPr/>
         </p:nvSpPr>
         <p:spPr>
           <a:xfrm>
-            <a:off x="536775" y="2715772"/>
-            <a:ext cx="7295099" cy="3225031"/>
+            <a:off x="536775" y="2689399"/>
+            <a:ext cx="8299199" cy="3225035"/>
           </a:xfrm>
           <a:prstGeom prst="rect">
             <a:avLst/>
@@ -7359,7 +7277,7 @@
           </a:extLst>
         </p:spPr>
         <p:txBody>
-          <a:bodyPr lIns="91422" tIns="91422" rIns="91422" bIns="91422">
+          <a:bodyPr lIns="91424" tIns="91424" rIns="91424" bIns="91424">
             <a:spAutoFit/>
           </a:bodyPr>
           <a:lstStyle/>
@@ -7367,166 +7285,63 @@
             <a:pPr marL="457200" indent="-228600">
               <a:buSzPct val="100000"/>
               <a:buChar char="■"/>
-              <a:defRPr>
-                <a:latin typeface="Arial"/>
-                <a:ea typeface="Arial"/>
-                <a:cs typeface="Arial"/>
-                <a:sym typeface="Arial"/>
-              </a:defRPr>
             </a:pPr>
             <a:r>
               <a:t>1</a:t>
             </a:r>
           </a:p>
           <a:p>
-            <a:pPr>
-              <a:defRPr>
-                <a:latin typeface="Arial"/>
-                <a:ea typeface="Arial"/>
-                <a:cs typeface="Arial"/>
-                <a:sym typeface="Arial"/>
-              </a:defRPr>
-            </a:pPr>
-          </a:p>
-          <a:p>
-            <a:pPr>
-              <a:defRPr>
-                <a:latin typeface="Arial"/>
-                <a:ea typeface="Arial"/>
-                <a:cs typeface="Arial"/>
-                <a:sym typeface="Arial"/>
-              </a:defRPr>
-            </a:pPr>
-          </a:p>
-          <a:p>
-            <a:pPr>
-              <a:defRPr>
-                <a:latin typeface="Arial"/>
-                <a:ea typeface="Arial"/>
-                <a:cs typeface="Arial"/>
-                <a:sym typeface="Arial"/>
-              </a:defRPr>
-            </a:pPr>
-          </a:p>
-          <a:p>
-            <a:pPr>
-              <a:defRPr>
-                <a:latin typeface="Arial"/>
-                <a:ea typeface="Arial"/>
-                <a:cs typeface="Arial"/>
-                <a:sym typeface="Arial"/>
-              </a:defRPr>
-            </a:pPr>
-          </a:p>
-          <a:p>
-            <a:pPr>
-              <a:defRPr>
-                <a:latin typeface="Arial"/>
-                <a:ea typeface="Arial"/>
-                <a:cs typeface="Arial"/>
-                <a:sym typeface="Arial"/>
-              </a:defRPr>
-            </a:pPr>
-          </a:p>
-          <a:p>
-            <a:pPr>
-              <a:defRPr>
-                <a:latin typeface="Arial"/>
-                <a:ea typeface="Arial"/>
-                <a:cs typeface="Arial"/>
-                <a:sym typeface="Arial"/>
-              </a:defRPr>
-            </a:pPr>
-          </a:p>
-          <a:p>
-            <a:pPr>
-              <a:defRPr>
-                <a:latin typeface="Arial"/>
-                <a:ea typeface="Arial"/>
-                <a:cs typeface="Arial"/>
-                <a:sym typeface="Arial"/>
-              </a:defRPr>
-            </a:pPr>
-          </a:p>
-          <a:p>
-            <a:pPr>
-              <a:defRPr>
-                <a:latin typeface="Arial"/>
-                <a:ea typeface="Arial"/>
-                <a:cs typeface="Arial"/>
-                <a:sym typeface="Arial"/>
-              </a:defRPr>
-            </a:pPr>
-          </a:p>
-          <a:p>
-            <a:pPr>
-              <a:defRPr>
-                <a:latin typeface="Arial"/>
-                <a:ea typeface="Arial"/>
-                <a:cs typeface="Arial"/>
-                <a:sym typeface="Arial"/>
-              </a:defRPr>
-            </a:pPr>
-          </a:p>
-          <a:p>
-            <a:pPr>
-              <a:defRPr>
-                <a:latin typeface="Arial"/>
-                <a:ea typeface="Arial"/>
-                <a:cs typeface="Arial"/>
-                <a:sym typeface="Arial"/>
-              </a:defRPr>
-            </a:pPr>
+            <a:pPr/>
+          </a:p>
+          <a:p>
+            <a:pPr/>
+          </a:p>
+          <a:p>
+            <a:pPr/>
+          </a:p>
+          <a:p>
+            <a:pPr/>
+          </a:p>
+          <a:p>
+            <a:pPr/>
+          </a:p>
+          <a:p>
+            <a:pPr/>
+          </a:p>
+          <a:p>
+            <a:pPr/>
+          </a:p>
+          <a:p>
+            <a:pPr/>
+          </a:p>
+          <a:p>
+            <a:pPr/>
+          </a:p>
+          <a:p>
+            <a:pPr/>
           </a:p>
           <a:p>
             <a:pPr marL="457200" indent="-228600">
               <a:buSzPct val="100000"/>
               <a:buChar char="■"/>
-              <a:defRPr>
-                <a:latin typeface="Arial"/>
-                <a:ea typeface="Arial"/>
-                <a:cs typeface="Arial"/>
-                <a:sym typeface="Arial"/>
-              </a:defRPr>
             </a:pPr>
             <a:r>
               <a:t>2</a:t>
             </a:r>
           </a:p>
           <a:p>
-            <a:pPr>
-              <a:defRPr>
-                <a:latin typeface="Arial"/>
-                <a:ea typeface="Arial"/>
-                <a:cs typeface="Arial"/>
-                <a:sym typeface="Arial"/>
-              </a:defRPr>
-            </a:pPr>
-          </a:p>
-          <a:p>
-            <a:pPr>
-              <a:defRPr>
-                <a:latin typeface="Arial"/>
-                <a:ea typeface="Arial"/>
-                <a:cs typeface="Arial"/>
-                <a:sym typeface="Arial"/>
-              </a:defRPr>
-            </a:pPr>
-            <a:r>
-              <a:t>  Displayed if str is equal the string “yes” *ngIf=”yesString==’yes’”</a:t>
-            </a:r>
-          </a:p>
-          <a:p>
-            <a:pPr>
-              <a:defRPr>
-                <a:latin typeface="Arial"/>
-                <a:ea typeface="Arial"/>
-                <a:cs typeface="Arial"/>
-                <a:sym typeface="Arial"/>
-              </a:defRPr>
-            </a:pPr>
-            <a:r>
-              <a:t>  Displayed if str holds the string “yes”</a:t>
+            <a:pPr/>
+          </a:p>
+          <a:p>
+            <a:pPr/>
+            <a:r>
+              <a:t>  Displayed if a &gt; b (a=5, b=3) *ngIf=”a &gt; b”</a:t>
+            </a:r>
+          </a:p>
+          <a:p>
+            <a:pPr/>
+            <a:r>
+              <a:t>  Displayed if a &gt; b (a=5, b=3)	</a:t>
             </a:r>
           </a:p>
         </p:txBody>
@@ -7559,14 +7374,14 @@
       </p:grpSpPr>
       <p:sp>
         <p:nvSpPr>
-          <p:cNvPr id="285" name="Shape 309"/>
+          <p:cNvPr id="285" name="STRUCTURAL DIRECTIVES *NGIF COMPARISON"/>
           <p:cNvSpPr txBox="1"/>
           <p:nvPr/>
         </p:nvSpPr>
         <p:spPr>
           <a:xfrm>
             <a:off x="536775" y="1015800"/>
-            <a:ext cx="8489700" cy="538447"/>
+            <a:ext cx="8489700" cy="538451"/>
           </a:xfrm>
           <a:prstGeom prst="rect">
             <a:avLst/>
@@ -7581,7 +7396,7 @@
           </a:extLst>
         </p:spPr>
         <p:txBody>
-          <a:bodyPr lIns="91422" tIns="91422" rIns="91422" bIns="91422">
+          <a:bodyPr lIns="91424" tIns="91424" rIns="91424" bIns="91424">
             <a:spAutoFit/>
           </a:bodyPr>
           <a:lstStyle>
@@ -7597,14 +7412,14 @@
           <a:p>
             <a:pPr/>
             <a:r>
-              <a:t>STRUCTURAL DIRECTIVES *NGIF FUNCTION</a:t>
+              <a:t>STRUCTURAL DIRECTIVES *NGIF COMPARISON</a:t>
             </a:r>
           </a:p>
         </p:txBody>
       </p:sp>
       <p:pic>
         <p:nvPicPr>
-          <p:cNvPr id="286" name="image32.png" descr="image32.png"/>
+          <p:cNvPr id="286" name="pipe_37.png" descr="pipe_37.png"/>
           <p:cNvPicPr>
             <a:picLocks noChangeAspect="1"/>
           </p:cNvPicPr>
@@ -7620,8 +7435,8 @@
         </p:blipFill>
         <p:spPr>
           <a:xfrm>
-            <a:off x="765374" y="3202801"/>
-            <a:ext cx="8070451" cy="1671593"/>
+            <a:off x="765374" y="3141441"/>
+            <a:ext cx="8070451" cy="1794318"/>
           </a:xfrm>
           <a:prstGeom prst="rect">
             <a:avLst/>
@@ -7633,14 +7448,14 @@
       </p:pic>
       <p:sp>
         <p:nvSpPr>
-          <p:cNvPr id="287" name="Shape 311"/>
+          <p:cNvPr id="287" name="1…"/>
           <p:cNvSpPr txBox="1"/>
           <p:nvPr/>
         </p:nvSpPr>
         <p:spPr>
           <a:xfrm>
-            <a:off x="536775" y="2715772"/>
-            <a:ext cx="7295099" cy="3225031"/>
+            <a:off x="536775" y="2715774"/>
+            <a:ext cx="7295099" cy="3428235"/>
           </a:xfrm>
           <a:prstGeom prst="rect">
             <a:avLst/>
@@ -7655,7 +7470,7 @@
           </a:extLst>
         </p:spPr>
         <p:txBody>
-          <a:bodyPr lIns="91422" tIns="91422" rIns="91422" bIns="91422">
+          <a:bodyPr lIns="91424" tIns="91424" rIns="91424" bIns="91424">
             <a:spAutoFit/>
           </a:bodyPr>
           <a:lstStyle/>
@@ -7663,166 +7478,63 @@
             <a:pPr marL="457200" indent="-228600">
               <a:buSzPct val="100000"/>
               <a:buChar char="■"/>
-              <a:defRPr>
-                <a:latin typeface="Arial"/>
-                <a:ea typeface="Arial"/>
-                <a:cs typeface="Arial"/>
-                <a:sym typeface="Arial"/>
-              </a:defRPr>
             </a:pPr>
             <a:r>
               <a:t>1</a:t>
             </a:r>
           </a:p>
           <a:p>
-            <a:pPr>
-              <a:defRPr>
-                <a:latin typeface="Arial"/>
-                <a:ea typeface="Arial"/>
-                <a:cs typeface="Arial"/>
-                <a:sym typeface="Arial"/>
-              </a:defRPr>
-            </a:pPr>
-          </a:p>
-          <a:p>
-            <a:pPr>
-              <a:defRPr>
-                <a:latin typeface="Arial"/>
-                <a:ea typeface="Arial"/>
-                <a:cs typeface="Arial"/>
-                <a:sym typeface="Arial"/>
-              </a:defRPr>
-            </a:pPr>
-          </a:p>
-          <a:p>
-            <a:pPr>
-              <a:defRPr>
-                <a:latin typeface="Arial"/>
-                <a:ea typeface="Arial"/>
-                <a:cs typeface="Arial"/>
-                <a:sym typeface="Arial"/>
-              </a:defRPr>
-            </a:pPr>
-          </a:p>
-          <a:p>
-            <a:pPr>
-              <a:defRPr>
-                <a:latin typeface="Arial"/>
-                <a:ea typeface="Arial"/>
-                <a:cs typeface="Arial"/>
-                <a:sym typeface="Arial"/>
-              </a:defRPr>
-            </a:pPr>
-          </a:p>
-          <a:p>
-            <a:pPr>
-              <a:defRPr>
-                <a:latin typeface="Arial"/>
-                <a:ea typeface="Arial"/>
-                <a:cs typeface="Arial"/>
-                <a:sym typeface="Arial"/>
-              </a:defRPr>
-            </a:pPr>
-          </a:p>
-          <a:p>
-            <a:pPr>
-              <a:defRPr>
-                <a:latin typeface="Arial"/>
-                <a:ea typeface="Arial"/>
-                <a:cs typeface="Arial"/>
-                <a:sym typeface="Arial"/>
-              </a:defRPr>
-            </a:pPr>
-          </a:p>
-          <a:p>
-            <a:pPr>
-              <a:defRPr>
-                <a:latin typeface="Arial"/>
-                <a:ea typeface="Arial"/>
-                <a:cs typeface="Arial"/>
-                <a:sym typeface="Arial"/>
-              </a:defRPr>
-            </a:pPr>
-          </a:p>
-          <a:p>
-            <a:pPr>
-              <a:defRPr>
-                <a:latin typeface="Arial"/>
-                <a:ea typeface="Arial"/>
-                <a:cs typeface="Arial"/>
-                <a:sym typeface="Arial"/>
-              </a:defRPr>
-            </a:pPr>
-          </a:p>
-          <a:p>
-            <a:pPr>
-              <a:defRPr>
-                <a:latin typeface="Arial"/>
-                <a:ea typeface="Arial"/>
-                <a:cs typeface="Arial"/>
-                <a:sym typeface="Arial"/>
-              </a:defRPr>
-            </a:pPr>
-          </a:p>
-          <a:p>
-            <a:pPr>
-              <a:defRPr>
-                <a:latin typeface="Arial"/>
-                <a:ea typeface="Arial"/>
-                <a:cs typeface="Arial"/>
-                <a:sym typeface="Arial"/>
-              </a:defRPr>
-            </a:pPr>
+            <a:pPr/>
+          </a:p>
+          <a:p>
+            <a:pPr/>
+          </a:p>
+          <a:p>
+            <a:pPr/>
+          </a:p>
+          <a:p>
+            <a:pPr/>
+          </a:p>
+          <a:p>
+            <a:pPr/>
+          </a:p>
+          <a:p>
+            <a:pPr/>
+          </a:p>
+          <a:p>
+            <a:pPr/>
+          </a:p>
+          <a:p>
+            <a:pPr/>
+          </a:p>
+          <a:p>
+            <a:pPr/>
+          </a:p>
+          <a:p>
+            <a:pPr/>
           </a:p>
           <a:p>
             <a:pPr marL="457200" indent="-228600">
               <a:buSzPct val="100000"/>
               <a:buChar char="■"/>
-              <a:defRPr>
-                <a:latin typeface="Arial"/>
-                <a:ea typeface="Arial"/>
-                <a:cs typeface="Arial"/>
-                <a:sym typeface="Arial"/>
-              </a:defRPr>
             </a:pPr>
             <a:r>
               <a:t>2</a:t>
             </a:r>
           </a:p>
           <a:p>
-            <a:pPr>
-              <a:defRPr>
-                <a:latin typeface="Arial"/>
-                <a:ea typeface="Arial"/>
-                <a:cs typeface="Arial"/>
-                <a:sym typeface="Arial"/>
-              </a:defRPr>
-            </a:pPr>
-          </a:p>
-          <a:p>
-            <a:pPr>
-              <a:defRPr>
-                <a:latin typeface="Arial"/>
-                <a:ea typeface="Arial"/>
-                <a:cs typeface="Arial"/>
-                <a:sym typeface="Arial"/>
-              </a:defRPr>
-            </a:pPr>
-            <a:r>
-              <a:t>  Displayed getTrueOrFalse returns a true value</a:t>
-            </a:r>
-          </a:p>
-          <a:p>
-            <a:pPr>
-              <a:defRPr>
-                <a:latin typeface="Arial"/>
-                <a:ea typeface="Arial"/>
-                <a:cs typeface="Arial"/>
-                <a:sym typeface="Arial"/>
-              </a:defRPr>
-            </a:pPr>
-            <a:r>
-              <a:t>  Displayed getTrueOrFalse returns a false value</a:t>
+            <a:pPr/>
+          </a:p>
+          <a:p>
+            <a:pPr/>
+            <a:r>
+              <a:t>  Displayed if str is equal the string “yes” *ngIf=”yesString==’yes’”</a:t>
+            </a:r>
+          </a:p>
+          <a:p>
+            <a:pPr/>
+            <a:r>
+              <a:t>  Displayed if str holds the string “yes”</a:t>
             </a:r>
           </a:p>
         </p:txBody>
@@ -7855,14 +7567,14 @@
       </p:grpSpPr>
       <p:sp>
         <p:nvSpPr>
-          <p:cNvPr id="289" name="Shape 314"/>
+          <p:cNvPr id="289" name="STRUCTURAL DIRECTIVES *NGIF FUNCTION"/>
           <p:cNvSpPr txBox="1"/>
           <p:nvPr/>
         </p:nvSpPr>
         <p:spPr>
           <a:xfrm>
             <a:off x="536775" y="1015800"/>
-            <a:ext cx="8489700" cy="538447"/>
+            <a:ext cx="8489700" cy="538451"/>
           </a:xfrm>
           <a:prstGeom prst="rect">
             <a:avLst/>
@@ -7877,7 +7589,7 @@
           </a:extLst>
         </p:spPr>
         <p:txBody>
-          <a:bodyPr lIns="91422" tIns="91422" rIns="91422" bIns="91422">
+          <a:bodyPr lIns="91424" tIns="91424" rIns="91424" bIns="91424">
             <a:spAutoFit/>
           </a:bodyPr>
           <a:lstStyle>
@@ -7893,14 +7605,14 @@
           <a:p>
             <a:pPr/>
             <a:r>
-              <a:t>STRUCTURAL DIRECTIVES NGSWITCH</a:t>
+              <a:t>STRUCTURAL DIRECTIVES *NGIF FUNCTION</a:t>
             </a:r>
           </a:p>
         </p:txBody>
       </p:sp>
       <p:pic>
         <p:nvPicPr>
-          <p:cNvPr id="290" name="image33.png" descr="image33.png"/>
+          <p:cNvPr id="290" name="pipe_38.png" descr="pipe_38.png"/>
           <p:cNvPicPr>
             <a:picLocks noChangeAspect="1"/>
           </p:cNvPicPr>
@@ -7916,37 +7628,8 @@
         </p:blipFill>
         <p:spPr>
           <a:xfrm>
-            <a:off x="765373" y="4694339"/>
-            <a:ext cx="8070478" cy="1431724"/>
-          </a:xfrm>
-          <a:prstGeom prst="rect">
-            <a:avLst/>
-          </a:prstGeom>
-          <a:ln w="12700">
-            <a:miter lim="400000"/>
-          </a:ln>
-        </p:spPr>
-      </p:pic>
-      <p:pic>
-        <p:nvPicPr>
-          <p:cNvPr id="291" name="image34.png" descr="image34.png"/>
-          <p:cNvPicPr>
-            <a:picLocks noChangeAspect="1"/>
-          </p:cNvPicPr>
-          <p:nvPr/>
-        </p:nvPicPr>
-        <p:blipFill>
-          <a:blip r:embed="rId3">
-            <a:extLst/>
-          </a:blip>
-          <a:stretch>
-            <a:fillRect/>
-          </a:stretch>
-        </p:blipFill>
-        <p:spPr>
-          <a:xfrm>
-            <a:off x="763461" y="2828712"/>
-            <a:ext cx="8070475" cy="1610724"/>
+            <a:off x="765374" y="3202803"/>
+            <a:ext cx="8070451" cy="1671591"/>
           </a:xfrm>
           <a:prstGeom prst="rect">
             <a:avLst/>
@@ -7958,14 +7641,14 @@
       </p:pic>
       <p:sp>
         <p:nvSpPr>
-          <p:cNvPr id="292" name="Shape 317"/>
+          <p:cNvPr id="291" name="1…"/>
           <p:cNvSpPr txBox="1"/>
           <p:nvPr/>
         </p:nvSpPr>
         <p:spPr>
           <a:xfrm>
-            <a:off x="536774" y="2469775"/>
-            <a:ext cx="8530502" cy="2209030"/>
+            <a:off x="536775" y="2715774"/>
+            <a:ext cx="7295099" cy="3428235"/>
           </a:xfrm>
           <a:prstGeom prst="rect">
             <a:avLst/>
@@ -7980,7 +7663,7 @@
           </a:extLst>
         </p:spPr>
         <p:txBody>
-          <a:bodyPr lIns="91422" tIns="91422" rIns="91422" bIns="91422">
+          <a:bodyPr lIns="91424" tIns="91424" rIns="91424" bIns="91424">
             <a:spAutoFit/>
           </a:bodyPr>
           <a:lstStyle/>
@@ -7988,110 +7671,63 @@
             <a:pPr marL="457200" indent="-228600">
               <a:buSzPct val="100000"/>
               <a:buChar char="■"/>
-              <a:defRPr>
-                <a:latin typeface="Arial"/>
-                <a:ea typeface="Arial"/>
-                <a:cs typeface="Arial"/>
-                <a:sym typeface="Arial"/>
-              </a:defRPr>
             </a:pPr>
             <a:r>
               <a:t>1</a:t>
             </a:r>
           </a:p>
           <a:p>
-            <a:pPr>
-              <a:defRPr>
-                <a:latin typeface="Arial"/>
-                <a:ea typeface="Arial"/>
-                <a:cs typeface="Arial"/>
-                <a:sym typeface="Arial"/>
-              </a:defRPr>
-            </a:pPr>
-          </a:p>
-          <a:p>
-            <a:pPr>
-              <a:defRPr>
-                <a:latin typeface="Arial"/>
-                <a:ea typeface="Arial"/>
-                <a:cs typeface="Arial"/>
-                <a:sym typeface="Arial"/>
-              </a:defRPr>
-            </a:pPr>
-          </a:p>
-          <a:p>
-            <a:pPr>
-              <a:defRPr>
-                <a:latin typeface="Arial"/>
-                <a:ea typeface="Arial"/>
-                <a:cs typeface="Arial"/>
-                <a:sym typeface="Arial"/>
-              </a:defRPr>
-            </a:pPr>
-          </a:p>
-          <a:p>
-            <a:pPr>
-              <a:defRPr>
-                <a:latin typeface="Arial"/>
-                <a:ea typeface="Arial"/>
-                <a:cs typeface="Arial"/>
-                <a:sym typeface="Arial"/>
-              </a:defRPr>
-            </a:pPr>
-          </a:p>
-          <a:p>
-            <a:pPr>
-              <a:defRPr>
-                <a:latin typeface="Arial"/>
-                <a:ea typeface="Arial"/>
-                <a:cs typeface="Arial"/>
-                <a:sym typeface="Arial"/>
-              </a:defRPr>
-            </a:pPr>
-          </a:p>
-          <a:p>
-            <a:pPr>
-              <a:defRPr>
-                <a:latin typeface="Arial"/>
-                <a:ea typeface="Arial"/>
-                <a:cs typeface="Arial"/>
-                <a:sym typeface="Arial"/>
-              </a:defRPr>
-            </a:pPr>
-          </a:p>
-          <a:p>
-            <a:pPr>
-              <a:defRPr>
-                <a:latin typeface="Arial"/>
-                <a:ea typeface="Arial"/>
-                <a:cs typeface="Arial"/>
-                <a:sym typeface="Arial"/>
-              </a:defRPr>
-            </a:pPr>
-          </a:p>
-          <a:p>
-            <a:pPr>
-              <a:defRPr>
-                <a:latin typeface="Arial"/>
-                <a:ea typeface="Arial"/>
-                <a:cs typeface="Arial"/>
-                <a:sym typeface="Arial"/>
-              </a:defRPr>
-            </a:pPr>
+            <a:pPr/>
+          </a:p>
+          <a:p>
+            <a:pPr/>
+          </a:p>
+          <a:p>
+            <a:pPr/>
+          </a:p>
+          <a:p>
+            <a:pPr/>
+          </a:p>
+          <a:p>
+            <a:pPr/>
+          </a:p>
+          <a:p>
+            <a:pPr/>
+          </a:p>
+          <a:p>
+            <a:pPr/>
+          </a:p>
+          <a:p>
+            <a:pPr/>
+          </a:p>
+          <a:p>
+            <a:pPr/>
+          </a:p>
+          <a:p>
+            <a:pPr/>
           </a:p>
           <a:p>
             <a:pPr marL="457200" indent="-228600">
               <a:buSzPct val="100000"/>
               <a:buChar char="■"/>
-              <a:defRPr>
-                <a:latin typeface="Arial"/>
-                <a:ea typeface="Arial"/>
-                <a:cs typeface="Arial"/>
-                <a:sym typeface="Arial"/>
-              </a:defRPr>
             </a:pPr>
             <a:r>
               <a:t>2</a:t>
+            </a:r>
+          </a:p>
+          <a:p>
+            <a:pPr/>
+          </a:p>
+          <a:p>
+            <a:pPr/>
+            <a:r>
+              <a:t>  Displayed getTrueOrFalse returns a true value</a:t>
+            </a:r>
+          </a:p>
+          <a:p>
+            <a:pPr/>
+            <a:r>
+              <a:t>  Displayed getTrueOrFalse returns a false value</a:t>
             </a:r>
           </a:p>
         </p:txBody>
@@ -8124,14 +7760,14 @@
       </p:grpSpPr>
       <p:sp>
         <p:nvSpPr>
-          <p:cNvPr id="294" name="Shape 320"/>
+          <p:cNvPr id="293" name="STRUCTURAL DIRECTIVES NGSWITCH"/>
           <p:cNvSpPr txBox="1"/>
           <p:nvPr/>
         </p:nvSpPr>
         <p:spPr>
           <a:xfrm>
             <a:off x="536775" y="1015800"/>
-            <a:ext cx="8489700" cy="538447"/>
+            <a:ext cx="8489700" cy="538451"/>
           </a:xfrm>
           <a:prstGeom prst="rect">
             <a:avLst/>
@@ -8146,7 +7782,7 @@
           </a:extLst>
         </p:spPr>
         <p:txBody>
-          <a:bodyPr lIns="91422" tIns="91422" rIns="91422" bIns="91422">
+          <a:bodyPr lIns="91424" tIns="91424" rIns="91424" bIns="91424">
             <a:spAutoFit/>
           </a:bodyPr>
           <a:lstStyle>
@@ -8162,14 +7798,14 @@
           <a:p>
             <a:pPr/>
             <a:r>
-              <a:t>STRUCTURAL DIRECTIVES *NGFOR</a:t>
+              <a:t>STRUCTURAL DIRECTIVES NGSWITCH</a:t>
             </a:r>
           </a:p>
         </p:txBody>
       </p:sp>
       <p:pic>
         <p:nvPicPr>
-          <p:cNvPr id="295" name="image35.png" descr="image35.png"/>
+          <p:cNvPr id="294" name="pipe_39.png" descr="pipe_39.png"/>
           <p:cNvPicPr>
             <a:picLocks noChangeAspect="1"/>
           </p:cNvPicPr>
@@ -8185,8 +7821,8 @@
         </p:blipFill>
         <p:spPr>
           <a:xfrm>
-            <a:off x="536774" y="2692904"/>
-            <a:ext cx="8070454" cy="1472194"/>
+            <a:off x="765373" y="4694339"/>
+            <a:ext cx="8070477" cy="1431722"/>
           </a:xfrm>
           <a:prstGeom prst="rect">
             <a:avLst/>
@@ -8198,7 +7834,7 @@
       </p:pic>
       <p:pic>
         <p:nvPicPr>
-          <p:cNvPr id="296" name="image36.png" descr="image36.png"/>
+          <p:cNvPr id="295" name="pipe_40.png" descr="pipe_40.png"/>
           <p:cNvPicPr>
             <a:picLocks noChangeAspect="1"/>
           </p:cNvPicPr>
@@ -8214,8 +7850,8 @@
         </p:blipFill>
         <p:spPr>
           <a:xfrm>
-            <a:off x="3492286" y="3784224"/>
-            <a:ext cx="5114927" cy="2362202"/>
+            <a:off x="763461" y="2828713"/>
+            <a:ext cx="8070475" cy="1610722"/>
           </a:xfrm>
           <a:prstGeom prst="rect">
             <a:avLst/>
@@ -8225,26 +7861,16 @@
           </a:ln>
         </p:spPr>
       </p:pic>
-      <p:pic>
-        <p:nvPicPr>
-          <p:cNvPr id="297" name="image37.png" descr="image37.png"/>
-          <p:cNvPicPr>
-            <a:picLocks noChangeAspect="1"/>
-          </p:cNvPicPr>
+      <p:sp>
+        <p:nvSpPr>
+          <p:cNvPr id="296" name="1…"/>
+          <p:cNvSpPr txBox="1"/>
           <p:nvPr/>
-        </p:nvPicPr>
-        <p:blipFill>
-          <a:blip r:embed="rId4">
-            <a:extLst/>
-          </a:blip>
-          <a:stretch>
-            <a:fillRect/>
-          </a:stretch>
-        </p:blipFill>
-        <p:spPr>
-          <a:xfrm>
-            <a:off x="225212" y="4143662"/>
-            <a:ext cx="3267077" cy="1628778"/>
+        </p:nvSpPr>
+        <p:spPr>
+          <a:xfrm>
+            <a:off x="536774" y="2469775"/>
+            <a:ext cx="8530502" cy="2209034"/>
           </a:xfrm>
           <a:prstGeom prst="rect">
             <a:avLst/>
@@ -8252,8 +7878,61 @@
           <a:ln w="12700">
             <a:miter lim="400000"/>
           </a:ln>
-        </p:spPr>
-      </p:pic>
+          <a:extLst>
+            <a:ext uri="{C572A759-6A51-4108-AA02-DFA0A04FC94B}">
+              <ma14:wrappingTextBoxFlag xmlns:ma14="http://schemas.microsoft.com/office/mac/drawingml/2011/main" val="1"/>
+            </a:ext>
+          </a:extLst>
+        </p:spPr>
+        <p:txBody>
+          <a:bodyPr lIns="91424" tIns="91424" rIns="91424" bIns="91424">
+            <a:spAutoFit/>
+          </a:bodyPr>
+          <a:lstStyle/>
+          <a:p>
+            <a:pPr marL="457200" indent="-228600">
+              <a:buSzPct val="100000"/>
+              <a:buChar char="■"/>
+            </a:pPr>
+            <a:r>
+              <a:t>1</a:t>
+            </a:r>
+          </a:p>
+          <a:p>
+            <a:pPr/>
+          </a:p>
+          <a:p>
+            <a:pPr/>
+          </a:p>
+          <a:p>
+            <a:pPr/>
+          </a:p>
+          <a:p>
+            <a:pPr/>
+          </a:p>
+          <a:p>
+            <a:pPr/>
+          </a:p>
+          <a:p>
+            <a:pPr/>
+          </a:p>
+          <a:p>
+            <a:pPr/>
+          </a:p>
+          <a:p>
+            <a:pPr/>
+          </a:p>
+          <a:p>
+            <a:pPr marL="457200" indent="-228600">
+              <a:buSzPct val="100000"/>
+              <a:buChar char="■"/>
+            </a:pPr>
+            <a:r>
+              <a:t>2</a:t>
+            </a:r>
+          </a:p>
+        </p:txBody>
+      </p:sp>
     </p:spTree>
   </p:cSld>
   <p:clrMapOvr>
@@ -8282,14 +7961,14 @@
       </p:grpSpPr>
       <p:sp>
         <p:nvSpPr>
-          <p:cNvPr id="299" name="Shape 326"/>
+          <p:cNvPr id="298" name="STRUCTURAL DIRECTIVES *NGFOR"/>
           <p:cNvSpPr txBox="1"/>
           <p:nvPr/>
         </p:nvSpPr>
         <p:spPr>
           <a:xfrm>
-            <a:off x="308174" y="1015799"/>
-            <a:ext cx="8605202" cy="894047"/>
+            <a:off x="536775" y="1015800"/>
+            <a:ext cx="8489700" cy="538451"/>
           </a:xfrm>
           <a:prstGeom prst="rect">
             <a:avLst/>
@@ -8304,7 +7983,7 @@
           </a:extLst>
         </p:spPr>
         <p:txBody>
-          <a:bodyPr lIns="91422" tIns="91422" rIns="91422" bIns="91422">
+          <a:bodyPr lIns="91424" tIns="91424" rIns="91424" bIns="91424">
             <a:spAutoFit/>
           </a:bodyPr>
           <a:lstStyle>
@@ -8320,14 +7999,14 @@
           <a:p>
             <a:pPr/>
             <a:r>
-              <a:t>STRUCTURAL DIRECTIVES *NGFOR GETTING AN INDEX</a:t>
+              <a:t>STRUCTURAL DIRECTIVES *NGFOR</a:t>
             </a:r>
           </a:p>
         </p:txBody>
       </p:sp>
       <p:pic>
         <p:nvPicPr>
-          <p:cNvPr id="300" name="image38.png" descr="image38.png"/>
+          <p:cNvPr id="299" name="pipe_41.png" descr="pipe_41.png"/>
           <p:cNvPicPr>
             <a:picLocks noChangeAspect="1"/>
           </p:cNvPicPr>
@@ -8343,8 +8022,8 @@
         </p:blipFill>
         <p:spPr>
           <a:xfrm>
-            <a:off x="352952" y="2752725"/>
-            <a:ext cx="8438096" cy="1352550"/>
+            <a:off x="536774" y="2692904"/>
+            <a:ext cx="8070452" cy="1472193"/>
           </a:xfrm>
           <a:prstGeom prst="rect">
             <a:avLst/>
@@ -8356,7 +8035,7 @@
       </p:pic>
       <p:pic>
         <p:nvPicPr>
-          <p:cNvPr id="301" name="image39.png" descr="image39.png"/>
+          <p:cNvPr id="300" name="pipe_43.png" descr="pipe_43.png"/>
           <p:cNvPicPr>
             <a:picLocks noChangeAspect="1"/>
           </p:cNvPicPr>
@@ -8372,8 +8051,8 @@
         </p:blipFill>
         <p:spPr>
           <a:xfrm>
-            <a:off x="379300" y="4188223"/>
-            <a:ext cx="2819401" cy="1543053"/>
+            <a:off x="3492286" y="3784224"/>
+            <a:ext cx="5114926" cy="2362201"/>
           </a:xfrm>
           <a:prstGeom prst="rect">
             <a:avLst/>
@@ -8385,7 +8064,7 @@
       </p:pic>
       <p:pic>
         <p:nvPicPr>
-          <p:cNvPr id="302" name="image40.png" descr="image40.png"/>
+          <p:cNvPr id="301" name="pipe_44.png" descr="pipe_44.png"/>
           <p:cNvPicPr>
             <a:picLocks noChangeAspect="1"/>
           </p:cNvPicPr>
@@ -8401,8 +8080,8 @@
         </p:blipFill>
         <p:spPr>
           <a:xfrm>
-            <a:off x="3274900" y="4226493"/>
-            <a:ext cx="5504351" cy="1999917"/>
+            <a:off x="225212" y="4143662"/>
+            <a:ext cx="3267076" cy="1628776"/>
           </a:xfrm>
           <a:prstGeom prst="rect">
             <a:avLst/>
@@ -8440,14 +8119,14 @@
       </p:grpSpPr>
       <p:sp>
         <p:nvSpPr>
-          <p:cNvPr id="304" name="Shape 332"/>
+          <p:cNvPr id="303" name="STRUCTURAL DIRECTIVES *NGFOR GETTING AN INDEX"/>
           <p:cNvSpPr txBox="1"/>
           <p:nvPr/>
         </p:nvSpPr>
         <p:spPr>
           <a:xfrm>
             <a:off x="308174" y="1015800"/>
-            <a:ext cx="8605202" cy="538447"/>
+            <a:ext cx="8605202" cy="894051"/>
           </a:xfrm>
           <a:prstGeom prst="rect">
             <a:avLst/>
@@ -8462,7 +8141,7 @@
           </a:extLst>
         </p:spPr>
         <p:txBody>
-          <a:bodyPr lIns="91422" tIns="91422" rIns="91422" bIns="91422">
+          <a:bodyPr lIns="91424" tIns="91424" rIns="91424" bIns="91424">
             <a:spAutoFit/>
           </a:bodyPr>
           <a:lstStyle>
@@ -8478,14 +8157,14 @@
           <a:p>
             <a:pPr/>
             <a:r>
-              <a:t>ATTRIBUTE DIRECTIVES NGSTYLE</a:t>
+              <a:t>STRUCTURAL DIRECTIVES *NGFOR GETTING AN INDEX</a:t>
             </a:r>
           </a:p>
         </p:txBody>
       </p:sp>
       <p:pic>
         <p:nvPicPr>
-          <p:cNvPr id="305" name="image41.png" descr="image41.png"/>
+          <p:cNvPr id="304" name="pipe_47.png" descr="pipe_47.png"/>
           <p:cNvPicPr>
             <a:picLocks noChangeAspect="1"/>
           </p:cNvPicPr>
@@ -8501,8 +8180,8 @@
         </p:blipFill>
         <p:spPr>
           <a:xfrm>
-            <a:off x="479624" y="2793600"/>
-            <a:ext cx="6705601" cy="885826"/>
+            <a:off x="352952" y="2752725"/>
+            <a:ext cx="8438096" cy="1352550"/>
           </a:xfrm>
           <a:prstGeom prst="rect">
             <a:avLst/>
@@ -8514,7 +8193,7 @@
       </p:pic>
       <p:pic>
         <p:nvPicPr>
-          <p:cNvPr id="306" name="image42.png" descr="image42.png"/>
+          <p:cNvPr id="305" name="pipe_48.png" descr="pipe_48.png"/>
           <p:cNvPicPr>
             <a:picLocks noChangeAspect="1"/>
           </p:cNvPicPr>
@@ -8530,8 +8209,8 @@
         </p:blipFill>
         <p:spPr>
           <a:xfrm>
-            <a:off x="479624" y="4455762"/>
-            <a:ext cx="6648451" cy="847728"/>
+            <a:off x="379300" y="4188224"/>
+            <a:ext cx="2819401" cy="1543051"/>
           </a:xfrm>
           <a:prstGeom prst="rect">
             <a:avLst/>
@@ -8543,7 +8222,7 @@
       </p:pic>
       <p:pic>
         <p:nvPicPr>
-          <p:cNvPr id="307" name="image43.png" descr="image43.png"/>
+          <p:cNvPr id="306" name="pipe_48.png" descr="pipe_48.png"/>
           <p:cNvPicPr>
             <a:picLocks noChangeAspect="1"/>
           </p:cNvPicPr>
@@ -8559,167 +8238,8 @@
         </p:blipFill>
         <p:spPr>
           <a:xfrm>
-            <a:off x="479624" y="3679437"/>
-            <a:ext cx="6705601" cy="533403"/>
-          </a:xfrm>
-          <a:prstGeom prst="rect">
-            <a:avLst/>
-          </a:prstGeom>
-          <a:ln w="12700">
-            <a:miter lim="400000"/>
-          </a:ln>
-        </p:spPr>
-      </p:pic>
-      <p:sp>
-        <p:nvSpPr>
-          <p:cNvPr id="308" name="Shape 336"/>
-          <p:cNvSpPr txBox="1"/>
-          <p:nvPr/>
-        </p:nvSpPr>
-        <p:spPr>
-          <a:xfrm>
-            <a:off x="270850" y="2465912"/>
-            <a:ext cx="8679900" cy="2005830"/>
-          </a:xfrm>
-          <a:prstGeom prst="rect">
-            <a:avLst/>
-          </a:prstGeom>
-          <a:ln w="12700">
-            <a:miter lim="400000"/>
-          </a:ln>
-          <a:extLst>
-            <a:ext uri="{C572A759-6A51-4108-AA02-DFA0A04FC94B}">
-              <ma14:wrappingTextBoxFlag xmlns:ma14="http://schemas.microsoft.com/office/mac/drawingml/2011/main" val="1"/>
-            </a:ext>
-          </a:extLst>
-        </p:spPr>
-        <p:txBody>
-          <a:bodyPr lIns="91422" tIns="91422" rIns="91422" bIns="91422">
-            <a:spAutoFit/>
-          </a:bodyPr>
-          <a:lstStyle/>
-          <a:p>
-            <a:pPr marL="457200" indent="-228600">
-              <a:buSzPct val="100000"/>
-              <a:buChar char="■"/>
-              <a:defRPr>
-                <a:latin typeface="Arial"/>
-                <a:ea typeface="Arial"/>
-                <a:cs typeface="Arial"/>
-                <a:sym typeface="Arial"/>
-              </a:defRPr>
-            </a:pPr>
-            <a:r>
-              <a:t>1</a:t>
-            </a:r>
-          </a:p>
-          <a:p>
-            <a:pPr>
-              <a:defRPr>
-                <a:latin typeface="Arial"/>
-                <a:ea typeface="Arial"/>
-                <a:cs typeface="Arial"/>
-                <a:sym typeface="Arial"/>
-              </a:defRPr>
-            </a:pPr>
-          </a:p>
-          <a:p>
-            <a:pPr>
-              <a:defRPr>
-                <a:latin typeface="Arial"/>
-                <a:ea typeface="Arial"/>
-                <a:cs typeface="Arial"/>
-                <a:sym typeface="Arial"/>
-              </a:defRPr>
-            </a:pPr>
-          </a:p>
-          <a:p>
-            <a:pPr>
-              <a:defRPr>
-                <a:latin typeface="Arial"/>
-                <a:ea typeface="Arial"/>
-                <a:cs typeface="Arial"/>
-                <a:sym typeface="Arial"/>
-              </a:defRPr>
-            </a:pPr>
-          </a:p>
-          <a:p>
-            <a:pPr>
-              <a:defRPr>
-                <a:latin typeface="Arial"/>
-                <a:ea typeface="Arial"/>
-                <a:cs typeface="Arial"/>
-                <a:sym typeface="Arial"/>
-              </a:defRPr>
-            </a:pPr>
-          </a:p>
-          <a:p>
-            <a:pPr>
-              <a:defRPr>
-                <a:latin typeface="Arial"/>
-                <a:ea typeface="Arial"/>
-                <a:cs typeface="Arial"/>
-                <a:sym typeface="Arial"/>
-              </a:defRPr>
-            </a:pPr>
-          </a:p>
-          <a:p>
-            <a:pPr>
-              <a:defRPr>
-                <a:latin typeface="Arial"/>
-                <a:ea typeface="Arial"/>
-                <a:cs typeface="Arial"/>
-                <a:sym typeface="Arial"/>
-              </a:defRPr>
-            </a:pPr>
-          </a:p>
-          <a:p>
-            <a:pPr>
-              <a:defRPr>
-                <a:latin typeface="Arial"/>
-                <a:ea typeface="Arial"/>
-                <a:cs typeface="Arial"/>
-                <a:sym typeface="Arial"/>
-              </a:defRPr>
-            </a:pPr>
-          </a:p>
-          <a:p>
-            <a:pPr marL="457200" indent="-228600">
-              <a:buSzPct val="100000"/>
-              <a:buChar char="■"/>
-              <a:defRPr>
-                <a:latin typeface="Arial"/>
-                <a:ea typeface="Arial"/>
-                <a:cs typeface="Arial"/>
-                <a:sym typeface="Arial"/>
-              </a:defRPr>
-            </a:pPr>
-            <a:r>
-              <a:t>2</a:t>
-            </a:r>
-          </a:p>
-        </p:txBody>
-      </p:sp>
-      <p:pic>
-        <p:nvPicPr>
-          <p:cNvPr id="309" name="image44.png" descr="image44.png"/>
-          <p:cNvPicPr>
-            <a:picLocks noChangeAspect="1"/>
-          </p:cNvPicPr>
-          <p:nvPr/>
-        </p:nvPicPr>
-        <p:blipFill>
-          <a:blip r:embed="rId5">
-            <a:extLst/>
-          </a:blip>
-          <a:stretch>
-            <a:fillRect/>
-          </a:stretch>
-        </p:blipFill>
-        <p:spPr>
-          <a:xfrm>
-            <a:off x="521074" y="5364600"/>
-            <a:ext cx="8101850" cy="727402"/>
+            <a:off x="3274900" y="4226493"/>
+            <a:ext cx="5504351" cy="1999915"/>
           </a:xfrm>
           <a:prstGeom prst="rect">
             <a:avLst/>
@@ -8757,14 +8277,14 @@
       </p:grpSpPr>
       <p:sp>
         <p:nvSpPr>
-          <p:cNvPr id="311" name="Shape 340"/>
+          <p:cNvPr id="308" name="ATTRIBUTE DIRECTIVES NGSTYLE"/>
           <p:cNvSpPr txBox="1"/>
           <p:nvPr/>
         </p:nvSpPr>
         <p:spPr>
           <a:xfrm>
             <a:off x="308174" y="1015800"/>
-            <a:ext cx="8605202" cy="538447"/>
+            <a:ext cx="8605202" cy="538451"/>
           </a:xfrm>
           <a:prstGeom prst="rect">
             <a:avLst/>
@@ -8779,7 +8299,7 @@
           </a:extLst>
         </p:spPr>
         <p:txBody>
-          <a:bodyPr lIns="91422" tIns="91422" rIns="91422" bIns="91422">
+          <a:bodyPr lIns="91424" tIns="91424" rIns="91424" bIns="91424">
             <a:spAutoFit/>
           </a:bodyPr>
           <a:lstStyle>
@@ -8795,14 +8315,14 @@
           <a:p>
             <a:pPr/>
             <a:r>
-              <a:t>ATTRIBUTE DIRECTIVES NGCLASS</a:t>
+              <a:t>ATTRIBUTE DIRECTIVES NGSTYLE</a:t>
             </a:r>
           </a:p>
         </p:txBody>
       </p:sp>
       <p:pic>
         <p:nvPicPr>
-          <p:cNvPr id="312" name="image45.png" descr="image45.png"/>
+          <p:cNvPr id="309" name="pipe_49.png" descr="pipe_49.png"/>
           <p:cNvPicPr>
             <a:picLocks noChangeAspect="1"/>
           </p:cNvPicPr>
@@ -8818,8 +8338,8 @@
         </p:blipFill>
         <p:spPr>
           <a:xfrm>
-            <a:off x="308175" y="2633864"/>
-            <a:ext cx="8523849" cy="2566320"/>
+            <a:off x="479624" y="2793600"/>
+            <a:ext cx="6705601" cy="885826"/>
           </a:xfrm>
           <a:prstGeom prst="rect">
             <a:avLst/>
@@ -8831,7 +8351,7 @@
       </p:pic>
       <p:pic>
         <p:nvPicPr>
-          <p:cNvPr id="313" name="image46.png" descr="image46.png"/>
+          <p:cNvPr id="310" name="pipe_50.png" descr="pipe_50.png"/>
           <p:cNvPicPr>
             <a:picLocks noChangeAspect="1"/>
           </p:cNvPicPr>
@@ -8847,8 +8367,135 @@
         </p:blipFill>
         <p:spPr>
           <a:xfrm>
-            <a:off x="308175" y="5313562"/>
-            <a:ext cx="7010401" cy="180978"/>
+            <a:off x="479624" y="4455762"/>
+            <a:ext cx="6648451" cy="847726"/>
+          </a:xfrm>
+          <a:prstGeom prst="rect">
+            <a:avLst/>
+          </a:prstGeom>
+          <a:ln w="12700">
+            <a:miter lim="400000"/>
+          </a:ln>
+        </p:spPr>
+      </p:pic>
+      <p:pic>
+        <p:nvPicPr>
+          <p:cNvPr id="311" name="pipe_51.png" descr="pipe_51.png"/>
+          <p:cNvPicPr>
+            <a:picLocks noChangeAspect="1"/>
+          </p:cNvPicPr>
+          <p:nvPr/>
+        </p:nvPicPr>
+        <p:blipFill>
+          <a:blip r:embed="rId4">
+            <a:extLst/>
+          </a:blip>
+          <a:stretch>
+            <a:fillRect/>
+          </a:stretch>
+        </p:blipFill>
+        <p:spPr>
+          <a:xfrm>
+            <a:off x="479624" y="3679437"/>
+            <a:ext cx="6705601" cy="533401"/>
+          </a:xfrm>
+          <a:prstGeom prst="rect">
+            <a:avLst/>
+          </a:prstGeom>
+          <a:ln w="12700">
+            <a:miter lim="400000"/>
+          </a:ln>
+        </p:spPr>
+      </p:pic>
+      <p:sp>
+        <p:nvSpPr>
+          <p:cNvPr id="312" name="1…"/>
+          <p:cNvSpPr txBox="1"/>
+          <p:nvPr/>
+        </p:nvSpPr>
+        <p:spPr>
+          <a:xfrm>
+            <a:off x="270850" y="2465912"/>
+            <a:ext cx="8679900" cy="2005834"/>
+          </a:xfrm>
+          <a:prstGeom prst="rect">
+            <a:avLst/>
+          </a:prstGeom>
+          <a:ln w="12700">
+            <a:miter lim="400000"/>
+          </a:ln>
+          <a:extLst>
+            <a:ext uri="{C572A759-6A51-4108-AA02-DFA0A04FC94B}">
+              <ma14:wrappingTextBoxFlag xmlns:ma14="http://schemas.microsoft.com/office/mac/drawingml/2011/main" val="1"/>
+            </a:ext>
+          </a:extLst>
+        </p:spPr>
+        <p:txBody>
+          <a:bodyPr lIns="91424" tIns="91424" rIns="91424" bIns="91424">
+            <a:spAutoFit/>
+          </a:bodyPr>
+          <a:lstStyle/>
+          <a:p>
+            <a:pPr marL="457200" indent="-228600">
+              <a:buSzPct val="100000"/>
+              <a:buChar char="■"/>
+            </a:pPr>
+            <a:r>
+              <a:t>1</a:t>
+            </a:r>
+          </a:p>
+          <a:p>
+            <a:pPr/>
+          </a:p>
+          <a:p>
+            <a:pPr/>
+          </a:p>
+          <a:p>
+            <a:pPr/>
+          </a:p>
+          <a:p>
+            <a:pPr/>
+          </a:p>
+          <a:p>
+            <a:pPr/>
+          </a:p>
+          <a:p>
+            <a:pPr/>
+          </a:p>
+          <a:p>
+            <a:pPr/>
+          </a:p>
+          <a:p>
+            <a:pPr marL="457200" indent="-228600">
+              <a:buSzPct val="100000"/>
+              <a:buChar char="■"/>
+            </a:pPr>
+            <a:r>
+              <a:t>2</a:t>
+            </a:r>
+          </a:p>
+        </p:txBody>
+      </p:sp>
+      <p:pic>
+        <p:nvPicPr>
+          <p:cNvPr id="313" name="pipe_53.png" descr="pipe_53.png"/>
+          <p:cNvPicPr>
+            <a:picLocks noChangeAspect="1"/>
+          </p:cNvPicPr>
+          <p:nvPr/>
+        </p:nvPicPr>
+        <p:blipFill>
+          <a:blip r:embed="rId5">
+            <a:extLst/>
+          </a:blip>
+          <a:stretch>
+            <a:fillRect/>
+          </a:stretch>
+        </p:blipFill>
+        <p:spPr>
+          <a:xfrm>
+            <a:off x="521074" y="5364600"/>
+            <a:ext cx="8101850" cy="727400"/>
           </a:xfrm>
           <a:prstGeom prst="rect">
             <a:avLst/>
@@ -8886,14 +8533,14 @@
       </p:grpSpPr>
       <p:sp>
         <p:nvSpPr>
-          <p:cNvPr id="315" name="Shape 345"/>
+          <p:cNvPr id="315" name="ATTRIBUTE DIRECTIVES NGCLASS"/>
           <p:cNvSpPr txBox="1"/>
           <p:nvPr/>
         </p:nvSpPr>
         <p:spPr>
           <a:xfrm>
             <a:off x="308174" y="1015800"/>
-            <a:ext cx="8605202" cy="538447"/>
+            <a:ext cx="8605202" cy="538451"/>
           </a:xfrm>
           <a:prstGeom prst="rect">
             <a:avLst/>
@@ -8908,7 +8555,7 @@
           </a:extLst>
         </p:spPr>
         <p:txBody>
-          <a:bodyPr lIns="91422" tIns="91422" rIns="91422" bIns="91422">
+          <a:bodyPr lIns="91424" tIns="91424" rIns="91424" bIns="91424">
             <a:spAutoFit/>
           </a:bodyPr>
           <a:lstStyle>
@@ -8924,14 +8571,14 @@
           <a:p>
             <a:pPr/>
             <a:r>
-              <a:t>ATTRIBUTE DIRECTIVES NGNONBINDABLE</a:t>
+              <a:t>ATTRIBUTE DIRECTIVES NGCLASS</a:t>
             </a:r>
           </a:p>
         </p:txBody>
       </p:sp>
       <p:pic>
         <p:nvPicPr>
-          <p:cNvPr id="316" name="image47.png" descr="image47.png"/>
+          <p:cNvPr id="316" name="pipe_54.png" descr="pipe_54.png"/>
           <p:cNvPicPr>
             <a:picLocks noChangeAspect="1"/>
           </p:cNvPicPr>
@@ -8947,8 +8594,8 @@
         </p:blipFill>
         <p:spPr>
           <a:xfrm>
-            <a:off x="308175" y="2703397"/>
-            <a:ext cx="8286751" cy="1485904"/>
+            <a:off x="308175" y="2633864"/>
+            <a:ext cx="8523849" cy="2566320"/>
           </a:xfrm>
           <a:prstGeom prst="rect">
             <a:avLst/>
@@ -8960,7 +8607,7 @@
       </p:pic>
       <p:pic>
         <p:nvPicPr>
-          <p:cNvPr id="317" name="image48.png" descr="image48.png"/>
+          <p:cNvPr id="317" name="pipe_55.png" descr="pipe_55.png"/>
           <p:cNvPicPr>
             <a:picLocks noChangeAspect="1"/>
           </p:cNvPicPr>
@@ -8976,8 +8623,8 @@
         </p:blipFill>
         <p:spPr>
           <a:xfrm>
-            <a:off x="308162" y="4404736"/>
-            <a:ext cx="6048377" cy="485778"/>
+            <a:off x="308175" y="5313562"/>
+            <a:ext cx="7010401" cy="180976"/>
           </a:xfrm>
           <a:prstGeom prst="rect">
             <a:avLst/>
@@ -9015,14 +8662,14 @@
       </p:grpSpPr>
       <p:sp>
         <p:nvSpPr>
-          <p:cNvPr id="181" name="Shape 185"/>
+          <p:cNvPr id="181" name="WHAT ARE PIPES ON ANGULAR"/>
           <p:cNvSpPr txBox="1"/>
           <p:nvPr/>
         </p:nvSpPr>
         <p:spPr>
           <a:xfrm>
             <a:off x="536775" y="1015800"/>
-            <a:ext cx="7328700" cy="538447"/>
+            <a:ext cx="7328700" cy="538451"/>
           </a:xfrm>
           <a:prstGeom prst="rect">
             <a:avLst/>
@@ -9037,7 +8684,7 @@
           </a:extLst>
         </p:spPr>
         <p:txBody>
-          <a:bodyPr lIns="91422" tIns="91422" rIns="91422" bIns="91422">
+          <a:bodyPr lIns="91424" tIns="91424" rIns="91424" bIns="91424">
             <a:spAutoFit/>
           </a:bodyPr>
           <a:lstStyle>
@@ -9060,14 +8707,14 @@
       </p:sp>
       <p:sp>
         <p:nvSpPr>
-          <p:cNvPr id="182" name="Shape 186"/>
+          <p:cNvPr id="182" name="Pipes allow us to change data inside of a template"/>
           <p:cNvSpPr txBox="1"/>
           <p:nvPr/>
         </p:nvSpPr>
         <p:spPr>
           <a:xfrm>
             <a:off x="549900" y="1784499"/>
-            <a:ext cx="8044199" cy="442068"/>
+            <a:ext cx="8044200" cy="442073"/>
           </a:xfrm>
           <a:prstGeom prst="rect">
             <a:avLst/>
@@ -9082,7 +8729,7 @@
           </a:extLst>
         </p:spPr>
         <p:txBody>
-          <a:bodyPr lIns="91422" tIns="91422" rIns="91422" bIns="91422">
+          <a:bodyPr lIns="91424" tIns="91424" rIns="91424" bIns="91424">
             <a:spAutoFit/>
           </a:bodyPr>
           <a:lstStyle>
@@ -9092,12 +8739,7 @@
               </a:spcBef>
               <a:buSzPct val="100000"/>
               <a:buChar char="■"/>
-              <a:defRPr sz="1800">
-                <a:latin typeface="Arial"/>
-                <a:ea typeface="Arial"/>
-                <a:cs typeface="Arial"/>
-                <a:sym typeface="Arial"/>
-              </a:defRPr>
+              <a:defRPr sz="1800"/>
             </a:lvl1pPr>
           </a:lstStyle>
           <a:p>
@@ -9110,7 +8752,7 @@
       </p:sp>
       <p:pic>
         <p:nvPicPr>
-          <p:cNvPr id="183" name="image4.png" descr="image4.png"/>
+          <p:cNvPr id="183" name="pipe_03_reworked.png" descr="pipe_03_reworked.png"/>
           <p:cNvPicPr>
             <a:picLocks noChangeAspect="1"/>
           </p:cNvPicPr>
@@ -9165,14 +8807,14 @@
       </p:grpSpPr>
       <p:sp>
         <p:nvSpPr>
-          <p:cNvPr id="319" name="Shape 350"/>
+          <p:cNvPr id="319" name="ATTRIBUTE DIRECTIVES NGNONBINDABLE"/>
           <p:cNvSpPr txBox="1"/>
           <p:nvPr/>
         </p:nvSpPr>
         <p:spPr>
           <a:xfrm>
             <a:off x="308174" y="1015800"/>
-            <a:ext cx="8605202" cy="538447"/>
+            <a:ext cx="8605202" cy="538451"/>
           </a:xfrm>
           <a:prstGeom prst="rect">
             <a:avLst/>
@@ -9187,7 +8829,7 @@
           </a:extLst>
         </p:spPr>
         <p:txBody>
-          <a:bodyPr lIns="91422" tIns="91422" rIns="91422" bIns="91422">
+          <a:bodyPr lIns="91424" tIns="91424" rIns="91424" bIns="91424">
             <a:spAutoFit/>
           </a:bodyPr>
           <a:lstStyle>
@@ -9203,14 +8845,14 @@
           <a:p>
             <a:pPr/>
             <a:r>
-              <a:t>CUSTOM DIRECTIVES</a:t>
+              <a:t>ATTRIBUTE DIRECTIVES NGNONBINDABLE</a:t>
             </a:r>
           </a:p>
         </p:txBody>
       </p:sp>
       <p:pic>
         <p:nvPicPr>
-          <p:cNvPr id="320" name="image4.jpeg" descr="image4.jpeg"/>
+          <p:cNvPr id="320" name="pipe_56.png" descr="pipe_56.png"/>
           <p:cNvPicPr>
             <a:picLocks noChangeAspect="1"/>
           </p:cNvPicPr>
@@ -9226,8 +8868,37 @@
         </p:blipFill>
         <p:spPr>
           <a:xfrm>
-            <a:off x="2505474" y="2059200"/>
-            <a:ext cx="4210600" cy="3697950"/>
+            <a:off x="308175" y="2703399"/>
+            <a:ext cx="8286751" cy="1485901"/>
+          </a:xfrm>
+          <a:prstGeom prst="rect">
+            <a:avLst/>
+          </a:prstGeom>
+          <a:ln w="12700">
+            <a:miter lim="400000"/>
+          </a:ln>
+        </p:spPr>
+      </p:pic>
+      <p:pic>
+        <p:nvPicPr>
+          <p:cNvPr id="321" name="pipe_57.png" descr="pipe_57.png"/>
+          <p:cNvPicPr>
+            <a:picLocks noChangeAspect="1"/>
+          </p:cNvPicPr>
+          <p:nvPr/>
+        </p:nvPicPr>
+        <p:blipFill>
+          <a:blip r:embed="rId3">
+            <a:extLst/>
+          </a:blip>
+          <a:stretch>
+            <a:fillRect/>
+          </a:stretch>
+        </p:blipFill>
+        <p:spPr>
+          <a:xfrm>
+            <a:off x="308162" y="4404736"/>
+            <a:ext cx="6048376" cy="485776"/>
           </a:xfrm>
           <a:prstGeom prst="rect">
             <a:avLst/>
@@ -9263,9 +8934,54 @@
           <a:chExt cx="0" cy="0"/>
         </a:xfrm>
       </p:grpSpPr>
+      <p:sp>
+        <p:nvSpPr>
+          <p:cNvPr id="323" name="CUSTOM DIRECTIVES"/>
+          <p:cNvSpPr txBox="1"/>
+          <p:nvPr/>
+        </p:nvSpPr>
+        <p:spPr>
+          <a:xfrm>
+            <a:off x="308174" y="1015800"/>
+            <a:ext cx="8605202" cy="538451"/>
+          </a:xfrm>
+          <a:prstGeom prst="rect">
+            <a:avLst/>
+          </a:prstGeom>
+          <a:ln w="12700">
+            <a:miter lim="400000"/>
+          </a:ln>
+          <a:extLst>
+            <a:ext uri="{C572A759-6A51-4108-AA02-DFA0A04FC94B}">
+              <ma14:wrappingTextBoxFlag xmlns:ma14="http://schemas.microsoft.com/office/mac/drawingml/2011/main" val="1"/>
+            </a:ext>
+          </a:extLst>
+        </p:spPr>
+        <p:txBody>
+          <a:bodyPr lIns="91424" tIns="91424" rIns="91424" bIns="91424">
+            <a:spAutoFit/>
+          </a:bodyPr>
+          <a:lstStyle>
+            <a:lvl1pPr>
+              <a:defRPr sz="2400">
+                <a:latin typeface="American Typewriter"/>
+                <a:ea typeface="American Typewriter"/>
+                <a:cs typeface="American Typewriter"/>
+                <a:sym typeface="American Typewriter"/>
+              </a:defRPr>
+            </a:lvl1pPr>
+          </a:lstStyle>
+          <a:p>
+            <a:pPr/>
+            <a:r>
+              <a:t>CUSTOM DIRECTIVES</a:t>
+            </a:r>
+          </a:p>
+        </p:txBody>
+      </p:sp>
       <p:pic>
         <p:nvPicPr>
-          <p:cNvPr id="322" name="image2.png" descr="image2.png"/>
+          <p:cNvPr id="324" name="templates_02.jpg" descr="templates_02.jpg"/>
           <p:cNvPicPr>
             <a:picLocks noChangeAspect="1"/>
           </p:cNvPicPr>
@@ -9281,189 +8997,8 @@
         </p:blipFill>
         <p:spPr>
           <a:xfrm>
-            <a:off x="-3" y="-1982"/>
-            <a:ext cx="9144004" cy="6861965"/>
-          </a:xfrm>
-          <a:prstGeom prst="rect">
-            <a:avLst/>
-          </a:prstGeom>
-          <a:ln w="12700">
-            <a:miter lim="400000"/>
-          </a:ln>
-        </p:spPr>
-      </p:pic>
-      <p:sp>
-        <p:nvSpPr>
-          <p:cNvPr id="323" name="Shape 354"/>
-          <p:cNvSpPr txBox="1"/>
-          <p:nvPr/>
-        </p:nvSpPr>
-        <p:spPr>
-          <a:xfrm>
-            <a:off x="89799" y="1168100"/>
-            <a:ext cx="8142635" cy="2506947"/>
-          </a:xfrm>
-          <a:prstGeom prst="rect">
-            <a:avLst/>
-          </a:prstGeom>
-          <a:ln w="12700">
-            <a:miter lim="400000"/>
-          </a:ln>
-          <a:extLst>
-            <a:ext uri="{C572A759-6A51-4108-AA02-DFA0A04FC94B}">
-              <ma14:wrappingTextBoxFlag xmlns:ma14="http://schemas.microsoft.com/office/mac/drawingml/2011/main" val="1"/>
-            </a:ext>
-          </a:extLst>
-        </p:spPr>
-        <p:txBody>
-          <a:bodyPr lIns="91422" tIns="91422" rIns="91422" bIns="91422">
-            <a:spAutoFit/>
-          </a:bodyPr>
-          <a:lstStyle/>
-          <a:p>
-            <a:pPr>
-              <a:defRPr sz="2400">
-                <a:latin typeface="American Typewriter"/>
-                <a:ea typeface="American Typewriter"/>
-                <a:cs typeface="American Typewriter"/>
-                <a:sym typeface="American Typewriter"/>
-              </a:defRPr>
-            </a:pPr>
-            <a:r>
-              <a:t>Destructing</a:t>
-            </a:r>
-          </a:p>
-          <a:p>
-            <a:pPr>
-              <a:defRPr sz="2400">
-                <a:latin typeface="Bree Serif"/>
-                <a:ea typeface="Bree Serif"/>
-                <a:cs typeface="Bree Serif"/>
-                <a:sym typeface="Bree Serif"/>
-              </a:defRPr>
-            </a:pPr>
-          </a:p>
-          <a:p>
-            <a:pPr lvl="1" marL="985519" indent="-426719">
-              <a:buSzPct val="100000"/>
-              <a:buFont typeface="Helvetica"/>
-              <a:buChar char="○"/>
-              <a:defRPr sz="2400">
-                <a:latin typeface="Bree Serif"/>
-                <a:ea typeface="Bree Serif"/>
-                <a:cs typeface="Bree Serif"/>
-                <a:sym typeface="Bree Serif"/>
-              </a:defRPr>
-            </a:pPr>
-            <a:r>
-              <a:t>TypeScript Supports following type of destructing:</a:t>
-            </a:r>
-            <a:endParaRPr sz="2000"/>
-          </a:p>
-          <a:p>
-            <a:pPr lvl="1" marL="1341119" indent="-426719">
-              <a:spcBef>
-                <a:spcPts val="1000"/>
-              </a:spcBef>
-              <a:buSzPct val="100000"/>
-              <a:buFont typeface="Helvetica"/>
-              <a:buChar char="✦"/>
-              <a:defRPr sz="2400">
-                <a:latin typeface="Bree Serif"/>
-                <a:ea typeface="Bree Serif"/>
-                <a:cs typeface="Bree Serif"/>
-                <a:sym typeface="Bree Serif"/>
-              </a:defRPr>
-            </a:pPr>
-            <a:r>
-              <a:t>Object destructing</a:t>
-            </a:r>
-            <a:endParaRPr sz="2000"/>
-          </a:p>
-          <a:p>
-            <a:pPr lvl="1" marL="1341119" indent="-426719">
-              <a:buSzPct val="100000"/>
-              <a:buFont typeface="Helvetica"/>
-              <a:buChar char="✦"/>
-              <a:defRPr sz="2400">
-                <a:latin typeface="Bree Serif"/>
-                <a:ea typeface="Bree Serif"/>
-                <a:cs typeface="Bree Serif"/>
-                <a:sym typeface="Bree Serif"/>
-              </a:defRPr>
-            </a:pPr>
-            <a:r>
-              <a:t>Array destructing</a:t>
-            </a:r>
-            <a:endParaRPr sz="2000"/>
-          </a:p>
-          <a:p>
-            <a:pPr lvl="1" marL="1341119" indent="-426719">
-              <a:buSzPct val="100000"/>
-              <a:buFont typeface="Helvetica"/>
-              <a:buChar char="✦"/>
-              <a:defRPr sz="2400">
-                <a:latin typeface="Bree Serif"/>
-                <a:ea typeface="Bree Serif"/>
-                <a:cs typeface="Bree Serif"/>
-                <a:sym typeface="Bree Serif"/>
-              </a:defRPr>
-            </a:pPr>
-            <a:r>
-              <a:t>Module destructing</a:t>
-            </a:r>
-          </a:p>
-        </p:txBody>
-      </p:sp>
-      <p:pic>
-        <p:nvPicPr>
-          <p:cNvPr id="324" name="image1.tif" descr="image1.tif"/>
-          <p:cNvPicPr>
-            <a:picLocks noChangeAspect="1"/>
-          </p:cNvPicPr>
-          <p:nvPr/>
-        </p:nvPicPr>
-        <p:blipFill>
-          <a:blip r:embed="rId3">
-            <a:extLst/>
-          </a:blip>
-          <a:stretch>
-            <a:fillRect/>
-          </a:stretch>
-        </p:blipFill>
-        <p:spPr>
-          <a:xfrm>
-            <a:off x="860331" y="3832083"/>
-            <a:ext cx="7423340" cy="2397920"/>
-          </a:xfrm>
-          <a:prstGeom prst="rect">
-            <a:avLst/>
-          </a:prstGeom>
-          <a:ln w="12700">
-            <a:miter lim="400000"/>
-          </a:ln>
-        </p:spPr>
-      </p:pic>
-      <p:pic>
-        <p:nvPicPr>
-          <p:cNvPr id="325" name="image5.jpeg" descr="image5.jpeg"/>
-          <p:cNvPicPr>
-            <a:picLocks noChangeAspect="1"/>
-          </p:cNvPicPr>
-          <p:nvPr/>
-        </p:nvPicPr>
-        <p:blipFill>
-          <a:blip r:embed="rId4">
-            <a:extLst/>
-          </a:blip>
-          <a:stretch>
-            <a:fillRect/>
-          </a:stretch>
-        </p:blipFill>
-        <p:spPr>
-          <a:xfrm>
-            <a:off x="-20054" y="-152505"/>
-            <a:ext cx="9184108" cy="7163011"/>
+            <a:off x="2505474" y="2059200"/>
+            <a:ext cx="4210600" cy="3697950"/>
           </a:xfrm>
           <a:prstGeom prst="rect">
             <a:avLst/>
@@ -9499,9 +9034,245 @@
           <a:chExt cx="0" cy="0"/>
         </a:xfrm>
       </p:grpSpPr>
+      <p:pic>
+        <p:nvPicPr>
+          <p:cNvPr id="326" name="image2.png" descr="image2.png"/>
+          <p:cNvPicPr>
+            <a:picLocks noChangeAspect="1"/>
+          </p:cNvPicPr>
+          <p:nvPr/>
+        </p:nvPicPr>
+        <p:blipFill>
+          <a:blip r:embed="rId2">
+            <a:extLst/>
+          </a:blip>
+          <a:stretch>
+            <a:fillRect/>
+          </a:stretch>
+        </p:blipFill>
+        <p:spPr>
+          <a:xfrm>
+            <a:off x="-2" y="-1982"/>
+            <a:ext cx="9144002" cy="6861963"/>
+          </a:xfrm>
+          <a:prstGeom prst="rect">
+            <a:avLst/>
+          </a:prstGeom>
+          <a:ln w="12700">
+            <a:miter lim="400000"/>
+          </a:ln>
+        </p:spPr>
+      </p:pic>
       <p:sp>
         <p:nvSpPr>
-          <p:cNvPr id="327" name="Shape 358"/>
+          <p:cNvPr id="327" name="Destructing…"/>
+          <p:cNvSpPr txBox="1"/>
+          <p:nvPr/>
+        </p:nvSpPr>
+        <p:spPr>
+          <a:xfrm>
+            <a:off x="89799" y="1168100"/>
+            <a:ext cx="8142635" cy="2506949"/>
+          </a:xfrm>
+          <a:prstGeom prst="rect">
+            <a:avLst/>
+          </a:prstGeom>
+          <a:ln w="12700">
+            <a:miter lim="400000"/>
+          </a:ln>
+          <a:extLst>
+            <a:ext uri="{C572A759-6A51-4108-AA02-DFA0A04FC94B}">
+              <ma14:wrappingTextBoxFlag xmlns:ma14="http://schemas.microsoft.com/office/mac/drawingml/2011/main" val="1"/>
+            </a:ext>
+          </a:extLst>
+        </p:spPr>
+        <p:txBody>
+          <a:bodyPr lIns="91423" tIns="91423" rIns="91423" bIns="91423">
+            <a:spAutoFit/>
+          </a:bodyPr>
+          <a:lstStyle/>
+          <a:p>
+            <a:pPr>
+              <a:defRPr sz="2400">
+                <a:latin typeface="American Typewriter"/>
+                <a:ea typeface="American Typewriter"/>
+                <a:cs typeface="American Typewriter"/>
+                <a:sym typeface="American Typewriter"/>
+              </a:defRPr>
+            </a:pPr>
+            <a:r>
+              <a:t>Destructing</a:t>
+            </a:r>
+          </a:p>
+          <a:p>
+            <a:pPr>
+              <a:defRPr sz="2400">
+                <a:latin typeface="Bree Serif"/>
+                <a:ea typeface="Bree Serif"/>
+                <a:cs typeface="Bree Serif"/>
+                <a:sym typeface="Bree Serif"/>
+              </a:defRPr>
+            </a:pPr>
+          </a:p>
+          <a:p>
+            <a:pPr lvl="1" marL="985519" indent="-426719">
+              <a:buSzPct val="100000"/>
+              <a:buFont typeface="Helvetica"/>
+              <a:buChar char="○"/>
+              <a:defRPr sz="2400">
+                <a:latin typeface="Bree Serif"/>
+                <a:ea typeface="Bree Serif"/>
+                <a:cs typeface="Bree Serif"/>
+                <a:sym typeface="Bree Serif"/>
+              </a:defRPr>
+            </a:pPr>
+            <a:r>
+              <a:t>TypeScript Supports following type of destructing:</a:t>
+            </a:r>
+            <a:endParaRPr sz="2000"/>
+          </a:p>
+          <a:p>
+            <a:pPr lvl="1" marL="1341119" indent="-426719">
+              <a:spcBef>
+                <a:spcPts val="1000"/>
+              </a:spcBef>
+              <a:buSzPct val="100000"/>
+              <a:buFont typeface="Helvetica"/>
+              <a:buChar char="✦"/>
+              <a:defRPr sz="2400">
+                <a:latin typeface="Bree Serif"/>
+                <a:ea typeface="Bree Serif"/>
+                <a:cs typeface="Bree Serif"/>
+                <a:sym typeface="Bree Serif"/>
+              </a:defRPr>
+            </a:pPr>
+            <a:r>
+              <a:t>Object destructing</a:t>
+            </a:r>
+            <a:endParaRPr sz="2000"/>
+          </a:p>
+          <a:p>
+            <a:pPr lvl="1" marL="1341119" indent="-426719">
+              <a:buSzPct val="100000"/>
+              <a:buFont typeface="Helvetica"/>
+              <a:buChar char="✦"/>
+              <a:defRPr sz="2400">
+                <a:latin typeface="Bree Serif"/>
+                <a:ea typeface="Bree Serif"/>
+                <a:cs typeface="Bree Serif"/>
+                <a:sym typeface="Bree Serif"/>
+              </a:defRPr>
+            </a:pPr>
+            <a:r>
+              <a:t>Array destructing</a:t>
+            </a:r>
+            <a:endParaRPr sz="2000"/>
+          </a:p>
+          <a:p>
+            <a:pPr lvl="1" marL="1341119" indent="-426719">
+              <a:buSzPct val="100000"/>
+              <a:buFont typeface="Helvetica"/>
+              <a:buChar char="✦"/>
+              <a:defRPr sz="2400">
+                <a:latin typeface="Bree Serif"/>
+                <a:ea typeface="Bree Serif"/>
+                <a:cs typeface="Bree Serif"/>
+                <a:sym typeface="Bree Serif"/>
+              </a:defRPr>
+            </a:pPr>
+            <a:r>
+              <a:t>Module destructing</a:t>
+            </a:r>
+          </a:p>
+        </p:txBody>
+      </p:sp>
+      <p:pic>
+        <p:nvPicPr>
+          <p:cNvPr id="328" name="image21.tif" descr="image21.tif"/>
+          <p:cNvPicPr>
+            <a:picLocks noChangeAspect="1"/>
+          </p:cNvPicPr>
+          <p:nvPr/>
+        </p:nvPicPr>
+        <p:blipFill>
+          <a:blip r:embed="rId3">
+            <a:extLst/>
+          </a:blip>
+          <a:stretch>
+            <a:fillRect/>
+          </a:stretch>
+        </p:blipFill>
+        <p:spPr>
+          <a:xfrm>
+            <a:off x="860331" y="3832083"/>
+            <a:ext cx="7423339" cy="2397918"/>
+          </a:xfrm>
+          <a:prstGeom prst="rect">
+            <a:avLst/>
+          </a:prstGeom>
+          <a:ln w="12700">
+            <a:miter lim="400000"/>
+          </a:ln>
+        </p:spPr>
+      </p:pic>
+      <p:pic>
+        <p:nvPicPr>
+          <p:cNvPr id="329" name="image22.jpeg" descr="image22.jpeg"/>
+          <p:cNvPicPr>
+            <a:picLocks noChangeAspect="1"/>
+          </p:cNvPicPr>
+          <p:nvPr/>
+        </p:nvPicPr>
+        <p:blipFill>
+          <a:blip r:embed="rId4">
+            <a:extLst/>
+          </a:blip>
+          <a:stretch>
+            <a:fillRect/>
+          </a:stretch>
+        </p:blipFill>
+        <p:spPr>
+          <a:xfrm>
+            <a:off x="-20054" y="-152505"/>
+            <a:ext cx="9184108" cy="7163011"/>
+          </a:xfrm>
+          <a:prstGeom prst="rect">
+            <a:avLst/>
+          </a:prstGeom>
+          <a:ln w="12700">
+            <a:miter lim="400000"/>
+          </a:ln>
+        </p:spPr>
+      </p:pic>
+    </p:spTree>
+  </p:cSld>
+  <p:clrMapOvr>
+    <a:masterClrMapping/>
+  </p:clrMapOvr>
+  <p:transition xmlns:p14="http://schemas.microsoft.com/office/powerpoint/2010/main" spd="med" advClick="1"/>
+</p:sld>
+</file>
+
+<file path=ppt/slides/slide33.xml><?xml version="1.0" encoding="utf-8"?>
+<p:sld xmlns:a="http://schemas.openxmlformats.org/drawingml/2006/main" xmlns:r="http://schemas.openxmlformats.org/officeDocument/2006/relationships" xmlns:p="http://schemas.openxmlformats.org/presentationml/2006/main" xmlns:m="http://schemas.openxmlformats.org/officeDocument/2006/math" xmlns:a14="http://schemas.microsoft.com/office/drawing/2010/main" showMasterSp="1" showMasterPhAnim="1">
+  <p:cSld>
+    <p:spTree>
+      <p:nvGrpSpPr>
+        <p:cNvPr id="1" name=""/>
+        <p:cNvGrpSpPr/>
+        <p:nvPr/>
+      </p:nvGrpSpPr>
+      <p:grpSpPr>
+        <a:xfrm>
+          <a:off x="0" y="0"/>
+          <a:ext cx="0" cy="0"/>
+          <a:chOff x="0" y="0"/>
+          <a:chExt cx="0" cy="0"/>
+        </a:xfrm>
+      </p:grpSpPr>
+      <p:sp>
+        <p:nvSpPr>
+          <p:cNvPr id="331" name="Заголовок"/>
           <p:cNvSpPr txBox="1"/>
           <p:nvPr>
             <p:ph type="title"/>
@@ -9525,14 +9296,14 @@
       </p:sp>
       <p:sp>
         <p:nvSpPr>
-          <p:cNvPr id="328" name="Shape 361"/>
+          <p:cNvPr id="332" name="Thank you for your attention"/>
           <p:cNvSpPr txBox="1"/>
           <p:nvPr/>
         </p:nvSpPr>
         <p:spPr>
           <a:xfrm>
             <a:off x="1742600" y="2594548"/>
-            <a:ext cx="5682601" cy="2011643"/>
+            <a:ext cx="5682601" cy="2011647"/>
           </a:xfrm>
           <a:prstGeom prst="rect">
             <a:avLst/>
@@ -9547,14 +9318,14 @@
           </a:extLst>
         </p:spPr>
         <p:txBody>
-          <a:bodyPr lIns="91421" tIns="91421" rIns="91421" bIns="91421">
+          <a:bodyPr lIns="91422" tIns="91422" rIns="91422" bIns="91422">
             <a:spAutoFit/>
           </a:bodyPr>
           <a:lstStyle>
             <a:lvl1pPr algn="ctr">
               <a:defRPr b="1" sz="6000">
                 <a:solidFill>
-                  <a:srgbClr val="0A0A0A"/>
+                  <a:srgbClr val="060606"/>
                 </a:solidFill>
                 <a:latin typeface="Bree Serif"/>
                 <a:ea typeface="Bree Serif"/>
@@ -9599,14 +9370,14 @@
       </p:grpSpPr>
       <p:sp>
         <p:nvSpPr>
-          <p:cNvPr id="185" name="Shape 190"/>
+          <p:cNvPr id="185" name="USING PIPES"/>
           <p:cNvSpPr txBox="1"/>
           <p:nvPr/>
         </p:nvSpPr>
         <p:spPr>
           <a:xfrm>
             <a:off x="536775" y="1015800"/>
-            <a:ext cx="7328700" cy="538447"/>
+            <a:ext cx="7328700" cy="538451"/>
           </a:xfrm>
           <a:prstGeom prst="rect">
             <a:avLst/>
@@ -9621,7 +9392,7 @@
           </a:extLst>
         </p:spPr>
         <p:txBody>
-          <a:bodyPr lIns="91422" tIns="91422" rIns="91422" bIns="91422">
+          <a:bodyPr lIns="91424" tIns="91424" rIns="91424" bIns="91424">
             <a:spAutoFit/>
           </a:bodyPr>
           <a:lstStyle>
@@ -9644,7 +9415,7 @@
       </p:sp>
       <p:pic>
         <p:nvPicPr>
-          <p:cNvPr id="186" name="image5.png" descr="image5.png"/>
+          <p:cNvPr id="186" name="pipe_06.png" descr="pipe_06.png"/>
           <p:cNvPicPr>
             <a:picLocks noChangeAspect="1"/>
           </p:cNvPicPr>
@@ -9661,7 +9432,7 @@
         <p:spPr>
           <a:xfrm>
             <a:off x="751587" y="2554375"/>
-            <a:ext cx="6334127" cy="590553"/>
+            <a:ext cx="6334126" cy="590551"/>
           </a:xfrm>
           <a:prstGeom prst="rect">
             <a:avLst/>
@@ -9673,14 +9444,14 @@
       </p:pic>
       <p:sp>
         <p:nvSpPr>
-          <p:cNvPr id="187" name="Shape 192"/>
+          <p:cNvPr id="187" name="Фигура"/>
           <p:cNvSpPr/>
           <p:nvPr/>
         </p:nvSpPr>
         <p:spPr>
           <a:xfrm>
-            <a:off x="3245223" y="4395499"/>
-            <a:ext cx="1041004" cy="184803"/>
+            <a:off x="3245224" y="4395499"/>
+            <a:ext cx="1041002" cy="184801"/>
           </a:xfrm>
           <a:custGeom>
             <a:avLst/>
@@ -9770,23 +9541,16 @@
           </a:ln>
         </p:spPr>
         <p:txBody>
-          <a:bodyPr lIns="45718" tIns="45718" rIns="45718" bIns="45718" anchor="ctr"/>
+          <a:bodyPr lIns="45719" rIns="45719" anchor="ctr"/>
           <a:lstStyle/>
           <a:p>
-            <a:pPr>
-              <a:defRPr>
-                <a:latin typeface="Arial"/>
-                <a:ea typeface="Arial"/>
-                <a:cs typeface="Arial"/>
-                <a:sym typeface="Arial"/>
-              </a:defRPr>
-            </a:pPr>
+            <a:pPr/>
           </a:p>
         </p:txBody>
       </p:sp>
       <p:pic>
         <p:nvPicPr>
-          <p:cNvPr id="188" name="image6.png" descr="image6.png"/>
+          <p:cNvPr id="188" name="ng4_01.png" descr="ng4_01.png"/>
           <p:cNvPicPr>
             <a:picLocks noChangeAspect="1"/>
           </p:cNvPicPr>
@@ -9803,7 +9567,7 @@
         <p:spPr>
           <a:xfrm>
             <a:off x="750087" y="3668324"/>
-            <a:ext cx="5381627" cy="1028703"/>
+            <a:ext cx="5381626" cy="1028701"/>
           </a:xfrm>
           <a:prstGeom prst="rect">
             <a:avLst/>
@@ -9815,14 +9579,14 @@
       </p:pic>
       <p:sp>
         <p:nvSpPr>
-          <p:cNvPr id="189" name="Shape 194"/>
+          <p:cNvPr id="189" name="Angular4"/>
           <p:cNvSpPr txBox="1"/>
           <p:nvPr/>
         </p:nvSpPr>
         <p:spPr>
           <a:xfrm>
-            <a:off x="2096623" y="3696825"/>
-            <a:ext cx="907801" cy="355661"/>
+            <a:off x="2096624" y="3696825"/>
+            <a:ext cx="907801" cy="355665"/>
           </a:xfrm>
           <a:prstGeom prst="rect">
             <a:avLst/>
@@ -9837,7 +9601,7 @@
           </a:extLst>
         </p:spPr>
         <p:txBody>
-          <a:bodyPr lIns="91422" tIns="91422" rIns="91422" bIns="91422">
+          <a:bodyPr lIns="91424" tIns="91424" rIns="91424" bIns="91424">
             <a:spAutoFit/>
           </a:bodyPr>
           <a:lstStyle>
@@ -9846,10 +9610,6 @@
                 <a:solidFill>
                   <a:srgbClr val="D9D9D9"/>
                 </a:solidFill>
-                <a:latin typeface="Arial"/>
-                <a:ea typeface="Arial"/>
-                <a:cs typeface="Arial"/>
-                <a:sym typeface="Arial"/>
               </a:defRPr>
             </a:lvl1pPr>
           </a:lstStyle>
@@ -9863,14 +9623,14 @@
       </p:sp>
       <p:sp>
         <p:nvSpPr>
-          <p:cNvPr id="190" name="Shape 195"/>
+          <p:cNvPr id="190" name="ular4"/>
           <p:cNvSpPr txBox="1"/>
           <p:nvPr/>
         </p:nvSpPr>
         <p:spPr>
           <a:xfrm>
             <a:off x="3544425" y="3696825"/>
-            <a:ext cx="907802" cy="355661"/>
+            <a:ext cx="907801" cy="355665"/>
           </a:xfrm>
           <a:prstGeom prst="rect">
             <a:avLst/>
@@ -9885,7 +9645,7 @@
           </a:extLst>
         </p:spPr>
         <p:txBody>
-          <a:bodyPr lIns="91422" tIns="91422" rIns="91422" bIns="91422">
+          <a:bodyPr lIns="91424" tIns="91424" rIns="91424" bIns="91424">
             <a:spAutoFit/>
           </a:bodyPr>
           <a:lstStyle>
@@ -9894,10 +9654,6 @@
                 <a:solidFill>
                   <a:srgbClr val="D9D9D9"/>
                 </a:solidFill>
-                <a:latin typeface="Arial"/>
-                <a:ea typeface="Arial"/>
-                <a:cs typeface="Arial"/>
-                <a:sym typeface="Arial"/>
               </a:defRPr>
             </a:lvl1pPr>
           </a:lstStyle>
@@ -9911,14 +9667,14 @@
       </p:sp>
       <p:sp>
         <p:nvSpPr>
-          <p:cNvPr id="191" name="Shape 196"/>
+          <p:cNvPr id="191" name="ULAR4"/>
           <p:cNvSpPr txBox="1"/>
           <p:nvPr/>
         </p:nvSpPr>
         <p:spPr>
           <a:xfrm>
             <a:off x="4611225" y="3696825"/>
-            <a:ext cx="907802" cy="355661"/>
+            <a:ext cx="907801" cy="355665"/>
           </a:xfrm>
           <a:prstGeom prst="rect">
             <a:avLst/>
@@ -9933,7 +9689,7 @@
           </a:extLst>
         </p:spPr>
         <p:txBody>
-          <a:bodyPr lIns="91422" tIns="91422" rIns="91422" bIns="91422">
+          <a:bodyPr lIns="91424" tIns="91424" rIns="91424" bIns="91424">
             <a:spAutoFit/>
           </a:bodyPr>
           <a:lstStyle>
@@ -9942,10 +9698,6 @@
                 <a:solidFill>
                   <a:srgbClr val="D9D9D9"/>
                 </a:solidFill>
-                <a:latin typeface="Arial"/>
-                <a:ea typeface="Arial"/>
-                <a:cs typeface="Arial"/>
-                <a:sym typeface="Arial"/>
               </a:defRPr>
             </a:lvl1pPr>
           </a:lstStyle>
@@ -9959,14 +9711,14 @@
       </p:sp>
       <p:sp>
         <p:nvSpPr>
-          <p:cNvPr id="192" name="Shape 197"/>
+          <p:cNvPr id="192" name="Фигура"/>
           <p:cNvSpPr/>
           <p:nvPr/>
         </p:nvSpPr>
         <p:spPr>
           <a:xfrm>
-            <a:off x="1949823" y="4090699"/>
-            <a:ext cx="1101004" cy="184803"/>
+            <a:off x="1949824" y="4090699"/>
+            <a:ext cx="1101002" cy="184801"/>
           </a:xfrm>
           <a:custGeom>
             <a:avLst/>
@@ -10056,30 +9808,23 @@
           </a:ln>
         </p:spPr>
         <p:txBody>
-          <a:bodyPr lIns="45718" tIns="45718" rIns="45718" bIns="45718" anchor="ctr"/>
+          <a:bodyPr lIns="45719" rIns="45719" anchor="ctr"/>
           <a:lstStyle/>
           <a:p>
-            <a:pPr>
-              <a:defRPr>
-                <a:latin typeface="Arial"/>
-                <a:ea typeface="Arial"/>
-                <a:cs typeface="Arial"/>
-                <a:sym typeface="Arial"/>
-              </a:defRPr>
-            </a:pPr>
+            <a:pPr/>
           </a:p>
         </p:txBody>
       </p:sp>
       <p:sp>
         <p:nvSpPr>
-          <p:cNvPr id="193" name="Shape 198"/>
+          <p:cNvPr id="193" name="General syntax(template)…"/>
           <p:cNvSpPr txBox="1"/>
           <p:nvPr/>
         </p:nvSpPr>
         <p:spPr>
           <a:xfrm>
-            <a:off x="543300" y="2008507"/>
-            <a:ext cx="8057400" cy="1623169"/>
+            <a:off x="543300" y="1994977"/>
+            <a:ext cx="8057400" cy="1955034"/>
           </a:xfrm>
           <a:prstGeom prst="rect">
             <a:avLst/>
@@ -10094,7 +9839,7 @@
           </a:extLst>
         </p:spPr>
         <p:txBody>
-          <a:bodyPr lIns="91422" tIns="91422" rIns="91422" bIns="91422">
+          <a:bodyPr lIns="91424" tIns="91424" rIns="91424" bIns="91424">
             <a:spAutoFit/>
           </a:bodyPr>
           <a:lstStyle/>
@@ -10105,12 +9850,7 @@
               </a:spcBef>
               <a:buSzPct val="100000"/>
               <a:buChar char="■"/>
-              <a:defRPr sz="1800">
-                <a:latin typeface="Arial"/>
-                <a:ea typeface="Arial"/>
-                <a:cs typeface="Arial"/>
-                <a:sym typeface="Arial"/>
-              </a:defRPr>
+              <a:defRPr sz="1800"/>
             </a:pPr>
             <a:r>
               <a:t>General syntax(template)</a:t>
@@ -10121,26 +9861,16 @@
               <a:spcBef>
                 <a:spcPts val="1000"/>
               </a:spcBef>
-              <a:defRPr sz="1800">
-                <a:latin typeface="Arial"/>
-                <a:ea typeface="Arial"/>
-                <a:cs typeface="Arial"/>
-                <a:sym typeface="Arial"/>
-              </a:defRPr>
             </a:pPr>
+            <a:endParaRPr sz="1800"/>
           </a:p>
           <a:p>
             <a:pPr>
               <a:spcBef>
                 <a:spcPts val="1000"/>
               </a:spcBef>
-              <a:defRPr sz="1800">
-                <a:latin typeface="Arial"/>
-                <a:ea typeface="Arial"/>
-                <a:cs typeface="Arial"/>
-                <a:sym typeface="Arial"/>
-              </a:defRPr>
             </a:pPr>
+            <a:endParaRPr sz="1800"/>
           </a:p>
           <a:p>
             <a:pPr marL="457200" indent="-342900">
@@ -10149,12 +9879,7 @@
               </a:spcBef>
               <a:buSzPct val="100000"/>
               <a:buChar char="■"/>
-              <a:defRPr sz="1800">
-                <a:latin typeface="Arial"/>
-                <a:ea typeface="Arial"/>
-                <a:cs typeface="Arial"/>
-                <a:sym typeface="Arial"/>
-              </a:defRPr>
+              <a:defRPr sz="1800"/>
             </a:pPr>
             <a:r>
               <a:t>Chaining Pipes</a:t>
@@ -10164,14 +9889,14 @@
       </p:sp>
       <p:sp>
         <p:nvSpPr>
-          <p:cNvPr id="194" name="Shape 199"/>
+          <p:cNvPr id="194" name="Фигура"/>
           <p:cNvSpPr/>
           <p:nvPr/>
         </p:nvSpPr>
         <p:spPr>
           <a:xfrm>
-            <a:off x="3169023" y="4090699"/>
-            <a:ext cx="907803" cy="184803"/>
+            <a:off x="3169024" y="4090699"/>
+            <a:ext cx="907801" cy="184801"/>
           </a:xfrm>
           <a:custGeom>
             <a:avLst/>
@@ -10255,30 +9980,23 @@
           </a:ln>
         </p:spPr>
         <p:txBody>
-          <a:bodyPr lIns="45718" tIns="45718" rIns="45718" bIns="45718" anchor="ctr"/>
+          <a:bodyPr lIns="45719" rIns="45719" anchor="ctr"/>
           <a:lstStyle/>
           <a:p>
-            <a:pPr>
-              <a:defRPr>
-                <a:latin typeface="Arial"/>
-                <a:ea typeface="Arial"/>
-                <a:cs typeface="Arial"/>
-                <a:sym typeface="Arial"/>
-              </a:defRPr>
-            </a:pPr>
+            <a:pPr/>
           </a:p>
         </p:txBody>
       </p:sp>
       <p:sp>
         <p:nvSpPr>
-          <p:cNvPr id="195" name="Shape 200"/>
+          <p:cNvPr id="195" name="Фигура"/>
           <p:cNvSpPr/>
           <p:nvPr/>
         </p:nvSpPr>
         <p:spPr>
           <a:xfrm>
             <a:off x="4159625" y="4090699"/>
-            <a:ext cx="907803" cy="184803"/>
+            <a:ext cx="907801" cy="184801"/>
           </a:xfrm>
           <a:custGeom>
             <a:avLst/>
@@ -10362,17 +10080,10 @@
           </a:ln>
         </p:spPr>
         <p:txBody>
-          <a:bodyPr lIns="45718" tIns="45718" rIns="45718" bIns="45718" anchor="ctr"/>
+          <a:bodyPr lIns="45719" rIns="45719" anchor="ctr"/>
           <a:lstStyle/>
           <a:p>
-            <a:pPr>
-              <a:defRPr>
-                <a:latin typeface="Arial"/>
-                <a:ea typeface="Arial"/>
-                <a:cs typeface="Arial"/>
-                <a:sym typeface="Arial"/>
-              </a:defRPr>
-            </a:pPr>
+            <a:pPr/>
           </a:p>
         </p:txBody>
       </p:sp>
@@ -10404,14 +10115,14 @@
       </p:grpSpPr>
       <p:sp>
         <p:nvSpPr>
-          <p:cNvPr id="197" name="Shape 203"/>
+          <p:cNvPr id="197" name="USING PIPES"/>
           <p:cNvSpPr txBox="1"/>
           <p:nvPr/>
         </p:nvSpPr>
         <p:spPr>
           <a:xfrm>
             <a:off x="536775" y="1015800"/>
-            <a:ext cx="7328700" cy="538447"/>
+            <a:ext cx="7328700" cy="538451"/>
           </a:xfrm>
           <a:prstGeom prst="rect">
             <a:avLst/>
@@ -10426,7 +10137,7 @@
           </a:extLst>
         </p:spPr>
         <p:txBody>
-          <a:bodyPr lIns="91422" tIns="91422" rIns="91422" bIns="91422">
+          <a:bodyPr lIns="91424" tIns="91424" rIns="91424" bIns="91424">
             <a:spAutoFit/>
           </a:bodyPr>
           <a:lstStyle>
@@ -10449,14 +10160,14 @@
       </p:sp>
       <p:sp>
         <p:nvSpPr>
-          <p:cNvPr id="198" name="Shape 204"/>
+          <p:cNvPr id="198" name="Using in code"/>
           <p:cNvSpPr txBox="1"/>
           <p:nvPr/>
         </p:nvSpPr>
         <p:spPr>
           <a:xfrm>
             <a:off x="549900" y="1886099"/>
-            <a:ext cx="8044199" cy="442068"/>
+            <a:ext cx="8044199" cy="442073"/>
           </a:xfrm>
           <a:prstGeom prst="rect">
             <a:avLst/>
@@ -10471,7 +10182,7 @@
           </a:extLst>
         </p:spPr>
         <p:txBody>
-          <a:bodyPr lIns="91422" tIns="91422" rIns="91422" bIns="91422">
+          <a:bodyPr lIns="91424" tIns="91424" rIns="91424" bIns="91424">
             <a:spAutoFit/>
           </a:bodyPr>
           <a:lstStyle>
@@ -10481,12 +10192,7 @@
               </a:spcBef>
               <a:buSzPct val="100000"/>
               <a:buChar char="■"/>
-              <a:defRPr sz="1800">
-                <a:latin typeface="Arial"/>
-                <a:ea typeface="Arial"/>
-                <a:cs typeface="Arial"/>
-                <a:sym typeface="Arial"/>
-              </a:defRPr>
+              <a:defRPr sz="1800"/>
             </a:lvl1pPr>
           </a:lstStyle>
           <a:p>
@@ -10499,7 +10205,7 @@
       </p:sp>
       <p:pic>
         <p:nvPicPr>
-          <p:cNvPr id="199" name="image7.png" descr="image7.png"/>
+          <p:cNvPr id="199" name="pipe_10.png" descr="pipe_10.png"/>
           <p:cNvPicPr>
             <a:picLocks noChangeAspect="1"/>
           </p:cNvPicPr>
@@ -10515,8 +10221,8 @@
         </p:blipFill>
         <p:spPr>
           <a:xfrm>
-            <a:off x="756125" y="2599196"/>
-            <a:ext cx="7936549" cy="3183603"/>
+            <a:off x="746875" y="2618537"/>
+            <a:ext cx="7734301" cy="2181226"/>
           </a:xfrm>
           <a:prstGeom prst="rect">
             <a:avLst/>
@@ -10554,14 +10260,14 @@
       </p:grpSpPr>
       <p:sp>
         <p:nvSpPr>
-          <p:cNvPr id="201" name="Shape 208"/>
+          <p:cNvPr id="201" name="USING PIPES"/>
           <p:cNvSpPr txBox="1"/>
           <p:nvPr/>
         </p:nvSpPr>
         <p:spPr>
           <a:xfrm>
             <a:off x="536775" y="1015800"/>
-            <a:ext cx="7328700" cy="538447"/>
+            <a:ext cx="7328700" cy="538451"/>
           </a:xfrm>
           <a:prstGeom prst="rect">
             <a:avLst/>
@@ -10576,7 +10282,7 @@
           </a:extLst>
         </p:spPr>
         <p:txBody>
-          <a:bodyPr lIns="91422" tIns="91422" rIns="91422" bIns="91422">
+          <a:bodyPr lIns="91424" tIns="91424" rIns="91424" bIns="91424">
             <a:spAutoFit/>
           </a:bodyPr>
           <a:lstStyle>
@@ -10592,21 +10298,21 @@
           <a:p>
             <a:pPr/>
             <a:r>
-              <a:t>BUILT-IN PIPES</a:t>
+              <a:t>USING PIPES</a:t>
             </a:r>
           </a:p>
         </p:txBody>
       </p:sp>
       <p:sp>
         <p:nvSpPr>
-          <p:cNvPr id="202" name="Shape 209"/>
+          <p:cNvPr id="202" name="Using in code"/>
           <p:cNvSpPr txBox="1"/>
           <p:nvPr/>
         </p:nvSpPr>
         <p:spPr>
           <a:xfrm>
             <a:off x="549900" y="1886099"/>
-            <a:ext cx="8044199" cy="442068"/>
+            <a:ext cx="8044199" cy="442073"/>
           </a:xfrm>
           <a:prstGeom prst="rect">
             <a:avLst/>
@@ -10621,7 +10327,7 @@
           </a:extLst>
         </p:spPr>
         <p:txBody>
-          <a:bodyPr lIns="91422" tIns="91422" rIns="91422" bIns="91422">
+          <a:bodyPr lIns="91424" tIns="91424" rIns="91424" bIns="91424">
             <a:spAutoFit/>
           </a:bodyPr>
           <a:lstStyle>
@@ -10631,25 +10337,20 @@
               </a:spcBef>
               <a:buSzPct val="100000"/>
               <a:buChar char="■"/>
-              <a:defRPr sz="1800">
-                <a:latin typeface="Arial"/>
-                <a:ea typeface="Arial"/>
-                <a:cs typeface="Arial"/>
-                <a:sym typeface="Arial"/>
-              </a:defRPr>
+              <a:defRPr sz="1800"/>
             </a:lvl1pPr>
           </a:lstStyle>
           <a:p>
             <a:pPr/>
             <a:r>
-              <a:t>Date Pipe:</a:t>
+              <a:t>Using in code</a:t>
             </a:r>
           </a:p>
         </p:txBody>
       </p:sp>
       <p:pic>
         <p:nvPicPr>
-          <p:cNvPr id="203" name="image8.png" descr="image8.png"/>
+          <p:cNvPr id="203" name="pipe_11.png" descr="pipe_11.png"/>
           <p:cNvPicPr>
             <a:picLocks noChangeAspect="1"/>
           </p:cNvPicPr>
@@ -10665,183 +10366,8 @@
         </p:blipFill>
         <p:spPr>
           <a:xfrm>
-            <a:off x="383849" y="3847236"/>
-            <a:ext cx="8372476" cy="1590678"/>
-          </a:xfrm>
-          <a:prstGeom prst="rect">
-            <a:avLst/>
-          </a:prstGeom>
-          <a:ln>
-            <a:solidFill>
-              <a:srgbClr val="F3F3F3"/>
-            </a:solidFill>
-          </a:ln>
-        </p:spPr>
-      </p:pic>
-      <p:sp>
-        <p:nvSpPr>
-          <p:cNvPr id="204" name="Shape 211"/>
-          <p:cNvSpPr txBox="1"/>
-          <p:nvPr/>
-        </p:nvSpPr>
-        <p:spPr>
-          <a:xfrm>
-            <a:off x="5647774" y="3847250"/>
-            <a:ext cx="3108604" cy="1460679"/>
-          </a:xfrm>
-          <a:prstGeom prst="rect">
-            <a:avLst/>
-          </a:prstGeom>
-          <a:ln w="12700">
-            <a:miter lim="400000"/>
-          </a:ln>
-          <a:extLst>
-            <a:ext uri="{C572A759-6A51-4108-AA02-DFA0A04FC94B}">
-              <ma14:wrappingTextBoxFlag xmlns:ma14="http://schemas.microsoft.com/office/mac/drawingml/2011/main" val="1"/>
-            </a:ext>
-          </a:extLst>
-        </p:spPr>
-        <p:txBody>
-          <a:bodyPr lIns="91422" tIns="91422" rIns="91422" bIns="91422">
-            <a:spAutoFit/>
-          </a:bodyPr>
-          <a:lstStyle/>
-          <a:p>
-            <a:pPr>
-              <a:lnSpc>
-                <a:spcPct val="125000"/>
-              </a:lnSpc>
-              <a:defRPr sz="1200">
-                <a:solidFill>
-                  <a:srgbClr val="F3F3F3"/>
-                </a:solidFill>
-                <a:latin typeface="Arial"/>
-                <a:ea typeface="Arial"/>
-                <a:cs typeface="Arial"/>
-                <a:sym typeface="Arial"/>
-              </a:defRPr>
-            </a:pPr>
-            <a:r>
-              <a:t>Sep 14, 2017</a:t>
-            </a:r>
-          </a:p>
-          <a:p>
-            <a:pPr>
-              <a:lnSpc>
-                <a:spcPct val="125000"/>
-              </a:lnSpc>
-              <a:defRPr sz="1200">
-                <a:solidFill>
-                  <a:srgbClr val="F3F3F3"/>
-                </a:solidFill>
-                <a:latin typeface="Arial"/>
-                <a:ea typeface="Arial"/>
-                <a:cs typeface="Arial"/>
-                <a:sym typeface="Arial"/>
-              </a:defRPr>
-            </a:pPr>
-            <a:r>
-              <a:t>Sep 14, 2017, 4:43:54</a:t>
-            </a:r>
-          </a:p>
-          <a:p>
-            <a:pPr>
-              <a:lnSpc>
-                <a:spcPct val="125000"/>
-              </a:lnSpc>
-              <a:defRPr sz="1200">
-                <a:solidFill>
-                  <a:srgbClr val="F3F3F3"/>
-                </a:solidFill>
-                <a:latin typeface="Arial"/>
-                <a:ea typeface="Arial"/>
-                <a:cs typeface="Arial"/>
-                <a:sym typeface="Arial"/>
-              </a:defRPr>
-            </a:pPr>
-            <a:r>
-              <a:t>9/14/2017, 4:43 PM</a:t>
-            </a:r>
-          </a:p>
-          <a:p>
-            <a:pPr>
-              <a:lnSpc>
-                <a:spcPct val="125000"/>
-              </a:lnSpc>
-              <a:defRPr sz="1200">
-                <a:solidFill>
-                  <a:srgbClr val="F3F3F3"/>
-                </a:solidFill>
-                <a:latin typeface="Arial"/>
-                <a:ea typeface="Arial"/>
-                <a:cs typeface="Arial"/>
-                <a:sym typeface="Arial"/>
-              </a:defRPr>
-            </a:pPr>
-            <a:r>
-              <a:t>4:43:54 PM</a:t>
-            </a:r>
-          </a:p>
-          <a:p>
-            <a:pPr>
-              <a:lnSpc>
-                <a:spcPct val="125000"/>
-              </a:lnSpc>
-              <a:defRPr sz="1200">
-                <a:solidFill>
-                  <a:srgbClr val="F3F3F3"/>
-                </a:solidFill>
-                <a:latin typeface="Arial"/>
-                <a:ea typeface="Arial"/>
-                <a:cs typeface="Arial"/>
-                <a:sym typeface="Arial"/>
-              </a:defRPr>
-            </a:pPr>
-            <a:r>
-              <a:t>4:43 PM</a:t>
-            </a:r>
-          </a:p>
-          <a:p>
-            <a:pPr>
-              <a:lnSpc>
-                <a:spcPct val="125000"/>
-              </a:lnSpc>
-              <a:defRPr sz="1200">
-                <a:solidFill>
-                  <a:srgbClr val="F3F3F3"/>
-                </a:solidFill>
-                <a:latin typeface="Arial"/>
-                <a:ea typeface="Arial"/>
-                <a:cs typeface="Arial"/>
-                <a:sym typeface="Arial"/>
-              </a:defRPr>
-            </a:pPr>
-            <a:r>
-              <a:t>14/09/2017</a:t>
-            </a:r>
-          </a:p>
-        </p:txBody>
-      </p:sp>
-      <p:pic>
-        <p:nvPicPr>
-          <p:cNvPr id="205" name="image9.png" descr="image9.png"/>
-          <p:cNvPicPr>
-            <a:picLocks noChangeAspect="1"/>
-          </p:cNvPicPr>
-          <p:nvPr/>
-        </p:nvPicPr>
-        <p:blipFill>
-          <a:blip r:embed="rId3">
-            <a:extLst/>
-          </a:blip>
-          <a:stretch>
-            <a:fillRect/>
-          </a:stretch>
-        </p:blipFill>
-        <p:spPr>
-          <a:xfrm>
-            <a:off x="383837" y="2618512"/>
-            <a:ext cx="4429127" cy="1000128"/>
+            <a:off x="756125" y="2599198"/>
+            <a:ext cx="7936549" cy="3183601"/>
           </a:xfrm>
           <a:prstGeom prst="rect">
             <a:avLst/>
@@ -10879,14 +10405,14 @@
       </p:grpSpPr>
       <p:sp>
         <p:nvSpPr>
-          <p:cNvPr id="207" name="Shape 215"/>
+          <p:cNvPr id="205" name="BUILT-IN PIPES"/>
           <p:cNvSpPr txBox="1"/>
           <p:nvPr/>
         </p:nvSpPr>
         <p:spPr>
           <a:xfrm>
             <a:off x="536775" y="1015800"/>
-            <a:ext cx="7328700" cy="538447"/>
+            <a:ext cx="7328700" cy="538451"/>
           </a:xfrm>
           <a:prstGeom prst="rect">
             <a:avLst/>
@@ -10901,7 +10427,7 @@
           </a:extLst>
         </p:spPr>
         <p:txBody>
-          <a:bodyPr lIns="91422" tIns="91422" rIns="91422" bIns="91422">
+          <a:bodyPr lIns="91424" tIns="91424" rIns="91424" bIns="91424">
             <a:spAutoFit/>
           </a:bodyPr>
           <a:lstStyle>
@@ -10924,14 +10450,14 @@
       </p:sp>
       <p:sp>
         <p:nvSpPr>
-          <p:cNvPr id="208" name="Shape 216"/>
+          <p:cNvPr id="206" name="Date Pipe:"/>
           <p:cNvSpPr txBox="1"/>
           <p:nvPr/>
         </p:nvSpPr>
         <p:spPr>
           <a:xfrm>
             <a:off x="549900" y="1886099"/>
-            <a:ext cx="8044199" cy="442068"/>
+            <a:ext cx="8044199" cy="442073"/>
           </a:xfrm>
           <a:prstGeom prst="rect">
             <a:avLst/>
@@ -10946,7 +10472,7 @@
           </a:extLst>
         </p:spPr>
         <p:txBody>
-          <a:bodyPr lIns="91422" tIns="91422" rIns="91422" bIns="91422">
+          <a:bodyPr lIns="91424" tIns="91424" rIns="91424" bIns="91424">
             <a:spAutoFit/>
           </a:bodyPr>
           <a:lstStyle>
@@ -10956,25 +10482,20 @@
               </a:spcBef>
               <a:buSzPct val="100000"/>
               <a:buChar char="■"/>
-              <a:defRPr sz="1800">
-                <a:latin typeface="Arial"/>
-                <a:ea typeface="Arial"/>
-                <a:cs typeface="Arial"/>
-                <a:sym typeface="Arial"/>
-              </a:defRPr>
+              <a:defRPr sz="1800"/>
             </a:lvl1pPr>
           </a:lstStyle>
           <a:p>
             <a:pPr/>
             <a:r>
-              <a:t>Slice Pipe:</a:t>
+              <a:t>Date Pipe:</a:t>
             </a:r>
           </a:p>
         </p:txBody>
       </p:sp>
       <p:pic>
         <p:nvPicPr>
-          <p:cNvPr id="209" name="image10.png" descr="image10.png"/>
+          <p:cNvPr id="207" name="pipe_12.png" descr="pipe_12.png"/>
           <p:cNvPicPr>
             <a:picLocks noChangeAspect="1"/>
           </p:cNvPicPr>
@@ -10990,8 +10511,159 @@
         </p:blipFill>
         <p:spPr>
           <a:xfrm>
-            <a:off x="743500" y="2613748"/>
-            <a:ext cx="6648451" cy="1466853"/>
+            <a:off x="383849" y="3847236"/>
+            <a:ext cx="8372476" cy="1590676"/>
+          </a:xfrm>
+          <a:prstGeom prst="rect">
+            <a:avLst/>
+          </a:prstGeom>
+          <a:ln>
+            <a:solidFill>
+              <a:srgbClr val="F3F3F3"/>
+            </a:solidFill>
+          </a:ln>
+        </p:spPr>
+      </p:pic>
+      <p:sp>
+        <p:nvSpPr>
+          <p:cNvPr id="208" name="Sep 14, 2017…"/>
+          <p:cNvSpPr txBox="1"/>
+          <p:nvPr/>
+        </p:nvSpPr>
+        <p:spPr>
+          <a:xfrm>
+            <a:off x="5647775" y="3847250"/>
+            <a:ext cx="3108601" cy="1460683"/>
+          </a:xfrm>
+          <a:prstGeom prst="rect">
+            <a:avLst/>
+          </a:prstGeom>
+          <a:ln w="12700">
+            <a:miter lim="400000"/>
+          </a:ln>
+          <a:extLst>
+            <a:ext uri="{C572A759-6A51-4108-AA02-DFA0A04FC94B}">
+              <ma14:wrappingTextBoxFlag xmlns:ma14="http://schemas.microsoft.com/office/mac/drawingml/2011/main" val="1"/>
+            </a:ext>
+          </a:extLst>
+        </p:spPr>
+        <p:txBody>
+          <a:bodyPr lIns="91424" tIns="91424" rIns="91424" bIns="91424">
+            <a:spAutoFit/>
+          </a:bodyPr>
+          <a:lstStyle/>
+          <a:p>
+            <a:pPr>
+              <a:lnSpc>
+                <a:spcPct val="125000"/>
+              </a:lnSpc>
+              <a:defRPr sz="1200">
+                <a:solidFill>
+                  <a:srgbClr val="F3F3F3"/>
+                </a:solidFill>
+              </a:defRPr>
+            </a:pPr>
+            <a:r>
+              <a:t>Sep 14, 2017</a:t>
+            </a:r>
+          </a:p>
+          <a:p>
+            <a:pPr>
+              <a:lnSpc>
+                <a:spcPct val="125000"/>
+              </a:lnSpc>
+              <a:defRPr sz="1200">
+                <a:solidFill>
+                  <a:srgbClr val="F3F3F3"/>
+                </a:solidFill>
+              </a:defRPr>
+            </a:pPr>
+            <a:r>
+              <a:t>Sep 14, 2017, 4:43:54</a:t>
+            </a:r>
+          </a:p>
+          <a:p>
+            <a:pPr>
+              <a:lnSpc>
+                <a:spcPct val="125000"/>
+              </a:lnSpc>
+              <a:defRPr sz="1200">
+                <a:solidFill>
+                  <a:srgbClr val="F3F3F3"/>
+                </a:solidFill>
+              </a:defRPr>
+            </a:pPr>
+            <a:r>
+              <a:t>9/14/2017, 4:43 PM</a:t>
+            </a:r>
+          </a:p>
+          <a:p>
+            <a:pPr>
+              <a:lnSpc>
+                <a:spcPct val="125000"/>
+              </a:lnSpc>
+              <a:defRPr sz="1200">
+                <a:solidFill>
+                  <a:srgbClr val="F3F3F3"/>
+                </a:solidFill>
+              </a:defRPr>
+            </a:pPr>
+            <a:r>
+              <a:t>4:43:54 PM</a:t>
+            </a:r>
+          </a:p>
+          <a:p>
+            <a:pPr>
+              <a:lnSpc>
+                <a:spcPct val="125000"/>
+              </a:lnSpc>
+              <a:defRPr sz="1200">
+                <a:solidFill>
+                  <a:srgbClr val="F3F3F3"/>
+                </a:solidFill>
+              </a:defRPr>
+            </a:pPr>
+            <a:r>
+              <a:t>4:43 PM</a:t>
+            </a:r>
+          </a:p>
+          <a:p>
+            <a:pPr>
+              <a:lnSpc>
+                <a:spcPct val="125000"/>
+              </a:lnSpc>
+              <a:defRPr sz="1200">
+                <a:solidFill>
+                  <a:srgbClr val="F3F3F3"/>
+                </a:solidFill>
+              </a:defRPr>
+            </a:pPr>
+            <a:r>
+              <a:t>14/09/2017</a:t>
+            </a:r>
+          </a:p>
+        </p:txBody>
+      </p:sp>
+      <p:pic>
+        <p:nvPicPr>
+          <p:cNvPr id="209" name="pipe_15.png" descr="pipe_15.png"/>
+          <p:cNvPicPr>
+            <a:picLocks noChangeAspect="1"/>
+          </p:cNvPicPr>
+          <p:nvPr/>
+        </p:nvPicPr>
+        <p:blipFill>
+          <a:blip r:embed="rId3">
+            <a:extLst/>
+          </a:blip>
+          <a:stretch>
+            <a:fillRect/>
+          </a:stretch>
+        </p:blipFill>
+        <p:spPr>
+          <a:xfrm>
+            <a:off x="383837" y="2618512"/>
+            <a:ext cx="4429126" cy="1000126"/>
           </a:xfrm>
           <a:prstGeom prst="rect">
             <a:avLst/>
@@ -11029,14 +10701,14 @@
       </p:grpSpPr>
       <p:sp>
         <p:nvSpPr>
-          <p:cNvPr id="211" name="Shape 220"/>
+          <p:cNvPr id="211" name="BUILT-IN PIPES"/>
           <p:cNvSpPr txBox="1"/>
           <p:nvPr/>
         </p:nvSpPr>
         <p:spPr>
           <a:xfrm>
             <a:off x="536775" y="1015800"/>
-            <a:ext cx="7328700" cy="538447"/>
+            <a:ext cx="7328700" cy="538451"/>
           </a:xfrm>
           <a:prstGeom prst="rect">
             <a:avLst/>
@@ -11051,7 +10723,7 @@
           </a:extLst>
         </p:spPr>
         <p:txBody>
-          <a:bodyPr lIns="91422" tIns="91422" rIns="91422" bIns="91422">
+          <a:bodyPr lIns="91424" tIns="91424" rIns="91424" bIns="91424">
             <a:spAutoFit/>
           </a:bodyPr>
           <a:lstStyle>
@@ -11072,9 +10744,54 @@
           </a:p>
         </p:txBody>
       </p:sp>
+      <p:sp>
+        <p:nvSpPr>
+          <p:cNvPr id="212" name="Slice Pipe:"/>
+          <p:cNvSpPr txBox="1"/>
+          <p:nvPr/>
+        </p:nvSpPr>
+        <p:spPr>
+          <a:xfrm>
+            <a:off x="549900" y="1886099"/>
+            <a:ext cx="8044199" cy="442073"/>
+          </a:xfrm>
+          <a:prstGeom prst="rect">
+            <a:avLst/>
+          </a:prstGeom>
+          <a:ln w="12700">
+            <a:miter lim="400000"/>
+          </a:ln>
+          <a:extLst>
+            <a:ext uri="{C572A759-6A51-4108-AA02-DFA0A04FC94B}">
+              <ma14:wrappingTextBoxFlag xmlns:ma14="http://schemas.microsoft.com/office/mac/drawingml/2011/main" val="1"/>
+            </a:ext>
+          </a:extLst>
+        </p:spPr>
+        <p:txBody>
+          <a:bodyPr lIns="91424" tIns="91424" rIns="91424" bIns="91424">
+            <a:spAutoFit/>
+          </a:bodyPr>
+          <a:lstStyle>
+            <a:lvl1pPr marL="457200" indent="-342900">
+              <a:spcBef>
+                <a:spcPts val="1000"/>
+              </a:spcBef>
+              <a:buSzPct val="100000"/>
+              <a:buChar char="■"/>
+              <a:defRPr sz="1800"/>
+            </a:lvl1pPr>
+          </a:lstStyle>
+          <a:p>
+            <a:pPr/>
+            <a:r>
+              <a:t>Slice Pipe:</a:t>
+            </a:r>
+          </a:p>
+        </p:txBody>
+      </p:sp>
       <p:pic>
         <p:nvPicPr>
-          <p:cNvPr id="212" name="image11.png" descr="image11.png"/>
+          <p:cNvPr id="213" name="pipe_17.png" descr="pipe_17.png"/>
           <p:cNvPicPr>
             <a:picLocks noChangeAspect="1"/>
           </p:cNvPicPr>
@@ -11090,8 +10807,108 @@
         </p:blipFill>
         <p:spPr>
           <a:xfrm>
-            <a:off x="536774" y="2093210"/>
-            <a:ext cx="7715251" cy="1743077"/>
+            <a:off x="743500" y="2613749"/>
+            <a:ext cx="6648451" cy="1466851"/>
+          </a:xfrm>
+          <a:prstGeom prst="rect">
+            <a:avLst/>
+          </a:prstGeom>
+          <a:ln w="12700">
+            <a:miter lim="400000"/>
+          </a:ln>
+        </p:spPr>
+      </p:pic>
+    </p:spTree>
+  </p:cSld>
+  <p:clrMapOvr>
+    <a:masterClrMapping/>
+  </p:clrMapOvr>
+  <p:transition xmlns:p14="http://schemas.microsoft.com/office/powerpoint/2010/main" spd="med" advClick="1"/>
+</p:sld>
+</file>
+
+<file path=ppt/slides/slide9.xml><?xml version="1.0" encoding="utf-8"?>
+<p:sld xmlns:a="http://schemas.openxmlformats.org/drawingml/2006/main" xmlns:r="http://schemas.openxmlformats.org/officeDocument/2006/relationships" xmlns:p="http://schemas.openxmlformats.org/presentationml/2006/main" xmlns:m="http://schemas.openxmlformats.org/officeDocument/2006/math" xmlns:a14="http://schemas.microsoft.com/office/drawing/2010/main" showMasterSp="1" showMasterPhAnim="1">
+  <p:cSld>
+    <p:spTree>
+      <p:nvGrpSpPr>
+        <p:cNvPr id="1" name=""/>
+        <p:cNvGrpSpPr/>
+        <p:nvPr/>
+      </p:nvGrpSpPr>
+      <p:grpSpPr>
+        <a:xfrm>
+          <a:off x="0" y="0"/>
+          <a:ext cx="0" cy="0"/>
+          <a:chOff x="0" y="0"/>
+          <a:chExt cx="0" cy="0"/>
+        </a:xfrm>
+      </p:grpSpPr>
+      <p:sp>
+        <p:nvSpPr>
+          <p:cNvPr id="215" name="BUILT-IN PIPES"/>
+          <p:cNvSpPr txBox="1"/>
+          <p:nvPr/>
+        </p:nvSpPr>
+        <p:spPr>
+          <a:xfrm>
+            <a:off x="536775" y="1015800"/>
+            <a:ext cx="7328700" cy="538451"/>
+          </a:xfrm>
+          <a:prstGeom prst="rect">
+            <a:avLst/>
+          </a:prstGeom>
+          <a:ln w="12700">
+            <a:miter lim="400000"/>
+          </a:ln>
+          <a:extLst>
+            <a:ext uri="{C572A759-6A51-4108-AA02-DFA0A04FC94B}">
+              <ma14:wrappingTextBoxFlag xmlns:ma14="http://schemas.microsoft.com/office/mac/drawingml/2011/main" val="1"/>
+            </a:ext>
+          </a:extLst>
+        </p:spPr>
+        <p:txBody>
+          <a:bodyPr lIns="91424" tIns="91424" rIns="91424" bIns="91424">
+            <a:spAutoFit/>
+          </a:bodyPr>
+          <a:lstStyle>
+            <a:lvl1pPr>
+              <a:defRPr sz="2400">
+                <a:latin typeface="American Typewriter"/>
+                <a:ea typeface="American Typewriter"/>
+                <a:cs typeface="American Typewriter"/>
+                <a:sym typeface="American Typewriter"/>
+              </a:defRPr>
+            </a:lvl1pPr>
+          </a:lstStyle>
+          <a:p>
+            <a:pPr/>
+            <a:r>
+              <a:t>BUILT-IN PIPES</a:t>
+            </a:r>
+          </a:p>
+        </p:txBody>
+      </p:sp>
+      <p:pic>
+        <p:nvPicPr>
+          <p:cNvPr id="216" name="pipe_21.png" descr="pipe_21.png"/>
+          <p:cNvPicPr>
+            <a:picLocks noChangeAspect="1"/>
+          </p:cNvPicPr>
+          <p:nvPr/>
+        </p:nvPicPr>
+        <p:blipFill>
+          <a:blip r:embed="rId2">
+            <a:extLst/>
+          </a:blip>
+          <a:stretch>
+            <a:fillRect/>
+          </a:stretch>
+        </p:blipFill>
+        <p:spPr>
+          <a:xfrm>
+            <a:off x="536774" y="2093211"/>
+            <a:ext cx="7715251" cy="1743076"/>
           </a:xfrm>
           <a:prstGeom prst="rect">
             <a:avLst/>
@@ -11103,14 +10920,14 @@
       </p:pic>
       <p:sp>
         <p:nvSpPr>
-          <p:cNvPr id="213" name="Shape 222"/>
+          <p:cNvPr id="217" name="Фигура"/>
           <p:cNvSpPr/>
           <p:nvPr/>
         </p:nvSpPr>
         <p:spPr>
           <a:xfrm>
             <a:off x="3321975" y="4121425"/>
-            <a:ext cx="1641303" cy="562803"/>
+            <a:ext cx="1641301" cy="562801"/>
           </a:xfrm>
           <a:custGeom>
             <a:avLst/>
@@ -11168,23 +10985,16 @@
           </a:ln>
         </p:spPr>
         <p:txBody>
-          <a:bodyPr lIns="45718" tIns="45718" rIns="45718" bIns="45718" anchor="ctr"/>
+          <a:bodyPr lIns="45719" rIns="45719" anchor="ctr"/>
           <a:lstStyle/>
           <a:p>
-            <a:pPr>
-              <a:defRPr>
-                <a:latin typeface="Arial"/>
-                <a:ea typeface="Arial"/>
-                <a:cs typeface="Arial"/>
-                <a:sym typeface="Arial"/>
-              </a:defRPr>
-            </a:pPr>
+            <a:pPr/>
           </a:p>
         </p:txBody>
       </p:sp>
       <p:pic>
         <p:nvPicPr>
-          <p:cNvPr id="214" name="image12.png" descr="image12.png"/>
+          <p:cNvPr id="218" name="pipe_20.png" descr="pipe_20.png"/>
           <p:cNvPicPr>
             <a:picLocks noChangeAspect="1"/>
           </p:cNvPicPr>
@@ -11200,8 +11010,8 @@
         </p:blipFill>
         <p:spPr>
           <a:xfrm>
-            <a:off x="2557459" y="4929187"/>
-            <a:ext cx="3419480" cy="1114428"/>
+            <a:off x="2557461" y="4929187"/>
+            <a:ext cx="3419476" cy="1114426"/>
           </a:xfrm>
           <a:prstGeom prst="rect">
             <a:avLst/>
@@ -11211,385 +11021,6 @@
           </a:ln>
         </p:spPr>
       </p:pic>
-    </p:spTree>
-  </p:cSld>
-  <p:clrMapOvr>
-    <a:masterClrMapping/>
-  </p:clrMapOvr>
-  <p:transition xmlns:p14="http://schemas.microsoft.com/office/powerpoint/2010/main" spd="med" advClick="1"/>
-</p:sld>
-</file>
-
-<file path=ppt/slides/slide9.xml><?xml version="1.0" encoding="utf-8"?>
-<p:sld xmlns:a="http://schemas.openxmlformats.org/drawingml/2006/main" xmlns:r="http://schemas.openxmlformats.org/officeDocument/2006/relationships" xmlns:p="http://schemas.openxmlformats.org/presentationml/2006/main" xmlns:m="http://schemas.openxmlformats.org/officeDocument/2006/math" xmlns:a14="http://schemas.microsoft.com/office/drawing/2010/main" showMasterSp="1" showMasterPhAnim="1">
-  <p:cSld>
-    <p:spTree>
-      <p:nvGrpSpPr>
-        <p:cNvPr id="1" name=""/>
-        <p:cNvGrpSpPr/>
-        <p:nvPr/>
-      </p:nvGrpSpPr>
-      <p:grpSpPr>
-        <a:xfrm>
-          <a:off x="0" y="0"/>
-          <a:ext cx="0" cy="0"/>
-          <a:chOff x="0" y="0"/>
-          <a:chExt cx="0" cy="0"/>
-        </a:xfrm>
-      </p:grpSpPr>
-      <p:sp>
-        <p:nvSpPr>
-          <p:cNvPr id="216" name="Shape 226"/>
-          <p:cNvSpPr txBox="1"/>
-          <p:nvPr/>
-        </p:nvSpPr>
-        <p:spPr>
-          <a:xfrm>
-            <a:off x="536775" y="1015800"/>
-            <a:ext cx="7328700" cy="538447"/>
-          </a:xfrm>
-          <a:prstGeom prst="rect">
-            <a:avLst/>
-          </a:prstGeom>
-          <a:ln w="12700">
-            <a:miter lim="400000"/>
-          </a:ln>
-          <a:extLst>
-            <a:ext uri="{C572A759-6A51-4108-AA02-DFA0A04FC94B}">
-              <ma14:wrappingTextBoxFlag xmlns:ma14="http://schemas.microsoft.com/office/mac/drawingml/2011/main" val="1"/>
-            </a:ext>
-          </a:extLst>
-        </p:spPr>
-        <p:txBody>
-          <a:bodyPr lIns="91422" tIns="91422" rIns="91422" bIns="91422">
-            <a:spAutoFit/>
-          </a:bodyPr>
-          <a:lstStyle>
-            <a:lvl1pPr>
-              <a:defRPr sz="2400">
-                <a:latin typeface="American Typewriter"/>
-                <a:ea typeface="American Typewriter"/>
-                <a:cs typeface="American Typewriter"/>
-                <a:sym typeface="American Typewriter"/>
-              </a:defRPr>
-            </a:lvl1pPr>
-          </a:lstStyle>
-          <a:p>
-            <a:pPr/>
-            <a:r>
-              <a:t>BUILT-IN PIPES</a:t>
-            </a:r>
-          </a:p>
-        </p:txBody>
-      </p:sp>
-      <p:sp>
-        <p:nvSpPr>
-          <p:cNvPr id="217" name="Shape 227"/>
-          <p:cNvSpPr txBox="1"/>
-          <p:nvPr/>
-        </p:nvSpPr>
-        <p:spPr>
-          <a:xfrm>
-            <a:off x="536773" y="1927200"/>
-            <a:ext cx="4360504" cy="2042268"/>
-          </a:xfrm>
-          <a:prstGeom prst="rect">
-            <a:avLst/>
-          </a:prstGeom>
-          <a:ln w="12700">
-            <a:miter lim="400000"/>
-          </a:ln>
-          <a:extLst>
-            <a:ext uri="{C572A759-6A51-4108-AA02-DFA0A04FC94B}">
-              <ma14:wrappingTextBoxFlag xmlns:ma14="http://schemas.microsoft.com/office/mac/drawingml/2011/main" val="1"/>
-            </a:ext>
-          </a:extLst>
-        </p:spPr>
-        <p:txBody>
-          <a:bodyPr lIns="91422" tIns="91422" rIns="91422" bIns="91422">
-            <a:spAutoFit/>
-          </a:bodyPr>
-          <a:lstStyle/>
-          <a:p>
-            <a:pPr marL="457200" indent="-342900">
-              <a:buSzPct val="100000"/>
-              <a:buChar char="■"/>
-              <a:defRPr sz="1800">
-                <a:latin typeface="Arial"/>
-                <a:ea typeface="Arial"/>
-                <a:cs typeface="Arial"/>
-                <a:sym typeface="Arial"/>
-              </a:defRPr>
-            </a:pPr>
-            <a:r>
-              <a:t>Uppercase Pipe:</a:t>
-            </a:r>
-          </a:p>
-          <a:p>
-            <a:pPr>
-              <a:defRPr sz="1800">
-                <a:latin typeface="Arial"/>
-                <a:ea typeface="Arial"/>
-                <a:cs typeface="Arial"/>
-                <a:sym typeface="Arial"/>
-              </a:defRPr>
-            </a:pPr>
-          </a:p>
-          <a:p>
-            <a:pPr>
-              <a:defRPr sz="1800">
-                <a:latin typeface="Arial"/>
-                <a:ea typeface="Arial"/>
-                <a:cs typeface="Arial"/>
-                <a:sym typeface="Arial"/>
-              </a:defRPr>
-            </a:pPr>
-          </a:p>
-          <a:p>
-            <a:pPr>
-              <a:defRPr sz="1800">
-                <a:latin typeface="Arial"/>
-                <a:ea typeface="Arial"/>
-                <a:cs typeface="Arial"/>
-                <a:sym typeface="Arial"/>
-              </a:defRPr>
-            </a:pPr>
-          </a:p>
-          <a:p>
-            <a:pPr>
-              <a:defRPr sz="1800">
-                <a:latin typeface="Arial"/>
-                <a:ea typeface="Arial"/>
-                <a:cs typeface="Arial"/>
-                <a:sym typeface="Arial"/>
-              </a:defRPr>
-            </a:pPr>
-          </a:p>
-          <a:p>
-            <a:pPr>
-              <a:defRPr sz="1800">
-                <a:latin typeface="Arial"/>
-                <a:ea typeface="Arial"/>
-                <a:cs typeface="Arial"/>
-                <a:sym typeface="Arial"/>
-              </a:defRPr>
-            </a:pPr>
-          </a:p>
-          <a:p>
-            <a:pPr marL="457200" indent="-342900">
-              <a:buSzPct val="100000"/>
-              <a:buChar char="■"/>
-              <a:defRPr sz="1800">
-                <a:latin typeface="Arial"/>
-                <a:ea typeface="Arial"/>
-                <a:cs typeface="Arial"/>
-                <a:sym typeface="Arial"/>
-              </a:defRPr>
-            </a:pPr>
-            <a:r>
-              <a:t>Lowercase Pipe:</a:t>
-            </a:r>
-          </a:p>
-        </p:txBody>
-      </p:sp>
-      <p:pic>
-        <p:nvPicPr>
-          <p:cNvPr id="218" name="image13.png" descr="image13.png"/>
-          <p:cNvPicPr>
-            <a:picLocks noChangeAspect="1"/>
-          </p:cNvPicPr>
-          <p:nvPr/>
-        </p:nvPicPr>
-        <p:blipFill>
-          <a:blip r:embed="rId2">
-            <a:extLst/>
-          </a:blip>
-          <a:stretch>
-            <a:fillRect/>
-          </a:stretch>
-        </p:blipFill>
-        <p:spPr>
-          <a:xfrm>
-            <a:off x="267850" y="4128275"/>
-            <a:ext cx="3619502" cy="704853"/>
-          </a:xfrm>
-          <a:prstGeom prst="rect">
-            <a:avLst/>
-          </a:prstGeom>
-          <a:ln w="12700">
-            <a:miter lim="400000"/>
-          </a:ln>
-        </p:spPr>
-      </p:pic>
-      <p:pic>
-        <p:nvPicPr>
-          <p:cNvPr id="219" name="image14.png" descr="image14.png"/>
-          <p:cNvPicPr>
-            <a:picLocks noChangeAspect="1"/>
-          </p:cNvPicPr>
-          <p:nvPr/>
-        </p:nvPicPr>
-        <p:blipFill>
-          <a:blip r:embed="rId3">
-            <a:extLst/>
-          </a:blip>
-          <a:stretch>
-            <a:fillRect/>
-          </a:stretch>
-        </p:blipFill>
-        <p:spPr>
-          <a:xfrm>
-            <a:off x="260550" y="2458123"/>
-            <a:ext cx="3638552" cy="781054"/>
-          </a:xfrm>
-          <a:prstGeom prst="rect">
-            <a:avLst/>
-          </a:prstGeom>
-          <a:ln w="12700">
-            <a:miter lim="400000"/>
-          </a:ln>
-        </p:spPr>
-      </p:pic>
-      <p:pic>
-        <p:nvPicPr>
-          <p:cNvPr id="220" name="image15.png" descr="image15.png"/>
-          <p:cNvPicPr>
-            <a:picLocks noChangeAspect="1"/>
-          </p:cNvPicPr>
-          <p:nvPr/>
-        </p:nvPicPr>
-        <p:blipFill>
-          <a:blip r:embed="rId4">
-            <a:extLst/>
-          </a:blip>
-          <a:stretch>
-            <a:fillRect/>
-          </a:stretch>
-        </p:blipFill>
-        <p:spPr>
-          <a:xfrm>
-            <a:off x="4864198" y="2587550"/>
-            <a:ext cx="4057652" cy="285751"/>
-          </a:xfrm>
-          <a:prstGeom prst="rect">
-            <a:avLst/>
-          </a:prstGeom>
-          <a:ln w="12700">
-            <a:miter lim="400000"/>
-          </a:ln>
-        </p:spPr>
-      </p:pic>
-      <p:pic>
-        <p:nvPicPr>
-          <p:cNvPr id="221" name="image16.png" descr="image16.png"/>
-          <p:cNvPicPr>
-            <a:picLocks noChangeAspect="1"/>
-          </p:cNvPicPr>
-          <p:nvPr/>
-        </p:nvPicPr>
-        <p:blipFill>
-          <a:blip r:embed="rId5">
-            <a:extLst/>
-          </a:blip>
-          <a:stretch>
-            <a:fillRect/>
-          </a:stretch>
-        </p:blipFill>
-        <p:spPr>
-          <a:xfrm>
-            <a:off x="4787998" y="4370311"/>
-            <a:ext cx="4133852" cy="295278"/>
-          </a:xfrm>
-          <a:prstGeom prst="rect">
-            <a:avLst/>
-          </a:prstGeom>
-          <a:ln w="12700">
-            <a:miter lim="400000"/>
-          </a:ln>
-        </p:spPr>
-      </p:pic>
-      <p:sp>
-        <p:nvSpPr>
-          <p:cNvPr id="222" name="Shape 232"/>
-          <p:cNvSpPr/>
-          <p:nvPr/>
-        </p:nvSpPr>
-        <p:spPr>
-          <a:xfrm>
-            <a:off x="4168025" y="2587999"/>
-            <a:ext cx="543903" cy="295202"/>
-          </a:xfrm>
-          <a:prstGeom prst="rightArrow">
-            <a:avLst>
-              <a:gd name="adj1" fmla="val 50000"/>
-              <a:gd name="adj2" fmla="val 50000"/>
-            </a:avLst>
-          </a:prstGeom>
-          <a:solidFill>
-            <a:srgbClr val="EEECE1"/>
-          </a:solidFill>
-          <a:ln>
-            <a:solidFill>
-              <a:srgbClr val="1F497D"/>
-            </a:solidFill>
-          </a:ln>
-        </p:spPr>
-        <p:txBody>
-          <a:bodyPr lIns="45718" tIns="45718" rIns="45718" bIns="45718" anchor="ctr"/>
-          <a:lstStyle/>
-          <a:p>
-            <a:pPr>
-              <a:defRPr>
-                <a:latin typeface="Arial"/>
-                <a:ea typeface="Arial"/>
-                <a:cs typeface="Arial"/>
-                <a:sym typeface="Arial"/>
-              </a:defRPr>
-            </a:pPr>
-          </a:p>
-        </p:txBody>
-      </p:sp>
-      <p:sp>
-        <p:nvSpPr>
-          <p:cNvPr id="223" name="Shape 233"/>
-          <p:cNvSpPr/>
-          <p:nvPr/>
-        </p:nvSpPr>
-        <p:spPr>
-          <a:xfrm>
-            <a:off x="4168025" y="4340600"/>
-            <a:ext cx="543903" cy="295203"/>
-          </a:xfrm>
-          <a:prstGeom prst="rightArrow">
-            <a:avLst>
-              <a:gd name="adj1" fmla="val 50000"/>
-              <a:gd name="adj2" fmla="val 50000"/>
-            </a:avLst>
-          </a:prstGeom>
-          <a:solidFill>
-            <a:srgbClr val="EEECE1"/>
-          </a:solidFill>
-          <a:ln>
-            <a:solidFill>
-              <a:srgbClr val="1F497D"/>
-            </a:solidFill>
-          </a:ln>
-        </p:spPr>
-        <p:txBody>
-          <a:bodyPr lIns="45718" tIns="45718" rIns="45718" bIns="45718" anchor="ctr"/>
-          <a:lstStyle/>
-          <a:p>
-            <a:pPr>
-              <a:defRPr>
-                <a:latin typeface="Arial"/>
-                <a:ea typeface="Arial"/>
-                <a:cs typeface="Arial"/>
-                <a:sym typeface="Arial"/>
-              </a:defRPr>
-            </a:pPr>
-          </a:p>
-        </p:txBody>
-      </p:sp>
     </p:spTree>
   </p:cSld>
   <p:clrMapOvr>
@@ -11744,9 +11175,9 @@
         </a:effectStyle>
         <a:effectStyle>
           <a:effectLst>
-            <a:outerShdw sx="100000" sy="100000" kx="0" ky="0" algn="b" rotWithShape="0" blurRad="38100" dist="23000" dir="5400000">
+            <a:outerShdw sx="100000" sy="100000" kx="0" ky="0" algn="b" rotWithShape="0" blurRad="38100" dist="20000" dir="5400000">
               <a:srgbClr val="000000">
-                <a:alpha val="35000"/>
+                <a:alpha val="38000"/>
               </a:srgbClr>
             </a:outerShdw>
           </a:effectLst>
@@ -11826,7 +11257,7 @@
         </a:effectLst>
         <a:sp3d/>
       </a:spPr>
-      <a:bodyPr rot="0" spcFirstLastPara="1" vertOverflow="overflow" horzOverflow="overflow" vert="horz" wrap="square" lIns="45718" tIns="45718" rIns="45718" bIns="45718" numCol="1" spcCol="38100" rtlCol="0" anchor="ctr" upright="0">
+      <a:bodyPr rot="0" spcFirstLastPara="1" vertOverflow="overflow" horzOverflow="overflow" vert="horz" wrap="square" lIns="45719" tIns="45719" rIns="45719" bIns="45719" numCol="1" spcCol="38100" rtlCol="0" anchor="ctr" upright="0">
         <a:spAutoFit/>
       </a:bodyPr>
       <a:lstStyle>
@@ -11854,10 +11285,10 @@
             </a:solidFill>
             <a:effectLst/>
             <a:uFillTx/>
-            <a:latin typeface="+mj-lt"/>
-            <a:ea typeface="+mj-ea"/>
-            <a:cs typeface="+mj-cs"/>
-            <a:sym typeface="Helvetica Neue"/>
+            <a:latin typeface="Arial"/>
+            <a:ea typeface="Arial"/>
+            <a:cs typeface="Arial"/>
+            <a:sym typeface="Arial"/>
           </a:defRPr>
         </a:defPPr>
         <a:lvl1pPr marL="0" marR="0" indent="0" algn="l" defTabSz="914400" rtl="0" fontAlgn="auto" latinLnBrk="1" hangingPunct="0">
@@ -12113,9 +11544,9 @@
           <a:round/>
         </a:ln>
         <a:effectLst>
-          <a:outerShdw sx="100000" sy="100000" kx="0" ky="0" algn="b" rotWithShape="0" blurRad="38100" dist="23000" dir="5400000">
+          <a:outerShdw sx="100000" sy="100000" kx="0" ky="0" algn="b" rotWithShape="0" blurRad="38100" dist="20000" dir="5400000">
             <a:srgbClr val="000000">
-              <a:alpha val="35000"/>
+              <a:alpha val="38000"/>
             </a:srgbClr>
           </a:outerShdw>
         </a:effectLst>
@@ -12403,7 +11834,7 @@
         <a:effectLst/>
         <a:sp3d/>
       </a:spPr>
-      <a:bodyPr rot="0" spcFirstLastPara="1" vertOverflow="overflow" horzOverflow="overflow" vert="horz" wrap="square" lIns="45718" tIns="45718" rIns="45718" bIns="45718" numCol="1" spcCol="38100" rtlCol="0" anchor="t" upright="0">
+      <a:bodyPr rot="0" spcFirstLastPara="1" vertOverflow="overflow" horzOverflow="overflow" vert="horz" wrap="square" lIns="45719" tIns="45719" rIns="45719" bIns="45719" numCol="1" spcCol="38100" rtlCol="0" anchor="t" upright="0">
         <a:spAutoFit/>
       </a:bodyPr>
       <a:lstStyle>
@@ -12431,10 +11862,10 @@
             </a:solidFill>
             <a:effectLst/>
             <a:uFillTx/>
-            <a:latin typeface="+mj-lt"/>
-            <a:ea typeface="+mj-ea"/>
-            <a:cs typeface="+mj-cs"/>
-            <a:sym typeface="Helvetica Neue"/>
+            <a:latin typeface="Arial"/>
+            <a:ea typeface="Arial"/>
+            <a:cs typeface="Arial"/>
+            <a:sym typeface="Arial"/>
           </a:defRPr>
         </a:defPPr>
         <a:lvl1pPr marL="0" marR="0" indent="0" algn="l" defTabSz="914400" rtl="0" fontAlgn="auto" latinLnBrk="1" hangingPunct="0">
@@ -12828,9 +12259,9 @@
         </a:effectStyle>
         <a:effectStyle>
           <a:effectLst>
-            <a:outerShdw sx="100000" sy="100000" kx="0" ky="0" algn="b" rotWithShape="0" blurRad="38100" dist="23000" dir="5400000">
+            <a:outerShdw sx="100000" sy="100000" kx="0" ky="0" algn="b" rotWithShape="0" blurRad="38100" dist="20000" dir="5400000">
               <a:srgbClr val="000000">
-                <a:alpha val="35000"/>
+                <a:alpha val="38000"/>
               </a:srgbClr>
             </a:outerShdw>
           </a:effectLst>
@@ -12910,7 +12341,7 @@
         </a:effectLst>
         <a:sp3d/>
       </a:spPr>
-      <a:bodyPr rot="0" spcFirstLastPara="1" vertOverflow="overflow" horzOverflow="overflow" vert="horz" wrap="square" lIns="45718" tIns="45718" rIns="45718" bIns="45718" numCol="1" spcCol="38100" rtlCol="0" anchor="ctr" upright="0">
+      <a:bodyPr rot="0" spcFirstLastPara="1" vertOverflow="overflow" horzOverflow="overflow" vert="horz" wrap="square" lIns="45719" tIns="45719" rIns="45719" bIns="45719" numCol="1" spcCol="38100" rtlCol="0" anchor="ctr" upright="0">
         <a:spAutoFit/>
       </a:bodyPr>
       <a:lstStyle>
@@ -12938,10 +12369,10 @@
             </a:solidFill>
             <a:effectLst/>
             <a:uFillTx/>
-            <a:latin typeface="+mj-lt"/>
-            <a:ea typeface="+mj-ea"/>
-            <a:cs typeface="+mj-cs"/>
-            <a:sym typeface="Helvetica Neue"/>
+            <a:latin typeface="Arial"/>
+            <a:ea typeface="Arial"/>
+            <a:cs typeface="Arial"/>
+            <a:sym typeface="Arial"/>
           </a:defRPr>
         </a:defPPr>
         <a:lvl1pPr marL="0" marR="0" indent="0" algn="l" defTabSz="914400" rtl="0" fontAlgn="auto" latinLnBrk="1" hangingPunct="0">
@@ -13197,9 +12628,9 @@
           <a:round/>
         </a:ln>
         <a:effectLst>
-          <a:outerShdw sx="100000" sy="100000" kx="0" ky="0" algn="b" rotWithShape="0" blurRad="38100" dist="23000" dir="5400000">
+          <a:outerShdw sx="100000" sy="100000" kx="0" ky="0" algn="b" rotWithShape="0" blurRad="38100" dist="20000" dir="5400000">
             <a:srgbClr val="000000">
-              <a:alpha val="35000"/>
+              <a:alpha val="38000"/>
             </a:srgbClr>
           </a:outerShdw>
         </a:effectLst>
@@ -13487,7 +12918,7 @@
         <a:effectLst/>
         <a:sp3d/>
       </a:spPr>
-      <a:bodyPr rot="0" spcFirstLastPara="1" vertOverflow="overflow" horzOverflow="overflow" vert="horz" wrap="square" lIns="45718" tIns="45718" rIns="45718" bIns="45718" numCol="1" spcCol="38100" rtlCol="0" anchor="t" upright="0">
+      <a:bodyPr rot="0" spcFirstLastPara="1" vertOverflow="overflow" horzOverflow="overflow" vert="horz" wrap="square" lIns="45719" tIns="45719" rIns="45719" bIns="45719" numCol="1" spcCol="38100" rtlCol="0" anchor="t" upright="0">
         <a:spAutoFit/>
       </a:bodyPr>
       <a:lstStyle>
@@ -13515,10 +12946,10 @@
             </a:solidFill>
             <a:effectLst/>
             <a:uFillTx/>
-            <a:latin typeface="+mj-lt"/>
-            <a:ea typeface="+mj-ea"/>
-            <a:cs typeface="+mj-cs"/>
-            <a:sym typeface="Helvetica Neue"/>
+            <a:latin typeface="Arial"/>
+            <a:ea typeface="Arial"/>
+            <a:cs typeface="Arial"/>
+            <a:sym typeface="Arial"/>
           </a:defRPr>
         </a:defPPr>
         <a:lvl1pPr marL="0" marR="0" indent="0" algn="l" defTabSz="914400" rtl="0" fontAlgn="auto" latinLnBrk="1" hangingPunct="0">
